--- a/2015-2016/clases/informatica_basica/clase_4/clase_4.pptx
+++ b/2015-2016/clases/informatica_basica/clase_4/clase_4.pptx
@@ -289,7 +289,7 @@
           <a:p>
             <a:fld id="{7A847CFC-816F-41D0-AAC0-9BF4FEBC753E}" type="datetimeFigureOut">
               <a:rPr lang="es-ES" smtClean="0"/>
-              <a:t>20/05/2015</a:t>
+              <a:t>23/05/2015</a:t>
             </a:fld>
             <a:endParaRPr lang="es-ES"/>
           </a:p>
@@ -454,7 +454,7 @@
           <a:p>
             <a:fld id="{7A847CFC-816F-41D0-AAC0-9BF4FEBC753E}" type="datetimeFigureOut">
               <a:rPr lang="es-ES" smtClean="0"/>
-              <a:t>20/05/2015</a:t>
+              <a:t>23/05/2015</a:t>
             </a:fld>
             <a:endParaRPr lang="es-ES"/>
           </a:p>
@@ -629,7 +629,7 @@
           <a:p>
             <a:fld id="{7A847CFC-816F-41D0-AAC0-9BF4FEBC753E}" type="datetimeFigureOut">
               <a:rPr lang="es-ES" smtClean="0"/>
-              <a:t>20/05/2015</a:t>
+              <a:t>23/05/2015</a:t>
             </a:fld>
             <a:endParaRPr lang="es-ES"/>
           </a:p>
@@ -794,7 +794,7 @@
           <a:p>
             <a:fld id="{7A847CFC-816F-41D0-AAC0-9BF4FEBC753E}" type="datetimeFigureOut">
               <a:rPr lang="es-ES" smtClean="0"/>
-              <a:t>20/05/2015</a:t>
+              <a:t>23/05/2015</a:t>
             </a:fld>
             <a:endParaRPr lang="es-ES"/>
           </a:p>
@@ -1035,7 +1035,7 @@
           <a:p>
             <a:fld id="{7A847CFC-816F-41D0-AAC0-9BF4FEBC753E}" type="datetimeFigureOut">
               <a:rPr lang="es-ES" smtClean="0"/>
-              <a:t>20/05/2015</a:t>
+              <a:t>23/05/2015</a:t>
             </a:fld>
             <a:endParaRPr lang="es-ES"/>
           </a:p>
@@ -1318,7 +1318,7 @@
           <a:p>
             <a:fld id="{7A847CFC-816F-41D0-AAC0-9BF4FEBC753E}" type="datetimeFigureOut">
               <a:rPr lang="es-ES" smtClean="0"/>
-              <a:t>20/05/2015</a:t>
+              <a:t>23/05/2015</a:t>
             </a:fld>
             <a:endParaRPr lang="es-ES"/>
           </a:p>
@@ -1735,7 +1735,7 @@
           <a:p>
             <a:fld id="{7A847CFC-816F-41D0-AAC0-9BF4FEBC753E}" type="datetimeFigureOut">
               <a:rPr lang="es-ES" smtClean="0"/>
-              <a:t>20/05/2015</a:t>
+              <a:t>23/05/2015</a:t>
             </a:fld>
             <a:endParaRPr lang="es-ES"/>
           </a:p>
@@ -1848,7 +1848,7 @@
           <a:p>
             <a:fld id="{7A847CFC-816F-41D0-AAC0-9BF4FEBC753E}" type="datetimeFigureOut">
               <a:rPr lang="es-ES" smtClean="0"/>
-              <a:t>20/05/2015</a:t>
+              <a:t>23/05/2015</a:t>
             </a:fld>
             <a:endParaRPr lang="es-ES"/>
           </a:p>
@@ -1938,7 +1938,7 @@
           <a:p>
             <a:fld id="{7A847CFC-816F-41D0-AAC0-9BF4FEBC753E}" type="datetimeFigureOut">
               <a:rPr lang="es-ES" smtClean="0"/>
-              <a:t>20/05/2015</a:t>
+              <a:t>23/05/2015</a:t>
             </a:fld>
             <a:endParaRPr lang="es-ES"/>
           </a:p>
@@ -2210,7 +2210,7 @@
           <a:p>
             <a:fld id="{7A847CFC-816F-41D0-AAC0-9BF4FEBC753E}" type="datetimeFigureOut">
               <a:rPr lang="es-ES" smtClean="0"/>
-              <a:t>20/05/2015</a:t>
+              <a:t>23/05/2015</a:t>
             </a:fld>
             <a:endParaRPr lang="es-ES"/>
           </a:p>
@@ -2458,7 +2458,7 @@
           <a:p>
             <a:fld id="{7A847CFC-816F-41D0-AAC0-9BF4FEBC753E}" type="datetimeFigureOut">
               <a:rPr lang="es-ES" smtClean="0"/>
-              <a:t>20/05/2015</a:t>
+              <a:t>23/05/2015</a:t>
             </a:fld>
             <a:endParaRPr lang="es-ES"/>
           </a:p>
@@ -2666,7 +2666,7 @@
           <a:p>
             <a:fld id="{7A847CFC-816F-41D0-AAC0-9BF4FEBC753E}" type="datetimeFigureOut">
               <a:rPr lang="es-ES" smtClean="0"/>
-              <a:t>20/05/2015</a:t>
+              <a:t>23/05/2015</a:t>
             </a:fld>
             <a:endParaRPr lang="es-ES"/>
           </a:p>
@@ -3048,7 +3048,7 @@
         </p:nvSpPr>
         <p:spPr>
           <a:xfrm>
-            <a:off x="899592" y="404665"/>
+            <a:off x="827584" y="2996952"/>
             <a:ext cx="7772400" cy="936104"/>
           </a:xfrm>
         </p:spPr>
@@ -3060,30 +3060,6 @@
               <a:rPr lang="es-ES" dirty="0" smtClean="0"/>
               <a:t>Ofimática</a:t>
             </a:r>
-            <a:endParaRPr lang="es-ES" dirty="0"/>
-          </a:p>
-        </p:txBody>
-      </p:sp>
-      <p:sp>
-        <p:nvSpPr>
-          <p:cNvPr id="3" name="2 Subtítulo"/>
-          <p:cNvSpPr>
-            <a:spLocks noGrp="1"/>
-          </p:cNvSpPr>
-          <p:nvPr>
-            <p:ph type="subTitle" idx="1"/>
-          </p:nvPr>
-        </p:nvSpPr>
-        <p:spPr>
-          <a:xfrm>
-            <a:off x="755576" y="1484784"/>
-            <a:ext cx="7848872" cy="4464496"/>
-          </a:xfrm>
-        </p:spPr>
-        <p:txBody>
-          <a:bodyPr/>
-          <a:lstStyle/>
-          <a:p>
             <a:endParaRPr lang="es-ES" dirty="0"/>
           </a:p>
         </p:txBody>

--- a/2015-2016/clases/informatica_basica/clase_4/clase_4.pptx
+++ b/2015-2016/clases/informatica_basica/clase_4/clase_4.pptx
@@ -3106,10 +3106,17 @@
         </p:nvSpPr>
         <p:spPr/>
         <p:txBody>
-          <a:bodyPr/>
-          <a:lstStyle/>
-          <a:p>
-            <a:endParaRPr lang="es-ES"/>
+          <a:bodyPr>
+            <a:normAutofit/>
+          </a:bodyPr>
+          <a:lstStyle/>
+          <a:p>
+            <a:pPr algn="l"/>
+            <a:r>
+              <a:rPr lang="es-ES" dirty="0" smtClean="0"/>
+              <a:t>Que es la Ofimática?</a:t>
+            </a:r>
+            <a:endParaRPr lang="es-ES" dirty="0"/>
           </a:p>
         </p:txBody>
       </p:sp>

--- a/2015-2016/clases/informatica_basica/clase_4/clase_4.pptx
+++ b/2015-2016/clases/informatica_basica/clase_4/clase_4.pptx
@@ -2,11 +2,26 @@
 <file path=ppt/presentation.xml><?xml version="1.0" encoding="utf-8"?>
 <p:presentation xmlns:a="http://schemas.openxmlformats.org/drawingml/2006/main" xmlns:r="http://schemas.openxmlformats.org/officeDocument/2006/relationships" xmlns:p="http://schemas.openxmlformats.org/presentationml/2006/main" saveSubsetFonts="1">
   <p:sldMasterIdLst>
-    <p:sldMasterId id="2147483648" r:id="rId1"/>
+    <p:sldMasterId id="2147483660" r:id="rId1"/>
   </p:sldMasterIdLst>
   <p:sldIdLst>
     <p:sldId id="256" r:id="rId2"/>
     <p:sldId id="257" r:id="rId3"/>
+    <p:sldId id="258" r:id="rId4"/>
+    <p:sldId id="259" r:id="rId5"/>
+    <p:sldId id="260" r:id="rId6"/>
+    <p:sldId id="261" r:id="rId7"/>
+    <p:sldId id="262" r:id="rId8"/>
+    <p:sldId id="263" r:id="rId9"/>
+    <p:sldId id="264" r:id="rId10"/>
+    <p:sldId id="265" r:id="rId11"/>
+    <p:sldId id="266" r:id="rId12"/>
+    <p:sldId id="267" r:id="rId13"/>
+    <p:sldId id="268" r:id="rId14"/>
+    <p:sldId id="269" r:id="rId15"/>
+    <p:sldId id="270" r:id="rId16"/>
+    <p:sldId id="271" r:id="rId17"/>
+    <p:sldId id="272" r:id="rId18"/>
   </p:sldIdLst>
   <p:sldSz cx="9144000" cy="6858000" type="screen4x3"/>
   <p:notesSz cx="6858000" cy="9144000"/>
@@ -127,7 +142,7 @@
       </p:grpSpPr>
       <p:sp>
         <p:nvSpPr>
-          <p:cNvPr id="2" name="1 Título"/>
+          <p:cNvPr id="8" name="7 Título"/>
           <p:cNvSpPr>
             <a:spLocks noGrp="1"/>
           </p:cNvSpPr>
@@ -137,25 +152,139 @@
         </p:nvSpPr>
         <p:spPr>
           <a:xfrm>
-            <a:off x="685800" y="2130425"/>
-            <a:ext cx="7772400" cy="1470025"/>
-          </a:xfrm>
-        </p:spPr>
+            <a:off x="422030" y="1371600"/>
+            <a:ext cx="8229600" cy="1828800"/>
+          </a:xfrm>
+        </p:spPr>
+        <p:txBody>
+          <a:bodyPr vert="horz" lIns="45720" tIns="0" rIns="45720" bIns="0" anchor="b">
+            <a:normAutofit/>
+            <a:scene3d>
+              <a:camera prst="orthographicFront"/>
+              <a:lightRig rig="soft" dir="t">
+                <a:rot lat="0" lon="0" rev="17220000"/>
+              </a:lightRig>
+            </a:scene3d>
+            <a:sp3d prstMaterial="softEdge">
+              <a:bevelT w="38100" h="38100"/>
+            </a:sp3d>
+          </a:bodyPr>
+          <a:lstStyle>
+            <a:lvl1pPr>
+              <a:defRPr sz="4800" b="1" cap="all" baseline="0">
+                <a:ln w="6350">
+                  <a:noFill/>
+                </a:ln>
+                <a:gradFill>
+                  <a:gsLst>
+                    <a:gs pos="0">
+                      <a:schemeClr val="accent1">
+                        <a:tint val="73000"/>
+                        <a:satMod val="145000"/>
+                      </a:schemeClr>
+                    </a:gs>
+                    <a:gs pos="73000">
+                      <a:schemeClr val="accent1">
+                        <a:tint val="73000"/>
+                        <a:satMod val="145000"/>
+                      </a:schemeClr>
+                    </a:gs>
+                    <a:gs pos="100000">
+                      <a:schemeClr val="accent1">
+                        <a:tint val="83000"/>
+                        <a:satMod val="143000"/>
+                      </a:schemeClr>
+                    </a:gs>
+                  </a:gsLst>
+                  <a:lin ang="4800000" scaled="1"/>
+                </a:gradFill>
+                <a:effectLst>
+                  <a:outerShdw blurRad="127000" dist="200000" dir="2700000" algn="tl" rotWithShape="0">
+                    <a:srgbClr val="000000">
+                      <a:alpha val="30000"/>
+                    </a:srgbClr>
+                  </a:outerShdw>
+                </a:effectLst>
+              </a:defRPr>
+            </a:lvl1pPr>
+          </a:lstStyle>
+          <a:p>
+            <a:r>
+              <a:rPr kumimoji="0" lang="es-ES" smtClean="0"/>
+              <a:t>Haga clic para modificar el estilo de título del patrón</a:t>
+            </a:r>
+            <a:endParaRPr kumimoji="0" lang="en-US"/>
+          </a:p>
+        </p:txBody>
+      </p:sp>
+      <p:sp>
+        <p:nvSpPr>
+          <p:cNvPr id="28" name="27 Marcador de fecha"/>
+          <p:cNvSpPr>
+            <a:spLocks noGrp="1"/>
+          </p:cNvSpPr>
+          <p:nvPr>
+            <p:ph type="dt" sz="half" idx="10"/>
+          </p:nvPr>
+        </p:nvSpPr>
+        <p:spPr/>
         <p:txBody>
           <a:bodyPr/>
           <a:lstStyle/>
           <a:p>
-            <a:r>
+            <a:fld id="{7A847CFC-816F-41D0-AAC0-9BF4FEBC753E}" type="datetimeFigureOut">
               <a:rPr lang="es-ES" smtClean="0"/>
-              <a:t>Haga clic para modificar el estilo de título del patrón</a:t>
-            </a:r>
+              <a:t>25/05/2015</a:t>
+            </a:fld>
             <a:endParaRPr lang="es-ES"/>
           </a:p>
         </p:txBody>
       </p:sp>
       <p:sp>
         <p:nvSpPr>
-          <p:cNvPr id="3" name="2 Subtítulo"/>
+          <p:cNvPr id="17" name="16 Marcador de pie de página"/>
+          <p:cNvSpPr>
+            <a:spLocks noGrp="1"/>
+          </p:cNvSpPr>
+          <p:nvPr>
+            <p:ph type="ftr" sz="quarter" idx="11"/>
+          </p:nvPr>
+        </p:nvSpPr>
+        <p:spPr/>
+        <p:txBody>
+          <a:bodyPr/>
+          <a:lstStyle/>
+          <a:p>
+            <a:endParaRPr lang="es-ES"/>
+          </a:p>
+        </p:txBody>
+      </p:sp>
+      <p:sp>
+        <p:nvSpPr>
+          <p:cNvPr id="29" name="28 Marcador de número de diapositiva"/>
+          <p:cNvSpPr>
+            <a:spLocks noGrp="1"/>
+          </p:cNvSpPr>
+          <p:nvPr>
+            <p:ph type="sldNum" sz="quarter" idx="12"/>
+          </p:nvPr>
+        </p:nvSpPr>
+        <p:spPr/>
+        <p:txBody>
+          <a:bodyPr/>
+          <a:lstStyle/>
+          <a:p>
+            <a:fld id="{132FADFE-3B8F-471C-ABF0-DBC7717ECBBC}" type="slidenum">
+              <a:rPr lang="es-ES" smtClean="0"/>
+              <a:t>‹Nº›</a:t>
+            </a:fld>
+            <a:endParaRPr lang="es-ES"/>
+          </a:p>
+        </p:txBody>
+      </p:sp>
+      <p:sp>
+        <p:nvSpPr>
+          <p:cNvPr id="9" name="8 Subtítulo"/>
           <p:cNvSpPr>
             <a:spLocks noGrp="1"/>
           </p:cNvSpPr>
@@ -165,7 +294,7 @@
         </p:nvSpPr>
         <p:spPr>
           <a:xfrm>
-            <a:off x="1371600" y="3886200"/>
+            <a:off x="1371600" y="3331698"/>
             <a:ext cx="6400800" cy="1752600"/>
           </a:xfrm>
         </p:spPr>
@@ -176,164 +305,41 @@
               <a:buNone/>
               <a:defRPr>
                 <a:solidFill>
-                  <a:schemeClr val="tx1">
-                    <a:tint val="75000"/>
-                  </a:schemeClr>
+                  <a:schemeClr val="tx1"/>
                 </a:solidFill>
               </a:defRPr>
             </a:lvl1pPr>
             <a:lvl2pPr marL="457200" indent="0" algn="ctr">
               <a:buNone/>
-              <a:defRPr>
-                <a:solidFill>
-                  <a:schemeClr val="tx1">
-                    <a:tint val="75000"/>
-                  </a:schemeClr>
-                </a:solidFill>
-              </a:defRPr>
             </a:lvl2pPr>
             <a:lvl3pPr marL="914400" indent="0" algn="ctr">
               <a:buNone/>
-              <a:defRPr>
-                <a:solidFill>
-                  <a:schemeClr val="tx1">
-                    <a:tint val="75000"/>
-                  </a:schemeClr>
-                </a:solidFill>
-              </a:defRPr>
             </a:lvl3pPr>
             <a:lvl4pPr marL="1371600" indent="0" algn="ctr">
               <a:buNone/>
-              <a:defRPr>
-                <a:solidFill>
-                  <a:schemeClr val="tx1">
-                    <a:tint val="75000"/>
-                  </a:schemeClr>
-                </a:solidFill>
-              </a:defRPr>
             </a:lvl4pPr>
             <a:lvl5pPr marL="1828800" indent="0" algn="ctr">
               <a:buNone/>
-              <a:defRPr>
-                <a:solidFill>
-                  <a:schemeClr val="tx1">
-                    <a:tint val="75000"/>
-                  </a:schemeClr>
-                </a:solidFill>
-              </a:defRPr>
             </a:lvl5pPr>
             <a:lvl6pPr marL="2286000" indent="0" algn="ctr">
               <a:buNone/>
-              <a:defRPr>
-                <a:solidFill>
-                  <a:schemeClr val="tx1">
-                    <a:tint val="75000"/>
-                  </a:schemeClr>
-                </a:solidFill>
-              </a:defRPr>
             </a:lvl6pPr>
             <a:lvl7pPr marL="2743200" indent="0" algn="ctr">
               <a:buNone/>
-              <a:defRPr>
-                <a:solidFill>
-                  <a:schemeClr val="tx1">
-                    <a:tint val="75000"/>
-                  </a:schemeClr>
-                </a:solidFill>
-              </a:defRPr>
             </a:lvl7pPr>
             <a:lvl8pPr marL="3200400" indent="0" algn="ctr">
               <a:buNone/>
-              <a:defRPr>
-                <a:solidFill>
-                  <a:schemeClr val="tx1">
-                    <a:tint val="75000"/>
-                  </a:schemeClr>
-                </a:solidFill>
-              </a:defRPr>
             </a:lvl8pPr>
             <a:lvl9pPr marL="3657600" indent="0" algn="ctr">
               <a:buNone/>
-              <a:defRPr>
-                <a:solidFill>
-                  <a:schemeClr val="tx1">
-                    <a:tint val="75000"/>
-                  </a:schemeClr>
-                </a:solidFill>
-              </a:defRPr>
             </a:lvl9pPr>
           </a:lstStyle>
           <a:p>
             <a:r>
-              <a:rPr lang="es-ES" smtClean="0"/>
+              <a:rPr kumimoji="0" lang="es-ES" smtClean="0"/>
               <a:t>Haga clic para modificar el estilo de subtítulo del patrón</a:t>
             </a:r>
-            <a:endParaRPr lang="es-ES"/>
-          </a:p>
-        </p:txBody>
-      </p:sp>
-      <p:sp>
-        <p:nvSpPr>
-          <p:cNvPr id="4" name="3 Marcador de fecha"/>
-          <p:cNvSpPr>
-            <a:spLocks noGrp="1"/>
-          </p:cNvSpPr>
-          <p:nvPr>
-            <p:ph type="dt" sz="half" idx="10"/>
-          </p:nvPr>
-        </p:nvSpPr>
-        <p:spPr/>
-        <p:txBody>
-          <a:bodyPr/>
-          <a:lstStyle/>
-          <a:p>
-            <a:fld id="{7A847CFC-816F-41D0-AAC0-9BF4FEBC753E}" type="datetimeFigureOut">
-              <a:rPr lang="es-ES" smtClean="0"/>
-              <a:t>23/05/2015</a:t>
-            </a:fld>
-            <a:endParaRPr lang="es-ES"/>
-          </a:p>
-        </p:txBody>
-      </p:sp>
-      <p:sp>
-        <p:nvSpPr>
-          <p:cNvPr id="5" name="4 Marcador de pie de página"/>
-          <p:cNvSpPr>
-            <a:spLocks noGrp="1"/>
-          </p:cNvSpPr>
-          <p:nvPr>
-            <p:ph type="ftr" sz="quarter" idx="11"/>
-          </p:nvPr>
-        </p:nvSpPr>
-        <p:spPr/>
-        <p:txBody>
-          <a:bodyPr/>
-          <a:lstStyle/>
-          <a:p>
-            <a:endParaRPr lang="es-ES"/>
-          </a:p>
-        </p:txBody>
-      </p:sp>
-      <p:sp>
-        <p:nvSpPr>
-          <p:cNvPr id="6" name="5 Marcador de número de diapositiva"/>
-          <p:cNvSpPr>
-            <a:spLocks noGrp="1"/>
-          </p:cNvSpPr>
-          <p:nvPr>
-            <p:ph type="sldNum" sz="quarter" idx="12"/>
-          </p:nvPr>
-        </p:nvSpPr>
-        <p:spPr/>
-        <p:txBody>
-          <a:bodyPr/>
-          <a:lstStyle/>
-          <a:p>
-            <a:fld id="{132FADFE-3B8F-471C-ABF0-DBC7717ECBBC}" type="slidenum">
-              <a:rPr lang="es-ES" smtClean="0"/>
-              <a:t>‹Nº›</a:t>
-            </a:fld>
-            <a:endParaRPr lang="es-ES"/>
+            <a:endParaRPr kumimoji="0" lang="en-US"/>
           </a:p>
         </p:txBody>
       </p:sp>
@@ -378,10 +384,10 @@
           <a:lstStyle/>
           <a:p>
             <a:r>
-              <a:rPr lang="es-ES" smtClean="0"/>
+              <a:rPr kumimoji="0" lang="es-ES" smtClean="0"/>
               <a:t>Haga clic para modificar el estilo de título del patrón</a:t>
             </a:r>
-            <a:endParaRPr lang="es-ES"/>
+            <a:endParaRPr kumimoji="0" lang="en-US"/>
           </a:p>
         </p:txBody>
       </p:sp>
@@ -400,40 +406,40 @@
           <a:bodyPr vert="eaVert"/>
           <a:lstStyle/>
           <a:p>
-            <a:pPr lvl="0"/>
+            <a:pPr lvl="0" eaLnBrk="1" latinLnBrk="0" hangingPunct="1"/>
             <a:r>
               <a:rPr lang="es-ES" smtClean="0"/>
               <a:t>Haga clic para modificar el estilo de texto del patrón</a:t>
             </a:r>
           </a:p>
           <a:p>
-            <a:pPr lvl="1"/>
+            <a:pPr lvl="1" eaLnBrk="1" latinLnBrk="0" hangingPunct="1"/>
             <a:r>
               <a:rPr lang="es-ES" smtClean="0"/>
               <a:t>Segundo nivel</a:t>
             </a:r>
           </a:p>
           <a:p>
-            <a:pPr lvl="2"/>
+            <a:pPr lvl="2" eaLnBrk="1" latinLnBrk="0" hangingPunct="1"/>
             <a:r>
               <a:rPr lang="es-ES" smtClean="0"/>
               <a:t>Tercer nivel</a:t>
             </a:r>
           </a:p>
           <a:p>
-            <a:pPr lvl="3"/>
+            <a:pPr lvl="3" eaLnBrk="1" latinLnBrk="0" hangingPunct="1"/>
             <a:r>
               <a:rPr lang="es-ES" smtClean="0"/>
               <a:t>Cuarto nivel</a:t>
             </a:r>
           </a:p>
           <a:p>
-            <a:pPr lvl="4"/>
+            <a:pPr lvl="4" eaLnBrk="1" latinLnBrk="0" hangingPunct="1"/>
             <a:r>
               <a:rPr lang="es-ES" smtClean="0"/>
               <a:t>Quinto nivel</a:t>
             </a:r>
-            <a:endParaRPr lang="es-ES"/>
+            <a:endParaRPr kumimoji="0" lang="en-US"/>
           </a:p>
         </p:txBody>
       </p:sp>
@@ -454,7 +460,7 @@
           <a:p>
             <a:fld id="{7A847CFC-816F-41D0-AAC0-9BF4FEBC753E}" type="datetimeFigureOut">
               <a:rPr lang="es-ES" smtClean="0"/>
-              <a:t>23/05/2015</a:t>
+              <a:t>25/05/2015</a:t>
             </a:fld>
             <a:endParaRPr lang="es-ES"/>
           </a:p>
@@ -548,10 +554,10 @@
           <a:lstStyle/>
           <a:p>
             <a:r>
-              <a:rPr lang="es-ES" smtClean="0"/>
+              <a:rPr kumimoji="0" lang="es-ES" smtClean="0"/>
               <a:t>Haga clic para modificar el estilo de título del patrón</a:t>
             </a:r>
-            <a:endParaRPr lang="es-ES"/>
+            <a:endParaRPr kumimoji="0" lang="en-US"/>
           </a:p>
         </p:txBody>
       </p:sp>
@@ -575,40 +581,40 @@
           <a:bodyPr vert="eaVert"/>
           <a:lstStyle/>
           <a:p>
-            <a:pPr lvl="0"/>
+            <a:pPr lvl="0" eaLnBrk="1" latinLnBrk="0" hangingPunct="1"/>
             <a:r>
               <a:rPr lang="es-ES" smtClean="0"/>
               <a:t>Haga clic para modificar el estilo de texto del patrón</a:t>
             </a:r>
           </a:p>
           <a:p>
-            <a:pPr lvl="1"/>
+            <a:pPr lvl="1" eaLnBrk="1" latinLnBrk="0" hangingPunct="1"/>
             <a:r>
               <a:rPr lang="es-ES" smtClean="0"/>
               <a:t>Segundo nivel</a:t>
             </a:r>
           </a:p>
           <a:p>
-            <a:pPr lvl="2"/>
+            <a:pPr lvl="2" eaLnBrk="1" latinLnBrk="0" hangingPunct="1"/>
             <a:r>
               <a:rPr lang="es-ES" smtClean="0"/>
               <a:t>Tercer nivel</a:t>
             </a:r>
           </a:p>
           <a:p>
-            <a:pPr lvl="3"/>
+            <a:pPr lvl="3" eaLnBrk="1" latinLnBrk="0" hangingPunct="1"/>
             <a:r>
               <a:rPr lang="es-ES" smtClean="0"/>
               <a:t>Cuarto nivel</a:t>
             </a:r>
           </a:p>
           <a:p>
-            <a:pPr lvl="4"/>
+            <a:pPr lvl="4" eaLnBrk="1" latinLnBrk="0" hangingPunct="1"/>
             <a:r>
               <a:rPr lang="es-ES" smtClean="0"/>
               <a:t>Quinto nivel</a:t>
             </a:r>
-            <a:endParaRPr lang="es-ES"/>
+            <a:endParaRPr kumimoji="0" lang="en-US"/>
           </a:p>
         </p:txBody>
       </p:sp>
@@ -629,7 +635,7 @@
           <a:p>
             <a:fld id="{7A847CFC-816F-41D0-AAC0-9BF4FEBC753E}" type="datetimeFigureOut">
               <a:rPr lang="es-ES" smtClean="0"/>
-              <a:t>23/05/2015</a:t>
+              <a:t>25/05/2015</a:t>
             </a:fld>
             <a:endParaRPr lang="es-ES"/>
           </a:p>
@@ -718,10 +724,10 @@
           <a:lstStyle/>
           <a:p>
             <a:r>
-              <a:rPr lang="es-ES" smtClean="0"/>
+              <a:rPr kumimoji="0" lang="es-ES" smtClean="0"/>
               <a:t>Haga clic para modificar el estilo de título del patrón</a:t>
             </a:r>
-            <a:endParaRPr lang="es-ES"/>
+            <a:endParaRPr kumimoji="0" lang="en-US"/>
           </a:p>
         </p:txBody>
       </p:sp>
@@ -740,40 +746,40 @@
           <a:bodyPr/>
           <a:lstStyle/>
           <a:p>
-            <a:pPr lvl="0"/>
+            <a:pPr lvl="0" eaLnBrk="1" latinLnBrk="0" hangingPunct="1"/>
             <a:r>
               <a:rPr lang="es-ES" smtClean="0"/>
               <a:t>Haga clic para modificar el estilo de texto del patrón</a:t>
             </a:r>
           </a:p>
           <a:p>
-            <a:pPr lvl="1"/>
+            <a:pPr lvl="1" eaLnBrk="1" latinLnBrk="0" hangingPunct="1"/>
             <a:r>
               <a:rPr lang="es-ES" smtClean="0"/>
               <a:t>Segundo nivel</a:t>
             </a:r>
           </a:p>
           <a:p>
-            <a:pPr lvl="2"/>
+            <a:pPr lvl="2" eaLnBrk="1" latinLnBrk="0" hangingPunct="1"/>
             <a:r>
               <a:rPr lang="es-ES" smtClean="0"/>
               <a:t>Tercer nivel</a:t>
             </a:r>
           </a:p>
           <a:p>
-            <a:pPr lvl="3"/>
+            <a:pPr lvl="3" eaLnBrk="1" latinLnBrk="0" hangingPunct="1"/>
             <a:r>
               <a:rPr lang="es-ES" smtClean="0"/>
               <a:t>Cuarto nivel</a:t>
             </a:r>
           </a:p>
           <a:p>
-            <a:pPr lvl="4"/>
+            <a:pPr lvl="4" eaLnBrk="1" latinLnBrk="0" hangingPunct="1"/>
             <a:r>
               <a:rPr lang="es-ES" smtClean="0"/>
               <a:t>Quinto nivel</a:t>
             </a:r>
-            <a:endParaRPr lang="es-ES"/>
+            <a:endParaRPr kumimoji="0" lang="en-US"/>
           </a:p>
         </p:txBody>
       </p:sp>
@@ -794,7 +800,7 @@
           <a:p>
             <a:fld id="{7A847CFC-816F-41D0-AAC0-9BF4FEBC753E}" type="datetimeFigureOut">
               <a:rPr lang="es-ES" smtClean="0"/>
-              <a:t>23/05/2015</a:t>
+              <a:t>25/05/2015</a:t>
             </a:fld>
             <a:endParaRPr lang="es-ES"/>
           </a:p>
@@ -853,6 +859,11 @@
 <file path=ppt/slideLayouts/slideLayout3.xml><?xml version="1.0" encoding="utf-8"?>
 <p:sldLayout xmlns:a="http://schemas.openxmlformats.org/drawingml/2006/main" xmlns:r="http://schemas.openxmlformats.org/officeDocument/2006/relationships" xmlns:p="http://schemas.openxmlformats.org/presentationml/2006/main" type="secHead" preserve="1">
   <p:cSld name="Encabezado de sección">
+    <p:bg>
+      <p:bgRef idx="1003">
+        <a:schemeClr val="bg2"/>
+      </p:bgRef>
+    </p:bg>
     <p:spTree>
       <p:nvGrpSpPr>
         <p:cNvPr id="1" name=""/>
@@ -879,56 +890,94 @@
         </p:nvSpPr>
         <p:spPr>
           <a:xfrm>
-            <a:off x="722313" y="4406900"/>
-            <a:ext cx="7772400" cy="1362075"/>
+            <a:off x="1600200" y="609600"/>
+            <a:ext cx="7086600" cy="1828800"/>
+          </a:xfrm>
+        </p:spPr>
+        <p:txBody>
+          <a:bodyPr vert="horz" bIns="0" anchor="b">
+            <a:noAutofit/>
+            <a:scene3d>
+              <a:camera prst="orthographicFront"/>
+              <a:lightRig rig="soft" dir="t">
+                <a:rot lat="0" lon="0" rev="17220000"/>
+              </a:lightRig>
+            </a:scene3d>
+            <a:sp3d prstMaterial="softEdge">
+              <a:bevelT w="38100" h="38100"/>
+              <a:contourClr>
+                <a:schemeClr val="tx2">
+                  <a:shade val="50000"/>
+                </a:schemeClr>
+              </a:contourClr>
+            </a:sp3d>
+          </a:bodyPr>
+          <a:lstStyle>
+            <a:lvl1pPr algn="l" rtl="0">
+              <a:spcBef>
+                <a:spcPct val="0"/>
+              </a:spcBef>
+              <a:buNone/>
+              <a:defRPr sz="4800" b="1" cap="none" baseline="0">
+                <a:ln w="6350">
+                  <a:noFill/>
+                </a:ln>
+                <a:solidFill>
+                  <a:schemeClr val="accent1">
+                    <a:tint val="90000"/>
+                    <a:satMod val="120000"/>
+                  </a:schemeClr>
+                </a:solidFill>
+                <a:effectLst>
+                  <a:outerShdw blurRad="114300" dist="101600" dir="2700000" algn="tl" rotWithShape="0">
+                    <a:srgbClr val="000000">
+                      <a:alpha val="40000"/>
+                    </a:srgbClr>
+                  </a:outerShdw>
+                </a:effectLst>
+                <a:latin typeface="+mj-lt"/>
+                <a:ea typeface="+mj-ea"/>
+                <a:cs typeface="+mj-cs"/>
+              </a:defRPr>
+            </a:lvl1pPr>
+          </a:lstStyle>
+          <a:p>
+            <a:r>
+              <a:rPr kumimoji="0" lang="es-ES" smtClean="0"/>
+              <a:t>Haga clic para modificar el estilo de título del patrón</a:t>
+            </a:r>
+            <a:endParaRPr kumimoji="0" lang="en-US"/>
+          </a:p>
+        </p:txBody>
+      </p:sp>
+      <p:sp>
+        <p:nvSpPr>
+          <p:cNvPr id="3" name="2 Marcador de texto"/>
+          <p:cNvSpPr>
+            <a:spLocks noGrp="1"/>
+          </p:cNvSpPr>
+          <p:nvPr>
+            <p:ph type="body" idx="1"/>
+          </p:nvPr>
+        </p:nvSpPr>
+        <p:spPr>
+          <a:xfrm>
+            <a:off x="1600200" y="2507786"/>
+            <a:ext cx="7086600" cy="1509712"/>
           </a:xfrm>
         </p:spPr>
         <p:txBody>
           <a:bodyPr anchor="t"/>
           <a:lstStyle>
-            <a:lvl1pPr algn="l">
-              <a:defRPr sz="4000" b="1" cap="all"/>
-            </a:lvl1pPr>
-          </a:lstStyle>
-          <a:p>
-            <a:r>
-              <a:rPr lang="es-ES" smtClean="0"/>
-              <a:t>Haga clic para modificar el estilo de título del patrón</a:t>
-            </a:r>
-            <a:endParaRPr lang="es-ES"/>
-          </a:p>
-        </p:txBody>
-      </p:sp>
-      <p:sp>
-        <p:nvSpPr>
-          <p:cNvPr id="3" name="2 Marcador de texto"/>
-          <p:cNvSpPr>
-            <a:spLocks noGrp="1"/>
-          </p:cNvSpPr>
-          <p:nvPr>
-            <p:ph type="body" idx="1"/>
-          </p:nvPr>
-        </p:nvSpPr>
-        <p:spPr>
-          <a:xfrm>
-            <a:off x="722313" y="2906713"/>
-            <a:ext cx="7772400" cy="1500187"/>
-          </a:xfrm>
-        </p:spPr>
-        <p:txBody>
-          <a:bodyPr anchor="b"/>
-          <a:lstStyle>
-            <a:lvl1pPr marL="0" indent="0">
+            <a:lvl1pPr marL="73152" indent="0" algn="l">
               <a:buNone/>
               <a:defRPr sz="2000">
                 <a:solidFill>
-                  <a:schemeClr val="tx1">
-                    <a:tint val="75000"/>
-                  </a:schemeClr>
+                  <a:schemeClr val="tx1"/>
                 </a:solidFill>
               </a:defRPr>
             </a:lvl1pPr>
-            <a:lvl2pPr marL="457200" indent="0">
+            <a:lvl2pPr>
               <a:buNone/>
               <a:defRPr sz="1800">
                 <a:solidFill>
@@ -938,7 +987,7 @@
                 </a:solidFill>
               </a:defRPr>
             </a:lvl2pPr>
-            <a:lvl3pPr marL="914400" indent="0">
+            <a:lvl3pPr>
               <a:buNone/>
               <a:defRPr sz="1600">
                 <a:solidFill>
@@ -948,7 +997,7 @@
                 </a:solidFill>
               </a:defRPr>
             </a:lvl3pPr>
-            <a:lvl4pPr marL="1371600" indent="0">
+            <a:lvl4pPr>
               <a:buNone/>
               <a:defRPr sz="1400">
                 <a:solidFill>
@@ -958,7 +1007,7 @@
                 </a:solidFill>
               </a:defRPr>
             </a:lvl4pPr>
-            <a:lvl5pPr marL="1828800" indent="0">
+            <a:lvl5pPr>
               <a:buNone/>
               <a:defRPr sz="1400">
                 <a:solidFill>
@@ -968,51 +1017,11 @@
                 </a:solidFill>
               </a:defRPr>
             </a:lvl5pPr>
-            <a:lvl6pPr marL="2286000" indent="0">
-              <a:buNone/>
-              <a:defRPr sz="1400">
-                <a:solidFill>
-                  <a:schemeClr val="tx1">
-                    <a:tint val="75000"/>
-                  </a:schemeClr>
-                </a:solidFill>
-              </a:defRPr>
-            </a:lvl6pPr>
-            <a:lvl7pPr marL="2743200" indent="0">
-              <a:buNone/>
-              <a:defRPr sz="1400">
-                <a:solidFill>
-                  <a:schemeClr val="tx1">
-                    <a:tint val="75000"/>
-                  </a:schemeClr>
-                </a:solidFill>
-              </a:defRPr>
-            </a:lvl7pPr>
-            <a:lvl8pPr marL="3200400" indent="0">
-              <a:buNone/>
-              <a:defRPr sz="1400">
-                <a:solidFill>
-                  <a:schemeClr val="tx1">
-                    <a:tint val="75000"/>
-                  </a:schemeClr>
-                </a:solidFill>
-              </a:defRPr>
-            </a:lvl8pPr>
-            <a:lvl9pPr marL="3657600" indent="0">
-              <a:buNone/>
-              <a:defRPr sz="1400">
-                <a:solidFill>
-                  <a:schemeClr val="tx1">
-                    <a:tint val="75000"/>
-                  </a:schemeClr>
-                </a:solidFill>
-              </a:defRPr>
-            </a:lvl9pPr>
           </a:lstStyle>
           <a:p>
-            <a:pPr lvl="0"/>
-            <a:r>
-              <a:rPr lang="es-ES" smtClean="0"/>
+            <a:pPr lvl="0" eaLnBrk="1" latinLnBrk="0" hangingPunct="1"/>
+            <a:r>
+              <a:rPr kumimoji="0" lang="es-ES" smtClean="0"/>
               <a:t>Haga clic para modificar el estilo de texto del patrón</a:t>
             </a:r>
           </a:p>
@@ -1035,7 +1044,7 @@
           <a:p>
             <a:fld id="{7A847CFC-816F-41D0-AAC0-9BF4FEBC753E}" type="datetimeFigureOut">
               <a:rPr lang="es-ES" smtClean="0"/>
-              <a:t>23/05/2015</a:t>
+              <a:t>25/05/2015</a:t>
             </a:fld>
             <a:endParaRPr lang="es-ES"/>
           </a:p>
@@ -1070,7 +1079,12 @@
             <p:ph type="sldNum" sz="quarter" idx="12"/>
           </p:nvPr>
         </p:nvSpPr>
-        <p:spPr/>
+        <p:spPr>
+          <a:xfrm>
+            <a:off x="7924800" y="6416675"/>
+            <a:ext cx="762000" cy="365125"/>
+          </a:xfrm>
+        </p:spPr>
         <p:txBody>
           <a:bodyPr/>
           <a:lstStyle/>
@@ -1086,7 +1100,7 @@
     </p:spTree>
   </p:cSld>
   <p:clrMapOvr>
-    <a:masterClrMapping/>
+    <a:overrideClrMapping bg1="dk1" tx1="lt1" bg2="dk2" tx2="lt2" accent1="accent1" accent2="accent2" accent3="accent3" accent4="accent4" accent5="accent5" accent6="accent6" hlink="hlink" folHlink="folHlink"/>
   </p:clrMapOvr>
 </p:sldLayout>
 </file>
@@ -1124,10 +1138,10 @@
           <a:lstStyle/>
           <a:p>
             <a:r>
-              <a:rPr lang="es-ES" smtClean="0"/>
+              <a:rPr kumimoji="0" lang="es-ES" smtClean="0"/>
               <a:t>Haga clic para modificar el estilo de título del patrón</a:t>
             </a:r>
-            <a:endParaRPr lang="es-ES"/>
+            <a:endParaRPr kumimoji="0" lang="en-US"/>
           </a:p>
         </p:txBody>
       </p:sp>
@@ -1151,7 +1165,7 @@
           <a:bodyPr/>
           <a:lstStyle>
             <a:lvl1pPr>
-              <a:defRPr sz="2800"/>
+              <a:defRPr sz="2600"/>
             </a:lvl1pPr>
             <a:lvl2pPr>
               <a:defRPr sz="2400"/>
@@ -1165,54 +1179,42 @@
             <a:lvl5pPr>
               <a:defRPr sz="1800"/>
             </a:lvl5pPr>
-            <a:lvl6pPr>
-              <a:defRPr sz="1800"/>
-            </a:lvl6pPr>
-            <a:lvl7pPr>
-              <a:defRPr sz="1800"/>
-            </a:lvl7pPr>
-            <a:lvl8pPr>
-              <a:defRPr sz="1800"/>
-            </a:lvl8pPr>
-            <a:lvl9pPr>
-              <a:defRPr sz="1800"/>
-            </a:lvl9pPr>
           </a:lstStyle>
           <a:p>
-            <a:pPr lvl="0"/>
+            <a:pPr lvl="0" eaLnBrk="1" latinLnBrk="0" hangingPunct="1"/>
             <a:r>
               <a:rPr lang="es-ES" smtClean="0"/>
               <a:t>Haga clic para modificar el estilo de texto del patrón</a:t>
             </a:r>
           </a:p>
           <a:p>
-            <a:pPr lvl="1"/>
+            <a:pPr lvl="1" eaLnBrk="1" latinLnBrk="0" hangingPunct="1"/>
             <a:r>
               <a:rPr lang="es-ES" smtClean="0"/>
               <a:t>Segundo nivel</a:t>
             </a:r>
           </a:p>
           <a:p>
-            <a:pPr lvl="2"/>
+            <a:pPr lvl="2" eaLnBrk="1" latinLnBrk="0" hangingPunct="1"/>
             <a:r>
               <a:rPr lang="es-ES" smtClean="0"/>
               <a:t>Tercer nivel</a:t>
             </a:r>
           </a:p>
           <a:p>
-            <a:pPr lvl="3"/>
+            <a:pPr lvl="3" eaLnBrk="1" latinLnBrk="0" hangingPunct="1"/>
             <a:r>
               <a:rPr lang="es-ES" smtClean="0"/>
               <a:t>Cuarto nivel</a:t>
             </a:r>
           </a:p>
           <a:p>
-            <a:pPr lvl="4"/>
+            <a:pPr lvl="4" eaLnBrk="1" latinLnBrk="0" hangingPunct="1"/>
             <a:r>
               <a:rPr lang="es-ES" smtClean="0"/>
               <a:t>Quinto nivel</a:t>
             </a:r>
-            <a:endParaRPr lang="es-ES"/>
+            <a:endParaRPr kumimoji="0" lang="en-US"/>
           </a:p>
         </p:txBody>
       </p:sp>
@@ -1236,7 +1238,7 @@
           <a:bodyPr/>
           <a:lstStyle>
             <a:lvl1pPr>
-              <a:defRPr sz="2800"/>
+              <a:defRPr sz="2600"/>
             </a:lvl1pPr>
             <a:lvl2pPr>
               <a:defRPr sz="2400"/>
@@ -1250,54 +1252,42 @@
             <a:lvl5pPr>
               <a:defRPr sz="1800"/>
             </a:lvl5pPr>
-            <a:lvl6pPr>
-              <a:defRPr sz="1800"/>
-            </a:lvl6pPr>
-            <a:lvl7pPr>
-              <a:defRPr sz="1800"/>
-            </a:lvl7pPr>
-            <a:lvl8pPr>
-              <a:defRPr sz="1800"/>
-            </a:lvl8pPr>
-            <a:lvl9pPr>
-              <a:defRPr sz="1800"/>
-            </a:lvl9pPr>
           </a:lstStyle>
           <a:p>
-            <a:pPr lvl="0"/>
+            <a:pPr lvl="0" eaLnBrk="1" latinLnBrk="0" hangingPunct="1"/>
             <a:r>
               <a:rPr lang="es-ES" smtClean="0"/>
               <a:t>Haga clic para modificar el estilo de texto del patrón</a:t>
             </a:r>
           </a:p>
           <a:p>
-            <a:pPr lvl="1"/>
+            <a:pPr lvl="1" eaLnBrk="1" latinLnBrk="0" hangingPunct="1"/>
             <a:r>
               <a:rPr lang="es-ES" smtClean="0"/>
               <a:t>Segundo nivel</a:t>
             </a:r>
           </a:p>
           <a:p>
-            <a:pPr lvl="2"/>
+            <a:pPr lvl="2" eaLnBrk="1" latinLnBrk="0" hangingPunct="1"/>
             <a:r>
               <a:rPr lang="es-ES" smtClean="0"/>
               <a:t>Tercer nivel</a:t>
             </a:r>
           </a:p>
           <a:p>
-            <a:pPr lvl="3"/>
+            <a:pPr lvl="3" eaLnBrk="1" latinLnBrk="0" hangingPunct="1"/>
             <a:r>
               <a:rPr lang="es-ES" smtClean="0"/>
               <a:t>Cuarto nivel</a:t>
             </a:r>
           </a:p>
           <a:p>
-            <a:pPr lvl="4"/>
+            <a:pPr lvl="4" eaLnBrk="1" latinLnBrk="0" hangingPunct="1"/>
             <a:r>
               <a:rPr lang="es-ES" smtClean="0"/>
               <a:t>Quinto nivel</a:t>
             </a:r>
-            <a:endParaRPr lang="es-ES"/>
+            <a:endParaRPr kumimoji="0" lang="en-US"/>
           </a:p>
         </p:txBody>
       </p:sp>
@@ -1318,7 +1308,7 @@
           <a:p>
             <a:fld id="{7A847CFC-816F-41D0-AAC0-9BF4FEBC753E}" type="datetimeFigureOut">
               <a:rPr lang="es-ES" smtClean="0"/>
-              <a:t>23/05/2015</a:t>
+              <a:t>25/05/2015</a:t>
             </a:fld>
             <a:endParaRPr lang="es-ES"/>
           </a:p>
@@ -1401,9 +1391,14 @@
             <p:ph type="title"/>
           </p:nvPr>
         </p:nvSpPr>
-        <p:spPr/>
-        <p:txBody>
-          <a:bodyPr/>
+        <p:spPr>
+          <a:xfrm>
+            <a:off x="457200" y="273050"/>
+            <a:ext cx="8229600" cy="1143000"/>
+          </a:xfrm>
+        </p:spPr>
+        <p:txBody>
+          <a:bodyPr anchor="ctr"/>
           <a:lstStyle>
             <a:lvl1pPr>
               <a:defRPr/>
@@ -1411,10 +1406,10 @@
           </a:lstStyle>
           <a:p>
             <a:r>
-              <a:rPr lang="es-ES" smtClean="0"/>
+              <a:rPr kumimoji="0" lang="es-ES" smtClean="0"/>
               <a:t>Haga clic para modificar el estilo de título del patrón</a:t>
             </a:r>
-            <a:endParaRPr lang="es-ES"/>
+            <a:endParaRPr kumimoji="0" lang="en-US"/>
           </a:p>
         </p:txBody>
       </p:sp>
@@ -1430,54 +1425,95 @@
         </p:nvSpPr>
         <p:spPr>
           <a:xfrm>
-            <a:off x="457200" y="1535113"/>
-            <a:ext cx="4040188" cy="639762"/>
-          </a:xfrm>
-        </p:spPr>
-        <p:txBody>
-          <a:bodyPr anchor="b"/>
+            <a:off x="457200" y="1535112"/>
+            <a:ext cx="4040188" cy="750887"/>
+          </a:xfrm>
+        </p:spPr>
+        <p:txBody>
+          <a:bodyPr anchor="ctr"/>
           <a:lstStyle>
             <a:lvl1pPr marL="0" indent="0">
               <a:buNone/>
-              <a:defRPr sz="2400" b="1"/>
+              <a:defRPr sz="2400" b="0" cap="all" baseline="0">
+                <a:solidFill>
+                  <a:schemeClr val="tx1"/>
+                </a:solidFill>
+              </a:defRPr>
             </a:lvl1pPr>
-            <a:lvl2pPr marL="457200" indent="0">
+            <a:lvl2pPr>
               <a:buNone/>
               <a:defRPr sz="2000" b="1"/>
             </a:lvl2pPr>
-            <a:lvl3pPr marL="914400" indent="0">
+            <a:lvl3pPr>
               <a:buNone/>
               <a:defRPr sz="1800" b="1"/>
             </a:lvl3pPr>
-            <a:lvl4pPr marL="1371600" indent="0">
+            <a:lvl4pPr>
               <a:buNone/>
               <a:defRPr sz="1600" b="1"/>
             </a:lvl4pPr>
-            <a:lvl5pPr marL="1828800" indent="0">
+            <a:lvl5pPr>
               <a:buNone/>
               <a:defRPr sz="1600" b="1"/>
             </a:lvl5pPr>
-            <a:lvl6pPr marL="2286000" indent="0">
+          </a:lstStyle>
+          <a:p>
+            <a:pPr lvl="0" eaLnBrk="1" latinLnBrk="0" hangingPunct="1"/>
+            <a:r>
+              <a:rPr kumimoji="0" lang="es-ES" smtClean="0"/>
+              <a:t>Haga clic para modificar el estilo de texto del patrón</a:t>
+            </a:r>
+          </a:p>
+        </p:txBody>
+      </p:sp>
+      <p:sp>
+        <p:nvSpPr>
+          <p:cNvPr id="4" name="3 Marcador de texto"/>
+          <p:cNvSpPr>
+            <a:spLocks noGrp="1"/>
+          </p:cNvSpPr>
+          <p:nvPr>
+            <p:ph type="body" sz="half" idx="3"/>
+          </p:nvPr>
+        </p:nvSpPr>
+        <p:spPr>
+          <a:xfrm>
+            <a:off x="4645025" y="1535112"/>
+            <a:ext cx="4041775" cy="750887"/>
+          </a:xfrm>
+        </p:spPr>
+        <p:txBody>
+          <a:bodyPr anchor="ctr"/>
+          <a:lstStyle>
+            <a:lvl1pPr marL="0" indent="0">
+              <a:buNone/>
+              <a:defRPr sz="2400" b="0" cap="all" baseline="0">
+                <a:solidFill>
+                  <a:schemeClr val="tx1"/>
+                </a:solidFill>
+              </a:defRPr>
+            </a:lvl1pPr>
+            <a:lvl2pPr>
+              <a:buNone/>
+              <a:defRPr sz="2000" b="1"/>
+            </a:lvl2pPr>
+            <a:lvl3pPr>
+              <a:buNone/>
+              <a:defRPr sz="1800" b="1"/>
+            </a:lvl3pPr>
+            <a:lvl4pPr>
               <a:buNone/>
               <a:defRPr sz="1600" b="1"/>
-            </a:lvl6pPr>
-            <a:lvl7pPr marL="2743200" indent="0">
+            </a:lvl4pPr>
+            <a:lvl5pPr>
               <a:buNone/>
               <a:defRPr sz="1600" b="1"/>
-            </a:lvl7pPr>
-            <a:lvl8pPr marL="3200400" indent="0">
-              <a:buNone/>
-              <a:defRPr sz="1600" b="1"/>
-            </a:lvl8pPr>
-            <a:lvl9pPr marL="3657600" indent="0">
-              <a:buNone/>
-              <a:defRPr sz="1600" b="1"/>
-            </a:lvl9pPr>
+            </a:lvl5pPr>
           </a:lstStyle>
           <a:p>
-            <a:pPr lvl="0"/>
-            <a:r>
-              <a:rPr lang="es-ES" smtClean="0"/>
+            <a:pPr lvl="0" eaLnBrk="1" latinLnBrk="0" hangingPunct="1"/>
+            <a:r>
+              <a:rPr kumimoji="0" lang="es-ES" smtClean="0"/>
               <a:t>Haga clic para modificar el estilo de texto del patrón</a:t>
             </a:r>
           </a:p>
@@ -1485,18 +1521,18 @@
       </p:sp>
       <p:sp>
         <p:nvSpPr>
-          <p:cNvPr id="4" name="3 Marcador de contenido"/>
-          <p:cNvSpPr>
-            <a:spLocks noGrp="1"/>
-          </p:cNvSpPr>
-          <p:nvPr>
-            <p:ph sz="half" idx="2"/>
-          </p:nvPr>
-        </p:nvSpPr>
-        <p:spPr>
-          <a:xfrm>
-            <a:off x="457200" y="2174875"/>
-            <a:ext cx="4040188" cy="3951288"/>
+          <p:cNvPr id="5" name="4 Marcador de contenido"/>
+          <p:cNvSpPr>
+            <a:spLocks noGrp="1"/>
+          </p:cNvSpPr>
+          <p:nvPr>
+            <p:ph sz="quarter" idx="2"/>
+          </p:nvPr>
+        </p:nvSpPr>
+        <p:spPr>
+          <a:xfrm>
+            <a:off x="457200" y="2362200"/>
+            <a:ext cx="4040188" cy="3763963"/>
           </a:xfrm>
         </p:spPr>
         <p:txBody>
@@ -1517,119 +1553,42 @@
             <a:lvl5pPr>
               <a:defRPr sz="1600"/>
             </a:lvl5pPr>
-            <a:lvl6pPr>
-              <a:defRPr sz="1600"/>
-            </a:lvl6pPr>
-            <a:lvl7pPr>
-              <a:defRPr sz="1600"/>
-            </a:lvl7pPr>
-            <a:lvl8pPr>
-              <a:defRPr sz="1600"/>
-            </a:lvl8pPr>
-            <a:lvl9pPr>
-              <a:defRPr sz="1600"/>
-            </a:lvl9pPr>
           </a:lstStyle>
           <a:p>
-            <a:pPr lvl="0"/>
+            <a:pPr lvl="0" eaLnBrk="1" latinLnBrk="0" hangingPunct="1"/>
             <a:r>
               <a:rPr lang="es-ES" smtClean="0"/>
               <a:t>Haga clic para modificar el estilo de texto del patrón</a:t>
             </a:r>
           </a:p>
           <a:p>
-            <a:pPr lvl="1"/>
+            <a:pPr lvl="1" eaLnBrk="1" latinLnBrk="0" hangingPunct="1"/>
             <a:r>
               <a:rPr lang="es-ES" smtClean="0"/>
               <a:t>Segundo nivel</a:t>
             </a:r>
           </a:p>
           <a:p>
-            <a:pPr lvl="2"/>
+            <a:pPr lvl="2" eaLnBrk="1" latinLnBrk="0" hangingPunct="1"/>
             <a:r>
               <a:rPr lang="es-ES" smtClean="0"/>
               <a:t>Tercer nivel</a:t>
             </a:r>
           </a:p>
           <a:p>
-            <a:pPr lvl="3"/>
+            <a:pPr lvl="3" eaLnBrk="1" latinLnBrk="0" hangingPunct="1"/>
             <a:r>
               <a:rPr lang="es-ES" smtClean="0"/>
               <a:t>Cuarto nivel</a:t>
             </a:r>
           </a:p>
           <a:p>
-            <a:pPr lvl="4"/>
+            <a:pPr lvl="4" eaLnBrk="1" latinLnBrk="0" hangingPunct="1"/>
             <a:r>
               <a:rPr lang="es-ES" smtClean="0"/>
               <a:t>Quinto nivel</a:t>
             </a:r>
-            <a:endParaRPr lang="es-ES"/>
-          </a:p>
-        </p:txBody>
-      </p:sp>
-      <p:sp>
-        <p:nvSpPr>
-          <p:cNvPr id="5" name="4 Marcador de texto"/>
-          <p:cNvSpPr>
-            <a:spLocks noGrp="1"/>
-          </p:cNvSpPr>
-          <p:nvPr>
-            <p:ph type="body" sz="quarter" idx="3"/>
-          </p:nvPr>
-        </p:nvSpPr>
-        <p:spPr>
-          <a:xfrm>
-            <a:off x="4645025" y="1535113"/>
-            <a:ext cx="4041775" cy="639762"/>
-          </a:xfrm>
-        </p:spPr>
-        <p:txBody>
-          <a:bodyPr anchor="b"/>
-          <a:lstStyle>
-            <a:lvl1pPr marL="0" indent="0">
-              <a:buNone/>
-              <a:defRPr sz="2400" b="1"/>
-            </a:lvl1pPr>
-            <a:lvl2pPr marL="457200" indent="0">
-              <a:buNone/>
-              <a:defRPr sz="2000" b="1"/>
-            </a:lvl2pPr>
-            <a:lvl3pPr marL="914400" indent="0">
-              <a:buNone/>
-              <a:defRPr sz="1800" b="1"/>
-            </a:lvl3pPr>
-            <a:lvl4pPr marL="1371600" indent="0">
-              <a:buNone/>
-              <a:defRPr sz="1600" b="1"/>
-            </a:lvl4pPr>
-            <a:lvl5pPr marL="1828800" indent="0">
-              <a:buNone/>
-              <a:defRPr sz="1600" b="1"/>
-            </a:lvl5pPr>
-            <a:lvl6pPr marL="2286000" indent="0">
-              <a:buNone/>
-              <a:defRPr sz="1600" b="1"/>
-            </a:lvl6pPr>
-            <a:lvl7pPr marL="2743200" indent="0">
-              <a:buNone/>
-              <a:defRPr sz="1600" b="1"/>
-            </a:lvl7pPr>
-            <a:lvl8pPr marL="3200400" indent="0">
-              <a:buNone/>
-              <a:defRPr sz="1600" b="1"/>
-            </a:lvl8pPr>
-            <a:lvl9pPr marL="3657600" indent="0">
-              <a:buNone/>
-              <a:defRPr sz="1600" b="1"/>
-            </a:lvl9pPr>
-          </a:lstStyle>
-          <a:p>
-            <a:pPr lvl="0"/>
-            <a:r>
-              <a:rPr lang="es-ES" smtClean="0"/>
-              <a:t>Haga clic para modificar el estilo de texto del patrón</a:t>
-            </a:r>
+            <a:endParaRPr kumimoji="0" lang="en-US"/>
           </a:p>
         </p:txBody>
       </p:sp>
@@ -1645,8 +1604,8 @@
         </p:nvSpPr>
         <p:spPr>
           <a:xfrm>
-            <a:off x="4645025" y="2174875"/>
-            <a:ext cx="4041775" cy="3951288"/>
+            <a:off x="4645025" y="2362200"/>
+            <a:ext cx="4041775" cy="3763963"/>
           </a:xfrm>
         </p:spPr>
         <p:txBody>
@@ -1667,54 +1626,42 @@
             <a:lvl5pPr>
               <a:defRPr sz="1600"/>
             </a:lvl5pPr>
-            <a:lvl6pPr>
-              <a:defRPr sz="1600"/>
-            </a:lvl6pPr>
-            <a:lvl7pPr>
-              <a:defRPr sz="1600"/>
-            </a:lvl7pPr>
-            <a:lvl8pPr>
-              <a:defRPr sz="1600"/>
-            </a:lvl8pPr>
-            <a:lvl9pPr>
-              <a:defRPr sz="1600"/>
-            </a:lvl9pPr>
           </a:lstStyle>
           <a:p>
-            <a:pPr lvl="0"/>
+            <a:pPr lvl="0" eaLnBrk="1" latinLnBrk="0" hangingPunct="1"/>
             <a:r>
               <a:rPr lang="es-ES" smtClean="0"/>
               <a:t>Haga clic para modificar el estilo de texto del patrón</a:t>
             </a:r>
           </a:p>
           <a:p>
-            <a:pPr lvl="1"/>
+            <a:pPr lvl="1" eaLnBrk="1" latinLnBrk="0" hangingPunct="1"/>
             <a:r>
               <a:rPr lang="es-ES" smtClean="0"/>
               <a:t>Segundo nivel</a:t>
             </a:r>
           </a:p>
           <a:p>
-            <a:pPr lvl="2"/>
+            <a:pPr lvl="2" eaLnBrk="1" latinLnBrk="0" hangingPunct="1"/>
             <a:r>
               <a:rPr lang="es-ES" smtClean="0"/>
               <a:t>Tercer nivel</a:t>
             </a:r>
           </a:p>
           <a:p>
-            <a:pPr lvl="3"/>
+            <a:pPr lvl="3" eaLnBrk="1" latinLnBrk="0" hangingPunct="1"/>
             <a:r>
               <a:rPr lang="es-ES" smtClean="0"/>
               <a:t>Cuarto nivel</a:t>
             </a:r>
           </a:p>
           <a:p>
-            <a:pPr lvl="4"/>
+            <a:pPr lvl="4" eaLnBrk="1" latinLnBrk="0" hangingPunct="1"/>
             <a:r>
               <a:rPr lang="es-ES" smtClean="0"/>
               <a:t>Quinto nivel</a:t>
             </a:r>
-            <a:endParaRPr lang="es-ES"/>
+            <a:endParaRPr kumimoji="0" lang="en-US"/>
           </a:p>
         </p:txBody>
       </p:sp>
@@ -1735,7 +1682,7 @@
           <a:p>
             <a:fld id="{7A847CFC-816F-41D0-AAC0-9BF4FEBC753E}" type="datetimeFigureOut">
               <a:rPr lang="es-ES" smtClean="0"/>
-              <a:t>23/05/2015</a:t>
+              <a:t>25/05/2015</a:t>
             </a:fld>
             <a:endParaRPr lang="es-ES"/>
           </a:p>
@@ -1824,10 +1771,10 @@
           <a:lstStyle/>
           <a:p>
             <a:r>
-              <a:rPr lang="es-ES" smtClean="0"/>
+              <a:rPr kumimoji="0" lang="es-ES" smtClean="0"/>
               <a:t>Haga clic para modificar el estilo de título del patrón</a:t>
             </a:r>
-            <a:endParaRPr lang="es-ES"/>
+            <a:endParaRPr kumimoji="0" lang="en-US"/>
           </a:p>
         </p:txBody>
       </p:sp>
@@ -1848,7 +1795,7 @@
           <a:p>
             <a:fld id="{7A847CFC-816F-41D0-AAC0-9BF4FEBC753E}" type="datetimeFigureOut">
               <a:rPr lang="es-ES" smtClean="0"/>
-              <a:t>23/05/2015</a:t>
+              <a:t>25/05/2015</a:t>
             </a:fld>
             <a:endParaRPr lang="es-ES"/>
           </a:p>
@@ -1938,7 +1885,7 @@
           <a:p>
             <a:fld id="{7A847CFC-816F-41D0-AAC0-9BF4FEBC753E}" type="datetimeFigureOut">
               <a:rPr lang="es-ES" smtClean="0"/>
-              <a:t>23/05/2015</a:t>
+              <a:t>25/05/2015</a:t>
             </a:fld>
             <a:endParaRPr lang="es-ES"/>
           </a:p>
@@ -2028,120 +1975,49 @@
           </a:xfrm>
         </p:spPr>
         <p:txBody>
-          <a:bodyPr anchor="b"/>
+          <a:bodyPr vert="horz" anchor="b">
+            <a:normAutofit/>
+            <a:sp3d prstMaterial="softEdge"/>
+          </a:bodyPr>
           <a:lstStyle>
             <a:lvl1pPr algn="l">
-              <a:defRPr sz="2000" b="1"/>
+              <a:buNone/>
+              <a:defRPr sz="2200" b="0">
+                <a:ln w="6350">
+                  <a:noFill/>
+                </a:ln>
+                <a:solidFill>
+                  <a:schemeClr val="accent1">
+                    <a:tint val="73000"/>
+                    <a:satMod val="180000"/>
+                  </a:schemeClr>
+                </a:solidFill>
+              </a:defRPr>
             </a:lvl1pPr>
           </a:lstStyle>
           <a:p>
             <a:r>
-              <a:rPr lang="es-ES" smtClean="0"/>
+              <a:rPr kumimoji="0" lang="es-ES" smtClean="0"/>
               <a:t>Haga clic para modificar el estilo de título del patrón</a:t>
             </a:r>
-            <a:endParaRPr lang="es-ES"/>
-          </a:p>
-        </p:txBody>
-      </p:sp>
-      <p:sp>
-        <p:nvSpPr>
-          <p:cNvPr id="3" name="2 Marcador de contenido"/>
-          <p:cNvSpPr>
-            <a:spLocks noGrp="1"/>
-          </p:cNvSpPr>
-          <p:nvPr>
-            <p:ph idx="1"/>
-          </p:nvPr>
-        </p:nvSpPr>
-        <p:spPr>
-          <a:xfrm>
-            <a:off x="3575050" y="273050"/>
-            <a:ext cx="5111750" cy="5853113"/>
-          </a:xfrm>
-        </p:spPr>
-        <p:txBody>
-          <a:bodyPr/>
-          <a:lstStyle>
-            <a:lvl1pPr>
-              <a:defRPr sz="3200"/>
-            </a:lvl1pPr>
-            <a:lvl2pPr>
-              <a:defRPr sz="2800"/>
-            </a:lvl2pPr>
-            <a:lvl3pPr>
-              <a:defRPr sz="2400"/>
-            </a:lvl3pPr>
-            <a:lvl4pPr>
-              <a:defRPr sz="2000"/>
-            </a:lvl4pPr>
-            <a:lvl5pPr>
-              <a:defRPr sz="2000"/>
-            </a:lvl5pPr>
-            <a:lvl6pPr>
-              <a:defRPr sz="2000"/>
-            </a:lvl6pPr>
-            <a:lvl7pPr>
-              <a:defRPr sz="2000"/>
-            </a:lvl7pPr>
-            <a:lvl8pPr>
-              <a:defRPr sz="2000"/>
-            </a:lvl8pPr>
-            <a:lvl9pPr>
-              <a:defRPr sz="2000"/>
-            </a:lvl9pPr>
-          </a:lstStyle>
-          <a:p>
-            <a:pPr lvl="0"/>
-            <a:r>
-              <a:rPr lang="es-ES" smtClean="0"/>
-              <a:t>Haga clic para modificar el estilo de texto del patrón</a:t>
-            </a:r>
-          </a:p>
-          <a:p>
-            <a:pPr lvl="1"/>
-            <a:r>
-              <a:rPr lang="es-ES" smtClean="0"/>
-              <a:t>Segundo nivel</a:t>
-            </a:r>
-          </a:p>
-          <a:p>
-            <a:pPr lvl="2"/>
-            <a:r>
-              <a:rPr lang="es-ES" smtClean="0"/>
-              <a:t>Tercer nivel</a:t>
-            </a:r>
-          </a:p>
-          <a:p>
-            <a:pPr lvl="3"/>
-            <a:r>
-              <a:rPr lang="es-ES" smtClean="0"/>
-              <a:t>Cuarto nivel</a:t>
-            </a:r>
-          </a:p>
-          <a:p>
-            <a:pPr lvl="4"/>
-            <a:r>
-              <a:rPr lang="es-ES" smtClean="0"/>
-              <a:t>Quinto nivel</a:t>
-            </a:r>
-            <a:endParaRPr lang="es-ES"/>
-          </a:p>
-        </p:txBody>
-      </p:sp>
-      <p:sp>
-        <p:nvSpPr>
-          <p:cNvPr id="4" name="3 Marcador de texto"/>
-          <p:cNvSpPr>
-            <a:spLocks noGrp="1"/>
-          </p:cNvSpPr>
-          <p:nvPr>
-            <p:ph type="body" sz="half" idx="2"/>
-          </p:nvPr>
-        </p:nvSpPr>
-        <p:spPr>
-          <a:xfrm>
-            <a:off x="457200" y="1435100"/>
-            <a:ext cx="3008313" cy="4691063"/>
+            <a:endParaRPr kumimoji="0" lang="en-US"/>
+          </a:p>
+        </p:txBody>
+      </p:sp>
+      <p:sp>
+        <p:nvSpPr>
+          <p:cNvPr id="3" name="2 Marcador de texto"/>
+          <p:cNvSpPr>
+            <a:spLocks noGrp="1"/>
+          </p:cNvSpPr>
+          <p:nvPr>
+            <p:ph type="body" idx="2"/>
+          </p:nvPr>
+        </p:nvSpPr>
+        <p:spPr>
+          <a:xfrm>
+            <a:off x="457200" y="1524000"/>
+            <a:ext cx="3008313" cy="4602163"/>
           </a:xfrm>
         </p:spPr>
         <p:txBody>
@@ -2151,46 +2027,103 @@
               <a:buNone/>
               <a:defRPr sz="1400"/>
             </a:lvl1pPr>
-            <a:lvl2pPr marL="457200" indent="0">
+            <a:lvl2pPr>
               <a:buNone/>
               <a:defRPr sz="1200"/>
             </a:lvl2pPr>
-            <a:lvl3pPr marL="914400" indent="0">
+            <a:lvl3pPr>
               <a:buNone/>
               <a:defRPr sz="1000"/>
             </a:lvl3pPr>
-            <a:lvl4pPr marL="1371600" indent="0">
+            <a:lvl4pPr>
               <a:buNone/>
               <a:defRPr sz="900"/>
             </a:lvl4pPr>
-            <a:lvl5pPr marL="1828800" indent="0">
+            <a:lvl5pPr>
               <a:buNone/>
               <a:defRPr sz="900"/>
             </a:lvl5pPr>
-            <a:lvl6pPr marL="2286000" indent="0">
-              <a:buNone/>
-              <a:defRPr sz="900"/>
-            </a:lvl6pPr>
-            <a:lvl7pPr marL="2743200" indent="0">
-              <a:buNone/>
-              <a:defRPr sz="900"/>
-            </a:lvl7pPr>
-            <a:lvl8pPr marL="3200400" indent="0">
-              <a:buNone/>
-              <a:defRPr sz="900"/>
-            </a:lvl8pPr>
-            <a:lvl9pPr marL="3657600" indent="0">
-              <a:buNone/>
-              <a:defRPr sz="900"/>
-            </a:lvl9pPr>
           </a:lstStyle>
           <a:p>
-            <a:pPr lvl="0"/>
+            <a:pPr lvl="0" eaLnBrk="1" latinLnBrk="0" hangingPunct="1"/>
+            <a:r>
+              <a:rPr kumimoji="0" lang="es-ES" smtClean="0"/>
+              <a:t>Haga clic para modificar el estilo de texto del patrón</a:t>
+            </a:r>
+          </a:p>
+        </p:txBody>
+      </p:sp>
+      <p:sp>
+        <p:nvSpPr>
+          <p:cNvPr id="4" name="3 Marcador de contenido"/>
+          <p:cNvSpPr>
+            <a:spLocks noGrp="1"/>
+          </p:cNvSpPr>
+          <p:nvPr>
+            <p:ph sz="half" idx="1"/>
+          </p:nvPr>
+        </p:nvSpPr>
+        <p:spPr>
+          <a:xfrm>
+            <a:off x="3575050" y="273050"/>
+            <a:ext cx="5111750" cy="5853113"/>
+          </a:xfrm>
+        </p:spPr>
+        <p:txBody>
+          <a:bodyPr/>
+          <a:lstStyle>
+            <a:lvl1pPr>
+              <a:defRPr sz="2600"/>
+            </a:lvl1pPr>
+            <a:lvl2pPr>
+              <a:defRPr sz="2400"/>
+            </a:lvl2pPr>
+            <a:lvl3pPr>
+              <a:defRPr sz="2200"/>
+            </a:lvl3pPr>
+            <a:lvl4pPr>
+              <a:defRPr sz="2000"/>
+            </a:lvl4pPr>
+            <a:lvl5pPr>
+              <a:defRPr sz="1800"/>
+            </a:lvl5pPr>
+          </a:lstStyle>
+          <a:p>
+            <a:pPr lvl="0" eaLnBrk="1" latinLnBrk="0" hangingPunct="1"/>
             <a:r>
               <a:rPr lang="es-ES" smtClean="0"/>
               <a:t>Haga clic para modificar el estilo de texto del patrón</a:t>
             </a:r>
           </a:p>
+          <a:p>
+            <a:pPr lvl="1" eaLnBrk="1" latinLnBrk="0" hangingPunct="1"/>
+            <a:r>
+              <a:rPr lang="es-ES" smtClean="0"/>
+              <a:t>Segundo nivel</a:t>
+            </a:r>
+          </a:p>
+          <a:p>
+            <a:pPr lvl="2" eaLnBrk="1" latinLnBrk="0" hangingPunct="1"/>
+            <a:r>
+              <a:rPr lang="es-ES" smtClean="0"/>
+              <a:t>Tercer nivel</a:t>
+            </a:r>
+          </a:p>
+          <a:p>
+            <a:pPr lvl="3" eaLnBrk="1" latinLnBrk="0" hangingPunct="1"/>
+            <a:r>
+              <a:rPr lang="es-ES" smtClean="0"/>
+              <a:t>Cuarto nivel</a:t>
+            </a:r>
+          </a:p>
+          <a:p>
+            <a:pPr lvl="4" eaLnBrk="1" latinLnBrk="0" hangingPunct="1"/>
+            <a:r>
+              <a:rPr lang="es-ES" smtClean="0"/>
+              <a:t>Quinto nivel</a:t>
+            </a:r>
+            <a:endParaRPr kumimoji="0" lang="en-US"/>
+          </a:p>
         </p:txBody>
       </p:sp>
       <p:sp>
@@ -2210,7 +2143,7 @@
           <a:p>
             <a:fld id="{7A847CFC-816F-41D0-AAC0-9BF4FEBC753E}" type="datetimeFigureOut">
               <a:rPr lang="es-ES" smtClean="0"/>
-              <a:t>23/05/2015</a:t>
+              <a:t>25/05/2015</a:t>
             </a:fld>
             <a:endParaRPr lang="es-ES"/>
           </a:p>
@@ -2295,23 +2228,26 @@
         </p:nvSpPr>
         <p:spPr>
           <a:xfrm>
-            <a:off x="1792288" y="4800600"/>
-            <a:ext cx="5486400" cy="566738"/>
-          </a:xfrm>
-        </p:spPr>
-        <p:txBody>
-          <a:bodyPr anchor="b"/>
+            <a:off x="1828800" y="609600"/>
+            <a:ext cx="5486400" cy="522288"/>
+          </a:xfrm>
+        </p:spPr>
+        <p:txBody>
+          <a:bodyPr lIns="45720" rIns="45720" bIns="0" anchor="b">
+            <a:sp3d prstMaterial="softEdge"/>
+          </a:bodyPr>
           <a:lstStyle>
-            <a:lvl1pPr algn="l">
+            <a:lvl1pPr algn="ctr">
+              <a:buNone/>
               <a:defRPr sz="2000" b="1"/>
             </a:lvl1pPr>
           </a:lstStyle>
           <a:p>
             <a:r>
-              <a:rPr lang="es-ES" smtClean="0"/>
+              <a:rPr kumimoji="0" lang="es-ES" smtClean="0"/>
               <a:t>Haga clic para modificar el estilo de título del patrón</a:t>
             </a:r>
-            <a:endParaRPr lang="es-ES"/>
+            <a:endParaRPr kumimoji="0" lang="en-US"/>
           </a:p>
         </p:txBody>
       </p:sp>
@@ -2327,52 +2263,85 @@
         </p:nvSpPr>
         <p:spPr>
           <a:xfrm>
-            <a:off x="1792288" y="612775"/>
-            <a:ext cx="5486400" cy="4114800"/>
-          </a:xfrm>
-        </p:spPr>
-        <p:txBody>
-          <a:bodyPr/>
+            <a:off x="1828800" y="1831975"/>
+            <a:ext cx="5486400" cy="3962400"/>
+          </a:xfrm>
+          <a:solidFill>
+            <a:schemeClr val="bg2"/>
+          </a:solidFill>
+          <a:ln w="44450" cap="sq" cmpd="sng" algn="ctr">
+            <a:solidFill>
+              <a:srgbClr val="FFFFFF"/>
+            </a:solidFill>
+            <a:prstDash val="solid"/>
+            <a:miter lim="800000"/>
+          </a:ln>
+          <a:effectLst>
+            <a:outerShdw blurRad="190500" dist="228600" dir="2700000" sy="90000">
+              <a:srgbClr val="000000">
+                <a:alpha val="25000"/>
+              </a:srgbClr>
+            </a:outerShdw>
+          </a:effectLst>
+          <a:scene3d>
+            <a:camera prst="orthographicFront">
+              <a:rot lat="0" lon="0" rev="0"/>
+            </a:camera>
+            <a:lightRig rig="balanced" dir="tr">
+              <a:rot lat="0" lon="0" rev="2700000"/>
+            </a:lightRig>
+          </a:scene3d>
+          <a:sp3d prstMaterial="matte">
+            <a:contourClr>
+              <a:schemeClr val="tx2">
+                <a:shade val="50000"/>
+              </a:schemeClr>
+            </a:contourClr>
+          </a:sp3d>
+        </p:spPr>
+        <p:style>
+          <a:lnRef idx="3">
+            <a:schemeClr val="lt1"/>
+          </a:lnRef>
+          <a:fillRef idx="1">
+            <a:schemeClr val="accent1"/>
+          </a:fillRef>
+          <a:effectRef idx="1">
+            <a:schemeClr val="accent1"/>
+          </a:effectRef>
+          <a:fontRef idx="minor">
+            <a:schemeClr val="lt1"/>
+          </a:fontRef>
+        </p:style>
+        <p:txBody>
+          <a:bodyPr anchor="t"/>
           <a:lstStyle>
-            <a:lvl1pPr marL="0" indent="0">
+            <a:lvl1pPr indent="0">
               <a:buNone/>
               <a:defRPr sz="3200"/>
             </a:lvl1pPr>
-            <a:lvl2pPr marL="457200" indent="0">
-              <a:buNone/>
-              <a:defRPr sz="2800"/>
-            </a:lvl2pPr>
-            <a:lvl3pPr marL="914400" indent="0">
-              <a:buNone/>
-              <a:defRPr sz="2400"/>
-            </a:lvl3pPr>
-            <a:lvl4pPr marL="1371600" indent="0">
-              <a:buNone/>
-              <a:defRPr sz="2000"/>
-            </a:lvl4pPr>
-            <a:lvl5pPr marL="1828800" indent="0">
-              <a:buNone/>
-              <a:defRPr sz="2000"/>
-            </a:lvl5pPr>
-            <a:lvl6pPr marL="2286000" indent="0">
-              <a:buNone/>
-              <a:defRPr sz="2000"/>
-            </a:lvl6pPr>
-            <a:lvl7pPr marL="2743200" indent="0">
-              <a:buNone/>
-              <a:defRPr sz="2000"/>
-            </a:lvl7pPr>
-            <a:lvl8pPr marL="3200400" indent="0">
-              <a:buNone/>
-              <a:defRPr sz="2000"/>
-            </a:lvl8pPr>
-            <a:lvl9pPr marL="3657600" indent="0">
-              <a:buNone/>
-              <a:defRPr sz="2000"/>
-            </a:lvl9pPr>
           </a:lstStyle>
           <a:p>
-            <a:endParaRPr lang="es-ES"/>
+            <a:pPr marL="0" algn="l" rtl="0" eaLnBrk="1" latinLnBrk="0" hangingPunct="1"/>
+            <a:r>
+              <a:rPr kumimoji="0" lang="es-ES" smtClean="0">
+                <a:solidFill>
+                  <a:schemeClr val="lt1"/>
+                </a:solidFill>
+                <a:latin typeface="+mn-lt"/>
+                <a:ea typeface="+mn-ea"/>
+                <a:cs typeface="+mn-cs"/>
+              </a:rPr>
+              <a:t>Haga clic en el icono para agregar una imagen</a:t>
+            </a:r>
+            <a:endParaRPr kumimoji="0" lang="en-US" dirty="0">
+              <a:solidFill>
+                <a:schemeClr val="lt1"/>
+              </a:solidFill>
+              <a:latin typeface="+mn-lt"/>
+              <a:ea typeface="+mn-ea"/>
+              <a:cs typeface="+mn-cs"/>
+            </a:endParaRPr>
           </a:p>
         </p:txBody>
       </p:sp>
@@ -2388,54 +2357,34 @@
         </p:nvSpPr>
         <p:spPr>
           <a:xfrm>
-            <a:off x="1792288" y="5367338"/>
-            <a:ext cx="5486400" cy="804862"/>
-          </a:xfrm>
-        </p:spPr>
-        <p:txBody>
-          <a:bodyPr/>
+            <a:off x="1828800" y="1166787"/>
+            <a:ext cx="5486400" cy="530352"/>
+          </a:xfrm>
+        </p:spPr>
+        <p:txBody>
+          <a:bodyPr lIns="45720" tIns="45720" rIns="45720" anchor="t"/>
           <a:lstStyle>
-            <a:lvl1pPr marL="0" indent="0">
+            <a:lvl1pPr marL="0" indent="0" algn="ctr">
               <a:buNone/>
               <a:defRPr sz="1400"/>
             </a:lvl1pPr>
-            <a:lvl2pPr marL="457200" indent="0">
-              <a:buNone/>
+            <a:lvl2pPr>
               <a:defRPr sz="1200"/>
             </a:lvl2pPr>
-            <a:lvl3pPr marL="914400" indent="0">
-              <a:buNone/>
+            <a:lvl3pPr>
               <a:defRPr sz="1000"/>
             </a:lvl3pPr>
-            <a:lvl4pPr marL="1371600" indent="0">
-              <a:buNone/>
+            <a:lvl4pPr>
               <a:defRPr sz="900"/>
             </a:lvl4pPr>
-            <a:lvl5pPr marL="1828800" indent="0">
-              <a:buNone/>
+            <a:lvl5pPr>
               <a:defRPr sz="900"/>
             </a:lvl5pPr>
-            <a:lvl6pPr marL="2286000" indent="0">
-              <a:buNone/>
-              <a:defRPr sz="900"/>
-            </a:lvl6pPr>
-            <a:lvl7pPr marL="2743200" indent="0">
-              <a:buNone/>
-              <a:defRPr sz="900"/>
-            </a:lvl7pPr>
-            <a:lvl8pPr marL="3200400" indent="0">
-              <a:buNone/>
-              <a:defRPr sz="900"/>
-            </a:lvl8pPr>
-            <a:lvl9pPr marL="3657600" indent="0">
-              <a:buNone/>
-              <a:defRPr sz="900"/>
-            </a:lvl9pPr>
           </a:lstStyle>
           <a:p>
-            <a:pPr lvl="0"/>
-            <a:r>
-              <a:rPr lang="es-ES" smtClean="0"/>
+            <a:pPr lvl="0" eaLnBrk="1" latinLnBrk="0" hangingPunct="1"/>
+            <a:r>
+              <a:rPr kumimoji="0" lang="es-ES" smtClean="0"/>
               <a:t>Haga clic para modificar el estilo de texto del patrón</a:t>
             </a:r>
           </a:p>
@@ -2458,7 +2407,7 @@
           <a:p>
             <a:fld id="{7A847CFC-816F-41D0-AAC0-9BF4FEBC753E}" type="datetimeFigureOut">
               <a:rPr lang="es-ES" smtClean="0"/>
-              <a:t>23/05/2015</a:t>
+              <a:t>25/05/2015</a:t>
             </a:fld>
             <a:endParaRPr lang="es-ES"/>
           </a:p>
@@ -2518,8 +2467,8 @@
 <p:sldMaster xmlns:a="http://schemas.openxmlformats.org/drawingml/2006/main" xmlns:r="http://schemas.openxmlformats.org/officeDocument/2006/relationships" xmlns:p="http://schemas.openxmlformats.org/presentationml/2006/main">
   <p:cSld>
     <p:bg>
-      <p:bgRef idx="1001">
-        <a:schemeClr val="bg1"/>
+      <p:bgRef idx="1003">
+        <a:schemeClr val="bg2"/>
       </p:bgRef>
     </p:bg>
     <p:spTree>
@@ -2538,7 +2487,7 @@
       </p:grpSpPr>
       <p:sp>
         <p:nvSpPr>
-          <p:cNvPr id="2" name="1 Marcador de título"/>
+          <p:cNvPr id="22" name="21 Marcador de título"/>
           <p:cNvSpPr>
             <a:spLocks noGrp="1"/>
           </p:cNvSpPr>
@@ -2556,22 +2505,31 @@
           </a:prstGeom>
         </p:spPr>
         <p:txBody>
-          <a:bodyPr vert="horz" lIns="91440" tIns="45720" rIns="91440" bIns="45720" rtlCol="0" anchor="ctr">
+          <a:bodyPr vert="horz" anchor="ctr">
             <a:normAutofit/>
+            <a:scene3d>
+              <a:camera prst="orthographicFront"/>
+              <a:lightRig rig="soft" dir="t">
+                <a:rot lat="0" lon="0" rev="16800000"/>
+              </a:lightRig>
+            </a:scene3d>
+            <a:sp3d prstMaterial="softEdge">
+              <a:bevelT w="38100" h="38100"/>
+            </a:sp3d>
           </a:bodyPr>
           <a:lstStyle/>
           <a:p>
             <a:r>
-              <a:rPr lang="es-ES" smtClean="0"/>
+              <a:rPr kumimoji="0" lang="es-ES" smtClean="0"/>
               <a:t>Haga clic para modificar el estilo de título del patrón</a:t>
             </a:r>
-            <a:endParaRPr lang="es-ES"/>
-          </a:p>
-        </p:txBody>
-      </p:sp>
-      <p:sp>
-        <p:nvSpPr>
-          <p:cNvPr id="3" name="2 Marcador de texto"/>
+            <a:endParaRPr kumimoji="0" lang="en-US"/>
+          </a:p>
+        </p:txBody>
+      </p:sp>
+      <p:sp>
+        <p:nvSpPr>
+          <p:cNvPr id="13" name="12 Marcador de texto"/>
           <p:cNvSpPr>
             <a:spLocks noGrp="1"/>
           </p:cNvSpPr>
@@ -2582,58 +2540,58 @@
         <p:spPr>
           <a:xfrm>
             <a:off x="457200" y="1600200"/>
-            <a:ext cx="8229600" cy="4525963"/>
+            <a:ext cx="8229600" cy="4709160"/>
           </a:xfrm>
           <a:prstGeom prst="rect">
             <a:avLst/>
           </a:prstGeom>
         </p:spPr>
         <p:txBody>
-          <a:bodyPr vert="horz" lIns="91440" tIns="45720" rIns="91440" bIns="45720" rtlCol="0">
+          <a:bodyPr vert="horz">
             <a:normAutofit/>
           </a:bodyPr>
           <a:lstStyle/>
           <a:p>
-            <a:pPr lvl="0"/>
-            <a:r>
-              <a:rPr lang="es-ES" smtClean="0"/>
+            <a:pPr lvl="0" eaLnBrk="1" latinLnBrk="0" hangingPunct="1"/>
+            <a:r>
+              <a:rPr kumimoji="0" lang="es-ES" smtClean="0"/>
               <a:t>Haga clic para modificar el estilo de texto del patrón</a:t>
             </a:r>
           </a:p>
           <a:p>
-            <a:pPr lvl="1"/>
-            <a:r>
-              <a:rPr lang="es-ES" smtClean="0"/>
+            <a:pPr lvl="1" eaLnBrk="1" latinLnBrk="0" hangingPunct="1"/>
+            <a:r>
+              <a:rPr kumimoji="0" lang="es-ES" smtClean="0"/>
               <a:t>Segundo nivel</a:t>
             </a:r>
           </a:p>
           <a:p>
-            <a:pPr lvl="2"/>
-            <a:r>
-              <a:rPr lang="es-ES" smtClean="0"/>
+            <a:pPr lvl="2" eaLnBrk="1" latinLnBrk="0" hangingPunct="1"/>
+            <a:r>
+              <a:rPr kumimoji="0" lang="es-ES" smtClean="0"/>
               <a:t>Tercer nivel</a:t>
             </a:r>
           </a:p>
           <a:p>
-            <a:pPr lvl="3"/>
-            <a:r>
-              <a:rPr lang="es-ES" smtClean="0"/>
+            <a:pPr lvl="3" eaLnBrk="1" latinLnBrk="0" hangingPunct="1"/>
+            <a:r>
+              <a:rPr kumimoji="0" lang="es-ES" smtClean="0"/>
               <a:t>Cuarto nivel</a:t>
             </a:r>
           </a:p>
           <a:p>
-            <a:pPr lvl="4"/>
-            <a:r>
-              <a:rPr lang="es-ES" smtClean="0"/>
+            <a:pPr lvl="4" eaLnBrk="1" latinLnBrk="0" hangingPunct="1"/>
+            <a:r>
+              <a:rPr kumimoji="0" lang="es-ES" smtClean="0"/>
               <a:t>Quinto nivel</a:t>
             </a:r>
-            <a:endParaRPr lang="es-ES"/>
-          </a:p>
-        </p:txBody>
-      </p:sp>
-      <p:sp>
-        <p:nvSpPr>
-          <p:cNvPr id="4" name="3 Marcador de fecha"/>
+            <a:endParaRPr kumimoji="0" lang="en-US"/>
+          </a:p>
+        </p:txBody>
+      </p:sp>
+      <p:sp>
+        <p:nvSpPr>
+          <p:cNvPr id="14" name="13 Marcador de fecha"/>
           <p:cNvSpPr>
             <a:spLocks noGrp="1"/>
           </p:cNvSpPr>
@@ -2643,7 +2601,7 @@
         </p:nvSpPr>
         <p:spPr>
           <a:xfrm>
-            <a:off x="457200" y="6356350"/>
+            <a:off x="457200" y="6416675"/>
             <a:ext cx="2133600" cy="365125"/>
           </a:xfrm>
           <a:prstGeom prst="rect">
@@ -2651,13 +2609,13 @@
           </a:prstGeom>
         </p:spPr>
         <p:txBody>
-          <a:bodyPr vert="horz" lIns="91440" tIns="45720" rIns="91440" bIns="45720" rtlCol="0" anchor="ctr"/>
+          <a:bodyPr vert="horz" anchor="b"/>
           <a:lstStyle>
-            <a:lvl1pPr algn="l">
-              <a:defRPr sz="1200">
+            <a:lvl1pPr algn="l" eaLnBrk="1" latinLnBrk="0" hangingPunct="1">
+              <a:defRPr kumimoji="0" sz="1200">
                 <a:solidFill>
                   <a:schemeClr val="tx1">
-                    <a:tint val="75000"/>
+                    <a:shade val="50000"/>
                   </a:schemeClr>
                 </a:solidFill>
               </a:defRPr>
@@ -2666,7 +2624,7 @@
           <a:p>
             <a:fld id="{7A847CFC-816F-41D0-AAC0-9BF4FEBC753E}" type="datetimeFigureOut">
               <a:rPr lang="es-ES" smtClean="0"/>
-              <a:t>23/05/2015</a:t>
+              <a:t>25/05/2015</a:t>
             </a:fld>
             <a:endParaRPr lang="es-ES"/>
           </a:p>
@@ -2674,7 +2632,7 @@
       </p:sp>
       <p:sp>
         <p:nvSpPr>
-          <p:cNvPr id="5" name="4 Marcador de pie de página"/>
+          <p:cNvPr id="3" name="2 Marcador de pie de página"/>
           <p:cNvSpPr>
             <a:spLocks noGrp="1"/>
           </p:cNvSpPr>
@@ -2684,7 +2642,7 @@
         </p:nvSpPr>
         <p:spPr>
           <a:xfrm>
-            <a:off x="3124200" y="6356350"/>
+            <a:off x="3124200" y="6416675"/>
             <a:ext cx="2895600" cy="365125"/>
           </a:xfrm>
           <a:prstGeom prst="rect">
@@ -2692,13 +2650,13 @@
           </a:prstGeom>
         </p:spPr>
         <p:txBody>
-          <a:bodyPr vert="horz" lIns="91440" tIns="45720" rIns="91440" bIns="45720" rtlCol="0" anchor="ctr"/>
+          <a:bodyPr vert="horz" anchor="b"/>
           <a:lstStyle>
-            <a:lvl1pPr algn="ctr">
-              <a:defRPr sz="1200">
+            <a:lvl1pPr algn="ctr" eaLnBrk="1" latinLnBrk="0" hangingPunct="1">
+              <a:defRPr kumimoji="0" sz="1200">
                 <a:solidFill>
                   <a:schemeClr val="tx1">
-                    <a:tint val="75000"/>
+                    <a:shade val="50000"/>
                   </a:schemeClr>
                 </a:solidFill>
               </a:defRPr>
@@ -2711,7 +2669,7 @@
       </p:sp>
       <p:sp>
         <p:nvSpPr>
-          <p:cNvPr id="6" name="5 Marcador de número de diapositiva"/>
+          <p:cNvPr id="23" name="22 Marcador de número de diapositiva"/>
           <p:cNvSpPr>
             <a:spLocks noGrp="1"/>
           </p:cNvSpPr>
@@ -2721,21 +2679,21 @@
         </p:nvSpPr>
         <p:spPr>
           <a:xfrm>
-            <a:off x="6553200" y="6356350"/>
-            <a:ext cx="2133600" cy="365125"/>
+            <a:off x="7924800" y="6416675"/>
+            <a:ext cx="762000" cy="365125"/>
           </a:xfrm>
           <a:prstGeom prst="rect">
             <a:avLst/>
           </a:prstGeom>
         </p:spPr>
         <p:txBody>
-          <a:bodyPr vert="horz" lIns="91440" tIns="45720" rIns="91440" bIns="45720" rtlCol="0" anchor="ctr"/>
+          <a:bodyPr vert="horz" lIns="0" rIns="0" anchor="b"/>
           <a:lstStyle>
-            <a:lvl1pPr algn="r">
-              <a:defRPr sz="1200">
+            <a:lvl1pPr algn="r" eaLnBrk="1" latinLnBrk="0" hangingPunct="1">
+              <a:defRPr kumimoji="0" sz="1200">
                 <a:solidFill>
                   <a:schemeClr val="tx1">
-                    <a:tint val="75000"/>
+                    <a:shade val="50000"/>
                   </a:schemeClr>
                 </a:solidFill>
               </a:defRPr>
@@ -2752,31 +2710,61 @@
       </p:sp>
     </p:spTree>
   </p:cSld>
-  <p:clrMap bg1="lt1" tx1="dk1" bg2="lt2" tx2="dk2" accent1="accent1" accent2="accent2" accent3="accent3" accent4="accent4" accent5="accent5" accent6="accent6" hlink="hlink" folHlink="folHlink"/>
+  <p:clrMap bg1="dk1" tx1="lt1" bg2="dk2" tx2="lt2" accent1="accent1" accent2="accent2" accent3="accent3" accent4="accent4" accent5="accent5" accent6="accent6" hlink="hlink" folHlink="folHlink"/>
   <p:sldLayoutIdLst>
-    <p:sldLayoutId id="2147483649" r:id="rId1"/>
-    <p:sldLayoutId id="2147483650" r:id="rId2"/>
-    <p:sldLayoutId id="2147483651" r:id="rId3"/>
-    <p:sldLayoutId id="2147483652" r:id="rId4"/>
-    <p:sldLayoutId id="2147483653" r:id="rId5"/>
-    <p:sldLayoutId id="2147483654" r:id="rId6"/>
-    <p:sldLayoutId id="2147483655" r:id="rId7"/>
-    <p:sldLayoutId id="2147483656" r:id="rId8"/>
-    <p:sldLayoutId id="2147483657" r:id="rId9"/>
-    <p:sldLayoutId id="2147483658" r:id="rId10"/>
-    <p:sldLayoutId id="2147483659" r:id="rId11"/>
+    <p:sldLayoutId id="2147483661" r:id="rId1"/>
+    <p:sldLayoutId id="2147483662" r:id="rId2"/>
+    <p:sldLayoutId id="2147483663" r:id="rId3"/>
+    <p:sldLayoutId id="2147483664" r:id="rId4"/>
+    <p:sldLayoutId id="2147483665" r:id="rId5"/>
+    <p:sldLayoutId id="2147483666" r:id="rId6"/>
+    <p:sldLayoutId id="2147483667" r:id="rId7"/>
+    <p:sldLayoutId id="2147483668" r:id="rId8"/>
+    <p:sldLayoutId id="2147483669" r:id="rId9"/>
+    <p:sldLayoutId id="2147483670" r:id="rId10"/>
+    <p:sldLayoutId id="2147483671" r:id="rId11"/>
   </p:sldLayoutIdLst>
   <p:txStyles>
     <p:titleStyle>
-      <a:lvl1pPr algn="ctr" defTabSz="914400" rtl="0" eaLnBrk="1" latinLnBrk="0" hangingPunct="1">
+      <a:lvl1pPr algn="ctr" rtl="0" eaLnBrk="1" latinLnBrk="0" hangingPunct="1">
         <a:spcBef>
           <a:spcPct val="0"/>
         </a:spcBef>
         <a:buNone/>
-        <a:defRPr sz="4400" kern="1200">
-          <a:solidFill>
-            <a:schemeClr val="tx1"/>
-          </a:solidFill>
+        <a:defRPr kumimoji="0" sz="4100" b="1" kern="1200" cap="none" baseline="0">
+          <a:ln w="6350">
+            <a:noFill/>
+          </a:ln>
+          <a:gradFill>
+            <a:gsLst>
+              <a:gs pos="0">
+                <a:schemeClr val="accent1">
+                  <a:tint val="73000"/>
+                  <a:satMod val="145000"/>
+                </a:schemeClr>
+              </a:gs>
+              <a:gs pos="73000">
+                <a:schemeClr val="accent1">
+                  <a:tint val="73000"/>
+                  <a:satMod val="145000"/>
+                </a:schemeClr>
+              </a:gs>
+              <a:gs pos="100000">
+                <a:schemeClr val="accent1">
+                  <a:tint val="83000"/>
+                  <a:satMod val="143000"/>
+                </a:schemeClr>
+              </a:gs>
+            </a:gsLst>
+            <a:lin ang="4800000" scaled="1"/>
+          </a:gradFill>
+          <a:effectLst>
+            <a:outerShdw blurRad="114300" dist="101600" dir="2700000" algn="tl" rotWithShape="0">
+              <a:srgbClr val="000000">
+                <a:alpha val="40000"/>
+              </a:srgbClr>
+            </a:outerShdw>
+          </a:effectLst>
           <a:latin typeface="+mj-lt"/>
           <a:ea typeface="+mj-ea"/>
           <a:cs typeface="+mj-cs"/>
@@ -2784,13 +2772,19 @@
       </a:lvl1pPr>
     </p:titleStyle>
     <p:bodyStyle>
-      <a:lvl1pPr marL="342900" indent="-342900" algn="l" defTabSz="914400" rtl="0" eaLnBrk="1" latinLnBrk="0" hangingPunct="1">
+      <a:lvl1pPr marL="548640" indent="-411480" algn="l" rtl="0" eaLnBrk="1" latinLnBrk="0" hangingPunct="1">
         <a:spcBef>
           <a:spcPct val="20000"/>
         </a:spcBef>
-        <a:buFont typeface="Arial" pitchFamily="34" charset="0"/>
-        <a:buChar char="•"/>
-        <a:defRPr sz="3200" kern="1200">
+        <a:buClr>
+          <a:schemeClr val="tx1">
+            <a:shade val="95000"/>
+          </a:schemeClr>
+        </a:buClr>
+        <a:buSzPct val="65000"/>
+        <a:buFont typeface="Wingdings 2"/>
+        <a:buChar char=""/>
+        <a:defRPr kumimoji="0" sz="2800" kern="1200">
           <a:solidFill>
             <a:schemeClr val="tx1"/>
           </a:solidFill>
@@ -2799,13 +2793,17 @@
           <a:cs typeface="+mn-cs"/>
         </a:defRPr>
       </a:lvl1pPr>
-      <a:lvl2pPr marL="742950" indent="-285750" algn="l" defTabSz="914400" rtl="0" eaLnBrk="1" latinLnBrk="0" hangingPunct="1">
+      <a:lvl2pPr marL="868680" indent="-283464" algn="l" rtl="0" eaLnBrk="1" latinLnBrk="0" hangingPunct="1">
         <a:spcBef>
           <a:spcPct val="20000"/>
         </a:spcBef>
-        <a:buFont typeface="Arial" pitchFamily="34" charset="0"/>
-        <a:buChar char="–"/>
-        <a:defRPr sz="2800" kern="1200">
+        <a:buClr>
+          <a:schemeClr val="tx1"/>
+        </a:buClr>
+        <a:buSzPct val="80000"/>
+        <a:buFont typeface="Wingdings 2"/>
+        <a:buChar char=""/>
+        <a:defRPr kumimoji="0" sz="2400" kern="1200">
           <a:solidFill>
             <a:schemeClr val="tx1"/>
           </a:solidFill>
@@ -2814,13 +2812,17 @@
           <a:cs typeface="+mn-cs"/>
         </a:defRPr>
       </a:lvl2pPr>
-      <a:lvl3pPr marL="1143000" indent="-228600" algn="l" defTabSz="914400" rtl="0" eaLnBrk="1" latinLnBrk="0" hangingPunct="1">
+      <a:lvl3pPr marL="1133856" indent="-228600" algn="l" rtl="0" eaLnBrk="1" latinLnBrk="0" hangingPunct="1">
         <a:spcBef>
           <a:spcPct val="20000"/>
         </a:spcBef>
-        <a:buFont typeface="Arial" pitchFamily="34" charset="0"/>
-        <a:buChar char="•"/>
-        <a:defRPr sz="2400" kern="1200">
+        <a:buClr>
+          <a:schemeClr val="tx1"/>
+        </a:buClr>
+        <a:buSzPct val="95000"/>
+        <a:buFont typeface="Wingdings"/>
+        <a:buChar char=""/>
+        <a:defRPr kumimoji="0" sz="2200" kern="1200">
           <a:solidFill>
             <a:schemeClr val="tx1"/>
           </a:solidFill>
@@ -2829,13 +2831,17 @@
           <a:cs typeface="+mn-cs"/>
         </a:defRPr>
       </a:lvl3pPr>
-      <a:lvl4pPr marL="1600200" indent="-228600" algn="l" defTabSz="914400" rtl="0" eaLnBrk="1" latinLnBrk="0" hangingPunct="1">
+      <a:lvl4pPr marL="1353312" indent="-182880" algn="l" rtl="0" eaLnBrk="1" latinLnBrk="0" hangingPunct="1">
         <a:spcBef>
           <a:spcPct val="20000"/>
         </a:spcBef>
-        <a:buFont typeface="Arial" pitchFamily="34" charset="0"/>
-        <a:buChar char="–"/>
-        <a:defRPr sz="2000" kern="1200">
+        <a:buClr>
+          <a:schemeClr val="tx1"/>
+        </a:buClr>
+        <a:buSzPct val="100000"/>
+        <a:buFont typeface="Wingdings 3"/>
+        <a:buChar char=""/>
+        <a:defRPr kumimoji="0" sz="2000" kern="1200">
           <a:solidFill>
             <a:schemeClr val="tx1"/>
           </a:solidFill>
@@ -2844,13 +2850,16 @@
           <a:cs typeface="+mn-cs"/>
         </a:defRPr>
       </a:lvl4pPr>
-      <a:lvl5pPr marL="2057400" indent="-228600" algn="l" defTabSz="914400" rtl="0" eaLnBrk="1" latinLnBrk="0" hangingPunct="1">
+      <a:lvl5pPr marL="1545336" indent="-182880" algn="l" rtl="0" eaLnBrk="1" latinLnBrk="0" hangingPunct="1">
         <a:spcBef>
           <a:spcPct val="20000"/>
         </a:spcBef>
-        <a:buFont typeface="Arial" pitchFamily="34" charset="0"/>
-        <a:buChar char="»"/>
-        <a:defRPr sz="2000" kern="1200">
+        <a:buClr>
+          <a:schemeClr val="tx1"/>
+        </a:buClr>
+        <a:buFont typeface="Wingdings 2"/>
+        <a:buChar char=""/>
+        <a:defRPr kumimoji="0" sz="2000" kern="1200">
           <a:solidFill>
             <a:schemeClr val="tx1"/>
           </a:solidFill>
@@ -2859,13 +2868,16 @@
           <a:cs typeface="+mn-cs"/>
         </a:defRPr>
       </a:lvl5pPr>
-      <a:lvl6pPr marL="2514600" indent="-228600" algn="l" defTabSz="914400" rtl="0" eaLnBrk="1" latinLnBrk="0" hangingPunct="1">
+      <a:lvl6pPr marL="1764792" indent="-182880" algn="l" rtl="0" eaLnBrk="1" latinLnBrk="0" hangingPunct="1">
         <a:spcBef>
           <a:spcPct val="20000"/>
         </a:spcBef>
-        <a:buFont typeface="Arial" pitchFamily="34" charset="0"/>
-        <a:buChar char="•"/>
-        <a:defRPr sz="2000" kern="1200">
+        <a:buClr>
+          <a:schemeClr val="tx1"/>
+        </a:buClr>
+        <a:buFont typeface="Wingdings 3"/>
+        <a:buChar char=""/>
+        <a:defRPr kumimoji="0" sz="1800" kern="1200">
           <a:solidFill>
             <a:schemeClr val="tx1"/>
           </a:solidFill>
@@ -2874,13 +2886,16 @@
           <a:cs typeface="+mn-cs"/>
         </a:defRPr>
       </a:lvl6pPr>
-      <a:lvl7pPr marL="2971800" indent="-228600" algn="l" defTabSz="914400" rtl="0" eaLnBrk="1" latinLnBrk="0" hangingPunct="1">
+      <a:lvl7pPr marL="1965960" indent="-182880" algn="l" rtl="0" eaLnBrk="1" latinLnBrk="0" hangingPunct="1">
         <a:spcBef>
           <a:spcPct val="20000"/>
         </a:spcBef>
-        <a:buFont typeface="Arial" pitchFamily="34" charset="0"/>
-        <a:buChar char="•"/>
-        <a:defRPr sz="2000" kern="1200">
+        <a:buClr>
+          <a:schemeClr val="tx1"/>
+        </a:buClr>
+        <a:buFont typeface="Wingdings 2"/>
+        <a:buChar char=""/>
+        <a:defRPr kumimoji="0" sz="1600" kern="1200">
           <a:solidFill>
             <a:schemeClr val="tx1"/>
           </a:solidFill>
@@ -2889,13 +2904,16 @@
           <a:cs typeface="+mn-cs"/>
         </a:defRPr>
       </a:lvl7pPr>
-      <a:lvl8pPr marL="3429000" indent="-228600" algn="l" defTabSz="914400" rtl="0" eaLnBrk="1" latinLnBrk="0" hangingPunct="1">
+      <a:lvl8pPr marL="2167128" indent="-182880" algn="l" rtl="0" eaLnBrk="1" latinLnBrk="0" hangingPunct="1">
         <a:spcBef>
           <a:spcPct val="20000"/>
         </a:spcBef>
-        <a:buFont typeface="Arial" pitchFamily="34" charset="0"/>
-        <a:buChar char="•"/>
-        <a:defRPr sz="2000" kern="1200">
+        <a:buClr>
+          <a:schemeClr val="tx1"/>
+        </a:buClr>
+        <a:buFont typeface="Wingdings 2"/>
+        <a:buChar char=""/>
+        <a:defRPr kumimoji="0" sz="1400" kern="1200">
           <a:solidFill>
             <a:schemeClr val="tx1"/>
           </a:solidFill>
@@ -2904,13 +2922,16 @@
           <a:cs typeface="+mn-cs"/>
         </a:defRPr>
       </a:lvl8pPr>
-      <a:lvl9pPr marL="3886200" indent="-228600" algn="l" defTabSz="914400" rtl="0" eaLnBrk="1" latinLnBrk="0" hangingPunct="1">
+      <a:lvl9pPr marL="2368296" indent="-182880" algn="l" rtl="0" eaLnBrk="1" latinLnBrk="0" hangingPunct="1">
         <a:spcBef>
           <a:spcPct val="20000"/>
         </a:spcBef>
-        <a:buFont typeface="Arial" pitchFamily="34" charset="0"/>
-        <a:buChar char="•"/>
-        <a:defRPr sz="2000" kern="1200">
+        <a:buClr>
+          <a:schemeClr val="tx1"/>
+        </a:buClr>
+        <a:buFont typeface="Wingdings 2"/>
+        <a:buChar char=""/>
+        <a:defRPr kumimoji="0" sz="1400" kern="1200" baseline="0">
           <a:solidFill>
             <a:schemeClr val="tx1"/>
           </a:solidFill>
@@ -2921,11 +2942,8 @@
       </a:lvl9pPr>
     </p:bodyStyle>
     <p:otherStyle>
-      <a:defPPr>
-        <a:defRPr lang="es-ES"/>
-      </a:defPPr>
-      <a:lvl1pPr marL="0" algn="l" defTabSz="914400" rtl="0" eaLnBrk="1" latinLnBrk="0" hangingPunct="1">
-        <a:defRPr sz="1800" kern="1200">
+      <a:lvl1pPr marL="0" algn="l" rtl="0" eaLnBrk="1" latinLnBrk="0" hangingPunct="1">
+        <a:defRPr kumimoji="0" kern="1200">
           <a:solidFill>
             <a:schemeClr val="tx1"/>
           </a:solidFill>
@@ -2934,8 +2952,8 @@
           <a:cs typeface="+mn-cs"/>
         </a:defRPr>
       </a:lvl1pPr>
-      <a:lvl2pPr marL="457200" algn="l" defTabSz="914400" rtl="0" eaLnBrk="1" latinLnBrk="0" hangingPunct="1">
-        <a:defRPr sz="1800" kern="1200">
+      <a:lvl2pPr marL="457200" algn="l" rtl="0" eaLnBrk="1" latinLnBrk="0" hangingPunct="1">
+        <a:defRPr kumimoji="0" kern="1200">
           <a:solidFill>
             <a:schemeClr val="tx1"/>
           </a:solidFill>
@@ -2944,8 +2962,8 @@
           <a:cs typeface="+mn-cs"/>
         </a:defRPr>
       </a:lvl2pPr>
-      <a:lvl3pPr marL="914400" algn="l" defTabSz="914400" rtl="0" eaLnBrk="1" latinLnBrk="0" hangingPunct="1">
-        <a:defRPr sz="1800" kern="1200">
+      <a:lvl3pPr marL="914400" algn="l" rtl="0" eaLnBrk="1" latinLnBrk="0" hangingPunct="1">
+        <a:defRPr kumimoji="0" kern="1200">
           <a:solidFill>
             <a:schemeClr val="tx1"/>
           </a:solidFill>
@@ -2954,8 +2972,8 @@
           <a:cs typeface="+mn-cs"/>
         </a:defRPr>
       </a:lvl3pPr>
-      <a:lvl4pPr marL="1371600" algn="l" defTabSz="914400" rtl="0" eaLnBrk="1" latinLnBrk="0" hangingPunct="1">
-        <a:defRPr sz="1800" kern="1200">
+      <a:lvl4pPr marL="1371600" algn="l" rtl="0" eaLnBrk="1" latinLnBrk="0" hangingPunct="1">
+        <a:defRPr kumimoji="0" kern="1200">
           <a:solidFill>
             <a:schemeClr val="tx1"/>
           </a:solidFill>
@@ -2964,8 +2982,8 @@
           <a:cs typeface="+mn-cs"/>
         </a:defRPr>
       </a:lvl4pPr>
-      <a:lvl5pPr marL="1828800" algn="l" defTabSz="914400" rtl="0" eaLnBrk="1" latinLnBrk="0" hangingPunct="1">
-        <a:defRPr sz="1800" kern="1200">
+      <a:lvl5pPr marL="1828800" algn="l" rtl="0" eaLnBrk="1" latinLnBrk="0" hangingPunct="1">
+        <a:defRPr kumimoji="0" kern="1200">
           <a:solidFill>
             <a:schemeClr val="tx1"/>
           </a:solidFill>
@@ -2974,8 +2992,8 @@
           <a:cs typeface="+mn-cs"/>
         </a:defRPr>
       </a:lvl5pPr>
-      <a:lvl6pPr marL="2286000" algn="l" defTabSz="914400" rtl="0" eaLnBrk="1" latinLnBrk="0" hangingPunct="1">
-        <a:defRPr sz="1800" kern="1200">
+      <a:lvl6pPr marL="2286000" algn="l" rtl="0" eaLnBrk="1" latinLnBrk="0" hangingPunct="1">
+        <a:defRPr kumimoji="0" kern="1200">
           <a:solidFill>
             <a:schemeClr val="tx1"/>
           </a:solidFill>
@@ -2984,8 +3002,8 @@
           <a:cs typeface="+mn-cs"/>
         </a:defRPr>
       </a:lvl6pPr>
-      <a:lvl7pPr marL="2743200" algn="l" defTabSz="914400" rtl="0" eaLnBrk="1" latinLnBrk="0" hangingPunct="1">
-        <a:defRPr sz="1800" kern="1200">
+      <a:lvl7pPr marL="2743200" algn="l" rtl="0" eaLnBrk="1" latinLnBrk="0" hangingPunct="1">
+        <a:defRPr kumimoji="0" kern="1200">
           <a:solidFill>
             <a:schemeClr val="tx1"/>
           </a:solidFill>
@@ -2994,8 +3012,8 @@
           <a:cs typeface="+mn-cs"/>
         </a:defRPr>
       </a:lvl7pPr>
-      <a:lvl8pPr marL="3200400" algn="l" defTabSz="914400" rtl="0" eaLnBrk="1" latinLnBrk="0" hangingPunct="1">
-        <a:defRPr sz="1800" kern="1200">
+      <a:lvl8pPr marL="3200400" algn="l" rtl="0" eaLnBrk="1" latinLnBrk="0" hangingPunct="1">
+        <a:defRPr kumimoji="0" kern="1200">
           <a:solidFill>
             <a:schemeClr val="tx1"/>
           </a:solidFill>
@@ -3004,8 +3022,8 @@
           <a:cs typeface="+mn-cs"/>
         </a:defRPr>
       </a:lvl8pPr>
-      <a:lvl9pPr marL="3657600" algn="l" defTabSz="914400" rtl="0" eaLnBrk="1" latinLnBrk="0" hangingPunct="1">
-        <a:defRPr sz="1800" kern="1200">
+      <a:lvl9pPr marL="3657600" algn="l" rtl="0" eaLnBrk="1" latinLnBrk="0" hangingPunct="1">
+        <a:defRPr kumimoji="0" kern="1200">
           <a:solidFill>
             <a:schemeClr val="tx1"/>
           </a:solidFill>
@@ -3077,6 +3095,1635 @@
 </p:sld>
 </file>
 
+<file path=ppt/slides/slide10.xml><?xml version="1.0" encoding="utf-8"?>
+<p:sld xmlns:a="http://schemas.openxmlformats.org/drawingml/2006/main" xmlns:r="http://schemas.openxmlformats.org/officeDocument/2006/relationships" xmlns:p="http://schemas.openxmlformats.org/presentationml/2006/main">
+  <p:cSld>
+    <p:spTree>
+      <p:nvGrpSpPr>
+        <p:cNvPr id="1" name=""/>
+        <p:cNvGrpSpPr/>
+        <p:nvPr/>
+      </p:nvGrpSpPr>
+      <p:grpSpPr>
+        <a:xfrm>
+          <a:off x="0" y="0"/>
+          <a:ext cx="0" cy="0"/>
+          <a:chOff x="0" y="0"/>
+          <a:chExt cx="0" cy="0"/>
+        </a:xfrm>
+      </p:grpSpPr>
+      <p:sp>
+        <p:nvSpPr>
+          <p:cNvPr id="2" name="1 Título"/>
+          <p:cNvSpPr>
+            <a:spLocks noGrp="1"/>
+          </p:cNvSpPr>
+          <p:nvPr>
+            <p:ph type="title"/>
+          </p:nvPr>
+        </p:nvSpPr>
+        <p:spPr>
+          <a:xfrm>
+            <a:off x="395536" y="404664"/>
+            <a:ext cx="8435280" cy="1143000"/>
+          </a:xfrm>
+        </p:spPr>
+        <p:txBody>
+          <a:bodyPr>
+            <a:normAutofit fontScale="90000"/>
+          </a:bodyPr>
+          <a:lstStyle/>
+          <a:p>
+            <a:r>
+              <a:rPr lang="en-US" dirty="0" err="1" smtClean="0"/>
+              <a:t>Creacion</a:t>
+            </a:r>
+            <a:r>
+              <a:rPr lang="en-US" dirty="0" smtClean="0"/>
+              <a:t> de </a:t>
+            </a:r>
+            <a:r>
+              <a:rPr lang="en-US" dirty="0" err="1" smtClean="0"/>
+              <a:t>una</a:t>
+            </a:r>
+            <a:r>
+              <a:rPr lang="en-US" dirty="0" smtClean="0"/>
+              <a:t> </a:t>
+            </a:r>
+            <a:r>
+              <a:rPr lang="en-US" dirty="0" err="1" smtClean="0"/>
+              <a:t>cuenta</a:t>
+            </a:r>
+            <a:r>
+              <a:rPr lang="en-US" dirty="0" smtClean="0"/>
+              <a:t> en Google Drive</a:t>
+            </a:r>
+            <a:endParaRPr lang="es-ES" dirty="0"/>
+          </a:p>
+        </p:txBody>
+      </p:sp>
+      <p:sp>
+        <p:nvSpPr>
+          <p:cNvPr id="3" name="2 CuadroTexto"/>
+          <p:cNvSpPr txBox="1"/>
+          <p:nvPr/>
+        </p:nvSpPr>
+        <p:spPr>
+          <a:xfrm>
+            <a:off x="539552" y="1988840"/>
+            <a:ext cx="8064896" cy="1754326"/>
+          </a:xfrm>
+          <a:prstGeom prst="rect">
+            <a:avLst/>
+          </a:prstGeom>
+          <a:noFill/>
+        </p:spPr>
+        <p:txBody>
+          <a:bodyPr wrap="square" rtlCol="0">
+            <a:spAutoFit/>
+          </a:bodyPr>
+          <a:lstStyle/>
+          <a:p>
+            <a:r>
+              <a:rPr lang="es-ES_tradnl" sz="3600" dirty="0" smtClean="0"/>
+              <a:t>Para tener una cuenta en Google Drive, en primera instancia hay que tener una cuenta en Google.</a:t>
+            </a:r>
+            <a:endParaRPr lang="es-ES" sz="3600" dirty="0"/>
+          </a:p>
+        </p:txBody>
+      </p:sp>
+    </p:spTree>
+    <p:extLst>
+      <p:ext uri="{BB962C8B-B14F-4D97-AF65-F5344CB8AC3E}">
+        <p14:creationId xmlns:p14="http://schemas.microsoft.com/office/powerpoint/2010/main" val="658942790"/>
+      </p:ext>
+    </p:extLst>
+  </p:cSld>
+  <p:clrMapOvr>
+    <a:masterClrMapping/>
+  </p:clrMapOvr>
+  <p:timing>
+    <p:tnLst>
+      <p:par>
+        <p:cTn id="1" dur="indefinite" restart="never" nodeType="tmRoot"/>
+      </p:par>
+    </p:tnLst>
+  </p:timing>
+</p:sld>
+</file>
+
+<file path=ppt/slides/slide11.xml><?xml version="1.0" encoding="utf-8"?>
+<p:sld xmlns:a="http://schemas.openxmlformats.org/drawingml/2006/main" xmlns:r="http://schemas.openxmlformats.org/officeDocument/2006/relationships" xmlns:p="http://schemas.openxmlformats.org/presentationml/2006/main">
+  <p:cSld>
+    <p:spTree>
+      <p:nvGrpSpPr>
+        <p:cNvPr id="1" name=""/>
+        <p:cNvGrpSpPr/>
+        <p:nvPr/>
+      </p:nvGrpSpPr>
+      <p:grpSpPr>
+        <a:xfrm>
+          <a:off x="0" y="0"/>
+          <a:ext cx="0" cy="0"/>
+          <a:chOff x="0" y="0"/>
+          <a:chExt cx="0" cy="0"/>
+        </a:xfrm>
+      </p:grpSpPr>
+      <p:sp>
+        <p:nvSpPr>
+          <p:cNvPr id="2" name="1 Título"/>
+          <p:cNvSpPr>
+            <a:spLocks noGrp="1"/>
+          </p:cNvSpPr>
+          <p:nvPr>
+            <p:ph type="title"/>
+          </p:nvPr>
+        </p:nvSpPr>
+        <p:spPr>
+          <a:xfrm>
+            <a:off x="457200" y="274638"/>
+            <a:ext cx="8229600" cy="850106"/>
+          </a:xfrm>
+        </p:spPr>
+        <p:txBody>
+          <a:bodyPr>
+            <a:normAutofit/>
+          </a:bodyPr>
+          <a:lstStyle/>
+          <a:p>
+            <a:pPr algn="l"/>
+            <a:r>
+              <a:rPr lang="en-US" dirty="0" err="1" smtClean="0"/>
+              <a:t>Creacion</a:t>
+            </a:r>
+            <a:r>
+              <a:rPr lang="en-US" dirty="0" smtClean="0"/>
+              <a:t> de </a:t>
+            </a:r>
+            <a:r>
+              <a:rPr lang="en-US" dirty="0" err="1" smtClean="0"/>
+              <a:t>cuenta</a:t>
+            </a:r>
+            <a:r>
+              <a:rPr lang="en-US" dirty="0" smtClean="0"/>
+              <a:t> </a:t>
+            </a:r>
+            <a:r>
+              <a:rPr lang="en-US" dirty="0"/>
+              <a:t>en </a:t>
+            </a:r>
+            <a:r>
+              <a:rPr lang="en-US" dirty="0" smtClean="0"/>
+              <a:t>Google</a:t>
+            </a:r>
+            <a:endParaRPr lang="es-ES" dirty="0"/>
+          </a:p>
+        </p:txBody>
+      </p:sp>
+      <p:sp>
+        <p:nvSpPr>
+          <p:cNvPr id="4" name="3 CuadroTexto"/>
+          <p:cNvSpPr txBox="1"/>
+          <p:nvPr/>
+        </p:nvSpPr>
+        <p:spPr>
+          <a:xfrm>
+            <a:off x="0" y="1124744"/>
+            <a:ext cx="5400600" cy="2800767"/>
+          </a:xfrm>
+          <a:prstGeom prst="rect">
+            <a:avLst/>
+          </a:prstGeom>
+          <a:noFill/>
+        </p:spPr>
+        <p:txBody>
+          <a:bodyPr wrap="square" rtlCol="0">
+            <a:spAutoFit/>
+          </a:bodyPr>
+          <a:lstStyle/>
+          <a:p>
+            <a:pPr marL="285750" indent="-285750">
+              <a:buFont typeface="Arial" pitchFamily="34" charset="0"/>
+              <a:buChar char="•"/>
+            </a:pPr>
+            <a:r>
+              <a:rPr lang="es-ES_tradnl" sz="2200" dirty="0" smtClean="0"/>
+              <a:t>Nos dirigimos a la </a:t>
+            </a:r>
+            <a:r>
+              <a:rPr lang="es-ES_tradnl" sz="2200" dirty="0" err="1" smtClean="0"/>
+              <a:t>url</a:t>
+            </a:r>
+            <a:r>
+              <a:rPr lang="es-ES_tradnl" sz="2200" dirty="0"/>
+              <a:t> </a:t>
+            </a:r>
+            <a:r>
+              <a:rPr lang="es-ES_tradnl" sz="2200" dirty="0">
+                <a:hlinkClick r:id="rId2"/>
+              </a:rPr>
+              <a:t>https://</a:t>
+            </a:r>
+            <a:r>
+              <a:rPr lang="es-ES_tradnl" sz="2200" dirty="0" smtClean="0">
+                <a:hlinkClick r:id="rId2"/>
+              </a:rPr>
+              <a:t>accounts.google.com/SignUp?continue=https%3A%2F%2Fwww.google.cl%2F&amp;hl=es</a:t>
+            </a:r>
+            <a:endParaRPr lang="es-ES_tradnl" sz="2200" dirty="0" smtClean="0"/>
+          </a:p>
+          <a:p>
+            <a:pPr marL="285750" indent="-285750">
+              <a:buFont typeface="Arial" pitchFamily="34" charset="0"/>
+              <a:buChar char="•"/>
+            </a:pPr>
+            <a:endParaRPr lang="es-ES_tradnl" sz="2200" dirty="0"/>
+          </a:p>
+          <a:p>
+            <a:pPr marL="285750" indent="-285750">
+              <a:buFont typeface="Arial" pitchFamily="34" charset="0"/>
+              <a:buChar char="•"/>
+            </a:pPr>
+            <a:r>
+              <a:rPr lang="es-ES" sz="2200" dirty="0"/>
+              <a:t>Encontraremos un formulario principal en donde tendremos que ingresar nuestros datos</a:t>
+            </a:r>
+            <a:r>
+              <a:rPr lang="es-ES" sz="2200" dirty="0" smtClean="0"/>
+              <a:t>.</a:t>
+            </a:r>
+            <a:endParaRPr lang="es-ES" sz="2200" dirty="0"/>
+          </a:p>
+        </p:txBody>
+      </p:sp>
+      <p:pic>
+        <p:nvPicPr>
+          <p:cNvPr id="6" name="5 Imagen"/>
+          <p:cNvPicPr>
+            <a:picLocks noChangeAspect="1"/>
+          </p:cNvPicPr>
+          <p:nvPr/>
+        </p:nvPicPr>
+        <p:blipFill>
+          <a:blip r:embed="rId3">
+            <a:extLst>
+              <a:ext uri="{28A0092B-C50C-407E-A947-70E740481C1C}">
+                <a14:useLocalDpi xmlns:a14="http://schemas.microsoft.com/office/drawing/2010/main" val="0"/>
+              </a:ext>
+            </a:extLst>
+          </a:blip>
+          <a:stretch>
+            <a:fillRect/>
+          </a:stretch>
+        </p:blipFill>
+        <p:spPr>
+          <a:xfrm>
+            <a:off x="262559" y="3892390"/>
+            <a:ext cx="4957513" cy="2865407"/>
+          </a:xfrm>
+          <a:prstGeom prst="rect">
+            <a:avLst/>
+          </a:prstGeom>
+        </p:spPr>
+      </p:pic>
+      <p:pic>
+        <p:nvPicPr>
+          <p:cNvPr id="7" name="6 Imagen"/>
+          <p:cNvPicPr>
+            <a:picLocks noChangeAspect="1"/>
+          </p:cNvPicPr>
+          <p:nvPr/>
+        </p:nvPicPr>
+        <p:blipFill>
+          <a:blip r:embed="rId4">
+            <a:extLst>
+              <a:ext uri="{28A0092B-C50C-407E-A947-70E740481C1C}">
+                <a14:useLocalDpi xmlns:a14="http://schemas.microsoft.com/office/drawing/2010/main" val="0"/>
+              </a:ext>
+            </a:extLst>
+          </a:blip>
+          <a:stretch>
+            <a:fillRect/>
+          </a:stretch>
+        </p:blipFill>
+        <p:spPr>
+          <a:xfrm>
+            <a:off x="5580112" y="1139448"/>
+            <a:ext cx="3409950" cy="5572125"/>
+          </a:xfrm>
+          <a:prstGeom prst="rect">
+            <a:avLst/>
+          </a:prstGeom>
+        </p:spPr>
+      </p:pic>
+    </p:spTree>
+    <p:extLst>
+      <p:ext uri="{BB962C8B-B14F-4D97-AF65-F5344CB8AC3E}">
+        <p14:creationId xmlns:p14="http://schemas.microsoft.com/office/powerpoint/2010/main" val="1738321623"/>
+      </p:ext>
+    </p:extLst>
+  </p:cSld>
+  <p:clrMapOvr>
+    <a:masterClrMapping/>
+  </p:clrMapOvr>
+  <p:timing>
+    <p:tnLst>
+      <p:par>
+        <p:cTn id="1" dur="indefinite" restart="never" nodeType="tmRoot"/>
+      </p:par>
+    </p:tnLst>
+  </p:timing>
+</p:sld>
+</file>
+
+<file path=ppt/slides/slide12.xml><?xml version="1.0" encoding="utf-8"?>
+<p:sld xmlns:a="http://schemas.openxmlformats.org/drawingml/2006/main" xmlns:r="http://schemas.openxmlformats.org/officeDocument/2006/relationships" xmlns:p="http://schemas.openxmlformats.org/presentationml/2006/main">
+  <p:cSld>
+    <p:spTree>
+      <p:nvGrpSpPr>
+        <p:cNvPr id="1" name=""/>
+        <p:cNvGrpSpPr/>
+        <p:nvPr/>
+      </p:nvGrpSpPr>
+      <p:grpSpPr>
+        <a:xfrm>
+          <a:off x="0" y="0"/>
+          <a:ext cx="0" cy="0"/>
+          <a:chOff x="0" y="0"/>
+          <a:chExt cx="0" cy="0"/>
+        </a:xfrm>
+      </p:grpSpPr>
+      <p:sp>
+        <p:nvSpPr>
+          <p:cNvPr id="3" name="2 Marcador de contenido"/>
+          <p:cNvSpPr>
+            <a:spLocks noGrp="1"/>
+          </p:cNvSpPr>
+          <p:nvPr>
+            <p:ph idx="1"/>
+          </p:nvPr>
+        </p:nvSpPr>
+        <p:spPr>
+          <a:xfrm>
+            <a:off x="457200" y="476672"/>
+            <a:ext cx="8229600" cy="5832688"/>
+          </a:xfrm>
+        </p:spPr>
+        <p:txBody>
+          <a:bodyPr/>
+          <a:lstStyle/>
+          <a:p>
+            <a:r>
+              <a:rPr lang="es-ES_tradnl" dirty="0" smtClean="0"/>
+              <a:t>Damos </a:t>
+            </a:r>
+            <a:r>
+              <a:rPr lang="es-ES_tradnl" dirty="0" err="1" smtClean="0"/>
+              <a:t>click</a:t>
+            </a:r>
+            <a:r>
+              <a:rPr lang="es-ES_tradnl" dirty="0" smtClean="0"/>
+              <a:t> en siguiente paso, y nos aparece lo siguiente:</a:t>
+            </a:r>
+          </a:p>
+          <a:p>
+            <a:endParaRPr lang="es-ES_tradnl" dirty="0"/>
+          </a:p>
+          <a:p>
+            <a:r>
+              <a:rPr lang="en-US" sz="2400" dirty="0" err="1"/>
+              <a:t>Agregamos</a:t>
+            </a:r>
+            <a:r>
+              <a:rPr lang="en-US" sz="2400" dirty="0"/>
+              <a:t> </a:t>
+            </a:r>
+            <a:r>
+              <a:rPr lang="en-US" sz="2400" dirty="0" err="1"/>
+              <a:t>una</a:t>
+            </a:r>
+            <a:r>
+              <a:rPr lang="en-US" sz="2400" dirty="0"/>
+              <a:t> </a:t>
+            </a:r>
+            <a:r>
+              <a:rPr lang="en-US" sz="2400" dirty="0" err="1"/>
+              <a:t>foto</a:t>
+            </a:r>
+            <a:r>
+              <a:rPr lang="en-US" sz="2400" dirty="0"/>
+              <a:t> </a:t>
+            </a:r>
+            <a:endParaRPr lang="en-US" sz="2400" dirty="0" smtClean="0"/>
+          </a:p>
+          <a:p>
+            <a:pPr marL="137160" indent="0">
+              <a:buNone/>
+            </a:pPr>
+            <a:r>
+              <a:rPr lang="en-US" sz="2400" dirty="0" err="1" smtClean="0"/>
+              <a:t>desde</a:t>
+            </a:r>
+            <a:r>
+              <a:rPr lang="en-US" sz="2400" dirty="0" smtClean="0"/>
+              <a:t> </a:t>
+            </a:r>
+            <a:r>
+              <a:rPr lang="en-US" sz="2400" dirty="0"/>
+              <a:t>el </a:t>
+            </a:r>
+            <a:r>
+              <a:rPr lang="en-US" sz="2400" dirty="0" err="1"/>
+              <a:t>ordenador</a:t>
+            </a:r>
+            <a:r>
+              <a:rPr lang="en-US" sz="2400" dirty="0" smtClean="0"/>
+              <a:t>.</a:t>
+            </a:r>
+          </a:p>
+          <a:p>
+            <a:r>
+              <a:rPr lang="en-US" sz="2400" dirty="0" err="1" smtClean="0"/>
+              <a:t>Damos</a:t>
+            </a:r>
+            <a:r>
+              <a:rPr lang="en-US" sz="2400" dirty="0" smtClean="0"/>
+              <a:t> click en </a:t>
+            </a:r>
+            <a:r>
+              <a:rPr lang="en-US" sz="2400" dirty="0" err="1" smtClean="0"/>
+              <a:t>donde</a:t>
+            </a:r>
+            <a:r>
+              <a:rPr lang="en-US" sz="2400" dirty="0" smtClean="0"/>
+              <a:t> </a:t>
+            </a:r>
+            <a:r>
+              <a:rPr lang="en-US" sz="2400" dirty="0" err="1" smtClean="0"/>
+              <a:t>indica</a:t>
+            </a:r>
+            <a:endParaRPr lang="en-US" sz="2400" dirty="0" smtClean="0"/>
+          </a:p>
+          <a:p>
+            <a:pPr marL="137160" indent="0">
+              <a:buNone/>
+            </a:pPr>
+            <a:r>
+              <a:rPr lang="en-US" sz="2400" dirty="0" err="1" smtClean="0"/>
+              <a:t>Siguiente</a:t>
+            </a:r>
+            <a:r>
+              <a:rPr lang="en-US" sz="2400" dirty="0" smtClean="0"/>
+              <a:t> </a:t>
+            </a:r>
+            <a:r>
+              <a:rPr lang="en-US" sz="2400" dirty="0" err="1" smtClean="0"/>
+              <a:t>paso</a:t>
+            </a:r>
+            <a:r>
+              <a:rPr lang="en-US" sz="2400" dirty="0" smtClean="0"/>
+              <a:t>.</a:t>
+            </a:r>
+          </a:p>
+          <a:p>
+            <a:r>
+              <a:rPr lang="en-US" sz="2400" dirty="0" err="1" smtClean="0"/>
+              <a:t>Nos</a:t>
+            </a:r>
+            <a:r>
+              <a:rPr lang="en-US" sz="2400" dirty="0" smtClean="0"/>
+              <a:t> </a:t>
+            </a:r>
+            <a:r>
+              <a:rPr lang="en-US" sz="2400" dirty="0" err="1" smtClean="0"/>
+              <a:t>aparecera</a:t>
+            </a:r>
+            <a:r>
+              <a:rPr lang="en-US" sz="2400" dirty="0" smtClean="0"/>
+              <a:t> </a:t>
+            </a:r>
+            <a:r>
+              <a:rPr lang="en-US" sz="2400" dirty="0" err="1" smtClean="0"/>
+              <a:t>una</a:t>
+            </a:r>
+            <a:r>
+              <a:rPr lang="en-US" sz="2400" dirty="0" smtClean="0"/>
+              <a:t> </a:t>
+            </a:r>
+            <a:r>
+              <a:rPr lang="en-US" sz="2400" dirty="0" err="1" smtClean="0"/>
+              <a:t>pantalla</a:t>
+            </a:r>
+            <a:endParaRPr lang="en-US" sz="2400" dirty="0" smtClean="0"/>
+          </a:p>
+          <a:p>
+            <a:pPr marL="137160" indent="0">
+              <a:buNone/>
+            </a:pPr>
+            <a:r>
+              <a:rPr lang="en-US" sz="2400" dirty="0" smtClean="0"/>
+              <a:t>De </a:t>
+            </a:r>
+            <a:r>
+              <a:rPr lang="en-US" sz="2400" dirty="0" err="1" smtClean="0"/>
+              <a:t>bienvenido</a:t>
+            </a:r>
+            <a:r>
+              <a:rPr lang="en-US" sz="2400" dirty="0" smtClean="0"/>
+              <a:t>, </a:t>
+            </a:r>
+            <a:r>
+              <a:rPr lang="en-US" sz="2400" dirty="0" err="1" smtClean="0"/>
+              <a:t>indicandonos</a:t>
+            </a:r>
+            <a:r>
+              <a:rPr lang="en-US" sz="2400" dirty="0" smtClean="0"/>
+              <a:t> </a:t>
+            </a:r>
+          </a:p>
+          <a:p>
+            <a:pPr marL="137160" indent="0">
+              <a:buNone/>
+            </a:pPr>
+            <a:r>
+              <a:rPr lang="en-US" sz="2400" dirty="0" err="1" smtClean="0"/>
+              <a:t>Nuestra</a:t>
+            </a:r>
+            <a:r>
+              <a:rPr lang="en-US" sz="2400" dirty="0" smtClean="0"/>
+              <a:t> </a:t>
+            </a:r>
+            <a:r>
+              <a:rPr lang="en-US" sz="2400" dirty="0" err="1" smtClean="0"/>
+              <a:t>direccion</a:t>
+            </a:r>
+            <a:r>
+              <a:rPr lang="en-US" sz="2400" dirty="0" smtClean="0"/>
+              <a:t> de </a:t>
+            </a:r>
+            <a:r>
+              <a:rPr lang="en-US" sz="2400" dirty="0" err="1" smtClean="0"/>
+              <a:t>correo</a:t>
+            </a:r>
+            <a:r>
+              <a:rPr lang="en-US" sz="2400" dirty="0" smtClean="0"/>
+              <a:t>,</a:t>
+            </a:r>
+          </a:p>
+          <a:p>
+            <a:pPr marL="137160" indent="0">
+              <a:buNone/>
+            </a:pPr>
+            <a:r>
+              <a:rPr lang="en-US" sz="2400" dirty="0" smtClean="0"/>
+              <a:t>Y </a:t>
+            </a:r>
+            <a:r>
+              <a:rPr lang="en-US" sz="2400" dirty="0" err="1" smtClean="0"/>
+              <a:t>damos</a:t>
+            </a:r>
+            <a:r>
+              <a:rPr lang="en-US" sz="2400" dirty="0" smtClean="0"/>
+              <a:t> click en </a:t>
+            </a:r>
+            <a:r>
+              <a:rPr lang="en-US" sz="2400" dirty="0" err="1" smtClean="0"/>
+              <a:t>inicio</a:t>
+            </a:r>
+            <a:r>
+              <a:rPr lang="en-US" sz="2400" dirty="0" smtClean="0"/>
+              <a:t>.</a:t>
+            </a:r>
+          </a:p>
+          <a:p>
+            <a:endParaRPr lang="en-US" sz="2400" dirty="0"/>
+          </a:p>
+          <a:p>
+            <a:pPr lvl="1"/>
+            <a:endParaRPr lang="es-ES_tradnl" dirty="0" smtClean="0"/>
+          </a:p>
+        </p:txBody>
+      </p:sp>
+      <p:pic>
+        <p:nvPicPr>
+          <p:cNvPr id="6" name="5 Imagen"/>
+          <p:cNvPicPr>
+            <a:picLocks noChangeAspect="1"/>
+          </p:cNvPicPr>
+          <p:nvPr/>
+        </p:nvPicPr>
+        <p:blipFill>
+          <a:blip r:embed="rId2">
+            <a:extLst>
+              <a:ext uri="{28A0092B-C50C-407E-A947-70E740481C1C}">
+                <a14:useLocalDpi xmlns:a14="http://schemas.microsoft.com/office/drawing/2010/main" val="0"/>
+              </a:ext>
+            </a:extLst>
+          </a:blip>
+          <a:stretch>
+            <a:fillRect/>
+          </a:stretch>
+        </p:blipFill>
+        <p:spPr>
+          <a:xfrm>
+            <a:off x="5220072" y="1796499"/>
+            <a:ext cx="3528392" cy="1762125"/>
+          </a:xfrm>
+          <a:prstGeom prst="rect">
+            <a:avLst/>
+          </a:prstGeom>
+        </p:spPr>
+      </p:pic>
+      <p:pic>
+        <p:nvPicPr>
+          <p:cNvPr id="10" name="9 Imagen"/>
+          <p:cNvPicPr>
+            <a:picLocks noChangeAspect="1"/>
+          </p:cNvPicPr>
+          <p:nvPr/>
+        </p:nvPicPr>
+        <p:blipFill>
+          <a:blip r:embed="rId3">
+            <a:extLst>
+              <a:ext uri="{28A0092B-C50C-407E-A947-70E740481C1C}">
+                <a14:useLocalDpi xmlns:a14="http://schemas.microsoft.com/office/drawing/2010/main" val="0"/>
+              </a:ext>
+            </a:extLst>
+          </a:blip>
+          <a:stretch>
+            <a:fillRect/>
+          </a:stretch>
+        </p:blipFill>
+        <p:spPr>
+          <a:xfrm>
+            <a:off x="5284055" y="4005064"/>
+            <a:ext cx="3400425" cy="2371725"/>
+          </a:xfrm>
+          <a:prstGeom prst="rect">
+            <a:avLst/>
+          </a:prstGeom>
+        </p:spPr>
+      </p:pic>
+    </p:spTree>
+    <p:extLst>
+      <p:ext uri="{BB962C8B-B14F-4D97-AF65-F5344CB8AC3E}">
+        <p14:creationId xmlns:p14="http://schemas.microsoft.com/office/powerpoint/2010/main" val="914691022"/>
+      </p:ext>
+    </p:extLst>
+  </p:cSld>
+  <p:clrMapOvr>
+    <a:masterClrMapping/>
+  </p:clrMapOvr>
+  <p:timing>
+    <p:tnLst>
+      <p:par>
+        <p:cTn id="1" dur="indefinite" restart="never" nodeType="tmRoot"/>
+      </p:par>
+    </p:tnLst>
+  </p:timing>
+</p:sld>
+</file>
+
+<file path=ppt/slides/slide13.xml><?xml version="1.0" encoding="utf-8"?>
+<p:sld xmlns:a="http://schemas.openxmlformats.org/drawingml/2006/main" xmlns:r="http://schemas.openxmlformats.org/officeDocument/2006/relationships" xmlns:p="http://schemas.openxmlformats.org/presentationml/2006/main">
+  <p:cSld>
+    <p:spTree>
+      <p:nvGrpSpPr>
+        <p:cNvPr id="1" name=""/>
+        <p:cNvGrpSpPr/>
+        <p:nvPr/>
+      </p:nvGrpSpPr>
+      <p:grpSpPr>
+        <a:xfrm>
+          <a:off x="0" y="0"/>
+          <a:ext cx="0" cy="0"/>
+          <a:chOff x="0" y="0"/>
+          <a:chExt cx="0" cy="0"/>
+        </a:xfrm>
+      </p:grpSpPr>
+      <p:sp>
+        <p:nvSpPr>
+          <p:cNvPr id="3" name="2 Marcador de contenido"/>
+          <p:cNvSpPr>
+            <a:spLocks noGrp="1"/>
+          </p:cNvSpPr>
+          <p:nvPr>
+            <p:ph idx="1"/>
+          </p:nvPr>
+        </p:nvSpPr>
+        <p:spPr>
+          <a:xfrm>
+            <a:off x="323528" y="404664"/>
+            <a:ext cx="8352928" cy="3168352"/>
+          </a:xfrm>
+        </p:spPr>
+        <p:txBody>
+          <a:bodyPr>
+            <a:normAutofit/>
+          </a:bodyPr>
+          <a:lstStyle/>
+          <a:p>
+            <a:r>
+              <a:rPr lang="es-ES" dirty="0"/>
+              <a:t>Al terminar de crear tu cuenta en Google </a:t>
+            </a:r>
+            <a:r>
+              <a:rPr lang="es-ES" dirty="0" smtClean="0"/>
+              <a:t>podrás acceder </a:t>
+            </a:r>
+            <a:r>
+              <a:rPr lang="es-ES" dirty="0"/>
+              <a:t>a todos sus </a:t>
+            </a:r>
+            <a:r>
+              <a:rPr lang="es-ES" dirty="0" smtClean="0"/>
+              <a:t>servicios utilizando </a:t>
+            </a:r>
+            <a:r>
+              <a:rPr lang="es-ES" dirty="0"/>
+              <a:t>el correo electrónico y tu contraseña, entre ellos el correo </a:t>
+            </a:r>
+            <a:r>
+              <a:rPr lang="es-ES" dirty="0" err="1"/>
+              <a:t>Gmail</a:t>
+            </a:r>
+            <a:r>
+              <a:rPr lang="es-ES" dirty="0"/>
+              <a:t>, </a:t>
+            </a:r>
+            <a:r>
+              <a:rPr lang="es-ES" dirty="0" smtClean="0"/>
+              <a:t>búsquedas personalizadas</a:t>
+            </a:r>
+            <a:r>
+              <a:rPr lang="es-ES" dirty="0"/>
+              <a:t>, tu página de </a:t>
+            </a:r>
+            <a:r>
+              <a:rPr lang="es-ES" dirty="0" smtClean="0"/>
+              <a:t>perfil </a:t>
+            </a:r>
+            <a:r>
+              <a:rPr lang="es-ES" dirty="0"/>
+              <a:t>en la red social de Google, Google </a:t>
+            </a:r>
+            <a:r>
+              <a:rPr lang="es-ES" dirty="0" smtClean="0"/>
+              <a:t>Plus, Google Drive, Google </a:t>
+            </a:r>
+            <a:r>
+              <a:rPr lang="es-ES" dirty="0" err="1" smtClean="0"/>
+              <a:t>Academic</a:t>
+            </a:r>
+            <a:r>
+              <a:rPr lang="es-ES" dirty="0" smtClean="0"/>
+              <a:t>, Google </a:t>
+            </a:r>
+            <a:r>
+              <a:rPr lang="es-ES" dirty="0" err="1" smtClean="0"/>
+              <a:t>Keep</a:t>
+            </a:r>
+            <a:r>
+              <a:rPr lang="es-ES" dirty="0" smtClean="0"/>
+              <a:t>, entre otros.</a:t>
+            </a:r>
+          </a:p>
+          <a:p>
+            <a:endParaRPr lang="es-ES" dirty="0"/>
+          </a:p>
+        </p:txBody>
+      </p:sp>
+    </p:spTree>
+    <p:extLst>
+      <p:ext uri="{BB962C8B-B14F-4D97-AF65-F5344CB8AC3E}">
+        <p14:creationId xmlns:p14="http://schemas.microsoft.com/office/powerpoint/2010/main" val="2834494600"/>
+      </p:ext>
+    </p:extLst>
+  </p:cSld>
+  <p:clrMapOvr>
+    <a:masterClrMapping/>
+  </p:clrMapOvr>
+  <p:timing>
+    <p:tnLst>
+      <p:par>
+        <p:cTn id="1" dur="indefinite" restart="never" nodeType="tmRoot"/>
+      </p:par>
+    </p:tnLst>
+  </p:timing>
+</p:sld>
+</file>
+
+<file path=ppt/slides/slide14.xml><?xml version="1.0" encoding="utf-8"?>
+<p:sld xmlns:a="http://schemas.openxmlformats.org/drawingml/2006/main" xmlns:r="http://schemas.openxmlformats.org/officeDocument/2006/relationships" xmlns:p="http://schemas.openxmlformats.org/presentationml/2006/main">
+  <p:cSld>
+    <p:spTree>
+      <p:nvGrpSpPr>
+        <p:cNvPr id="1" name=""/>
+        <p:cNvGrpSpPr/>
+        <p:nvPr/>
+      </p:nvGrpSpPr>
+      <p:grpSpPr>
+        <a:xfrm>
+          <a:off x="0" y="0"/>
+          <a:ext cx="0" cy="0"/>
+          <a:chOff x="0" y="0"/>
+          <a:chExt cx="0" cy="0"/>
+        </a:xfrm>
+      </p:grpSpPr>
+      <p:sp>
+        <p:nvSpPr>
+          <p:cNvPr id="2" name="1 Título"/>
+          <p:cNvSpPr>
+            <a:spLocks noGrp="1"/>
+          </p:cNvSpPr>
+          <p:nvPr>
+            <p:ph type="title"/>
+          </p:nvPr>
+        </p:nvSpPr>
+        <p:spPr/>
+        <p:txBody>
+          <a:bodyPr/>
+          <a:lstStyle/>
+          <a:p>
+            <a:r>
+              <a:rPr lang="en-US" dirty="0" err="1" smtClean="0"/>
+              <a:t>Inicio</a:t>
+            </a:r>
+            <a:r>
+              <a:rPr lang="en-US" dirty="0" smtClean="0"/>
+              <a:t> </a:t>
+            </a:r>
+            <a:r>
+              <a:rPr lang="en-US" dirty="0" err="1" smtClean="0"/>
+              <a:t>Sesion</a:t>
+            </a:r>
+            <a:r>
+              <a:rPr lang="en-US" dirty="0" smtClean="0"/>
+              <a:t> Google</a:t>
+            </a:r>
+            <a:endParaRPr lang="es-ES" dirty="0"/>
+          </a:p>
+        </p:txBody>
+      </p:sp>
+      <p:pic>
+        <p:nvPicPr>
+          <p:cNvPr id="4" name="3 Imagen"/>
+          <p:cNvPicPr>
+            <a:picLocks noChangeAspect="1"/>
+          </p:cNvPicPr>
+          <p:nvPr/>
+        </p:nvPicPr>
+        <p:blipFill>
+          <a:blip r:embed="rId2">
+            <a:extLst>
+              <a:ext uri="{28A0092B-C50C-407E-A947-70E740481C1C}">
+                <a14:useLocalDpi xmlns:a14="http://schemas.microsoft.com/office/drawing/2010/main" val="0"/>
+              </a:ext>
+            </a:extLst>
+          </a:blip>
+          <a:stretch>
+            <a:fillRect/>
+          </a:stretch>
+        </p:blipFill>
+        <p:spPr>
+          <a:xfrm>
+            <a:off x="899592" y="1628800"/>
+            <a:ext cx="7272808" cy="4967262"/>
+          </a:xfrm>
+          <a:prstGeom prst="rect">
+            <a:avLst/>
+          </a:prstGeom>
+        </p:spPr>
+      </p:pic>
+    </p:spTree>
+    <p:extLst>
+      <p:ext uri="{BB962C8B-B14F-4D97-AF65-F5344CB8AC3E}">
+        <p14:creationId xmlns:p14="http://schemas.microsoft.com/office/powerpoint/2010/main" val="1536004516"/>
+      </p:ext>
+    </p:extLst>
+  </p:cSld>
+  <p:clrMapOvr>
+    <a:masterClrMapping/>
+  </p:clrMapOvr>
+</p:sld>
+</file>
+
+<file path=ppt/slides/slide15.xml><?xml version="1.0" encoding="utf-8"?>
+<p:sld xmlns:a="http://schemas.openxmlformats.org/drawingml/2006/main" xmlns:r="http://schemas.openxmlformats.org/officeDocument/2006/relationships" xmlns:p="http://schemas.openxmlformats.org/presentationml/2006/main">
+  <p:cSld>
+    <p:spTree>
+      <p:nvGrpSpPr>
+        <p:cNvPr id="1" name=""/>
+        <p:cNvGrpSpPr/>
+        <p:nvPr/>
+      </p:nvGrpSpPr>
+      <p:grpSpPr>
+        <a:xfrm>
+          <a:off x="0" y="0"/>
+          <a:ext cx="0" cy="0"/>
+          <a:chOff x="0" y="0"/>
+          <a:chExt cx="0" cy="0"/>
+        </a:xfrm>
+      </p:grpSpPr>
+      <p:sp>
+        <p:nvSpPr>
+          <p:cNvPr id="2" name="1 Título"/>
+          <p:cNvSpPr>
+            <a:spLocks noGrp="1"/>
+          </p:cNvSpPr>
+          <p:nvPr>
+            <p:ph type="title"/>
+          </p:nvPr>
+        </p:nvSpPr>
+        <p:spPr/>
+        <p:txBody>
+          <a:bodyPr/>
+          <a:lstStyle/>
+          <a:p>
+            <a:r>
+              <a:rPr lang="en-US" dirty="0" err="1" smtClean="0"/>
+              <a:t>Recuperar</a:t>
+            </a:r>
+            <a:r>
+              <a:rPr lang="en-US" dirty="0" smtClean="0"/>
+              <a:t> </a:t>
+            </a:r>
+            <a:r>
+              <a:rPr lang="en-US" dirty="0" err="1" smtClean="0"/>
+              <a:t>Contraseña</a:t>
+            </a:r>
+            <a:endParaRPr lang="es-ES" dirty="0"/>
+          </a:p>
+        </p:txBody>
+      </p:sp>
+      <p:pic>
+        <p:nvPicPr>
+          <p:cNvPr id="4" name="3 Marcador de contenido"/>
+          <p:cNvPicPr>
+            <a:picLocks noGrp="1" noChangeAspect="1"/>
+          </p:cNvPicPr>
+          <p:nvPr>
+            <p:ph idx="1"/>
+          </p:nvPr>
+        </p:nvPicPr>
+        <p:blipFill>
+          <a:blip r:embed="rId2">
+            <a:extLst>
+              <a:ext uri="{28A0092B-C50C-407E-A947-70E740481C1C}">
+                <a14:useLocalDpi xmlns:a14="http://schemas.microsoft.com/office/drawing/2010/main" val="0"/>
+              </a:ext>
+            </a:extLst>
+          </a:blip>
+          <a:stretch>
+            <a:fillRect/>
+          </a:stretch>
+        </p:blipFill>
+        <p:spPr>
+          <a:xfrm>
+            <a:off x="4644008" y="1268760"/>
+            <a:ext cx="4306767" cy="2664296"/>
+          </a:xfrm>
+        </p:spPr>
+      </p:pic>
+      <p:sp>
+        <p:nvSpPr>
+          <p:cNvPr id="5" name="4 CuadroTexto"/>
+          <p:cNvSpPr txBox="1"/>
+          <p:nvPr/>
+        </p:nvSpPr>
+        <p:spPr>
+          <a:xfrm>
+            <a:off x="395536" y="1484784"/>
+            <a:ext cx="4104456" cy="2677656"/>
+          </a:xfrm>
+          <a:prstGeom prst="rect">
+            <a:avLst/>
+          </a:prstGeom>
+          <a:noFill/>
+        </p:spPr>
+        <p:txBody>
+          <a:bodyPr wrap="square" rtlCol="0">
+            <a:spAutoFit/>
+          </a:bodyPr>
+          <a:lstStyle/>
+          <a:p>
+            <a:pPr marL="285750" indent="-285750">
+              <a:buFont typeface="Arial" pitchFamily="34" charset="0"/>
+              <a:buChar char="•"/>
+            </a:pPr>
+            <a:r>
+              <a:rPr lang="en-US" sz="2400" dirty="0" err="1" smtClean="0"/>
+              <a:t>Pinchamos</a:t>
+            </a:r>
+            <a:r>
+              <a:rPr lang="en-US" sz="2400" dirty="0" smtClean="0"/>
+              <a:t> </a:t>
+            </a:r>
+            <a:r>
+              <a:rPr lang="en-US" sz="2400" dirty="0" err="1" smtClean="0"/>
+              <a:t>donde</a:t>
+            </a:r>
+            <a:r>
+              <a:rPr lang="en-US" sz="2400" dirty="0" smtClean="0"/>
+              <a:t> dice ¿</a:t>
+            </a:r>
+            <a:r>
+              <a:rPr lang="en-US" sz="2400" dirty="0" err="1" smtClean="0"/>
+              <a:t>Necesitas</a:t>
+            </a:r>
+            <a:r>
+              <a:rPr lang="en-US" sz="2400" dirty="0" smtClean="0"/>
+              <a:t> </a:t>
+            </a:r>
+            <a:r>
+              <a:rPr lang="en-US" sz="2400" dirty="0" err="1" smtClean="0"/>
+              <a:t>ayuda</a:t>
+            </a:r>
+            <a:r>
+              <a:rPr lang="en-US" sz="2400" dirty="0" smtClean="0"/>
+              <a:t>?</a:t>
+            </a:r>
+          </a:p>
+          <a:p>
+            <a:pPr marL="285750" indent="-285750">
+              <a:buFont typeface="Arial" pitchFamily="34" charset="0"/>
+              <a:buChar char="•"/>
+            </a:pPr>
+            <a:r>
+              <a:rPr lang="en-US" sz="2400" dirty="0" err="1" smtClean="0"/>
+              <a:t>Nos</a:t>
+            </a:r>
+            <a:r>
+              <a:rPr lang="en-US" sz="2400" dirty="0" smtClean="0"/>
+              <a:t> </a:t>
+            </a:r>
+            <a:r>
+              <a:rPr lang="en-US" sz="2400" dirty="0" err="1" smtClean="0"/>
+              <a:t>aparecera</a:t>
+            </a:r>
+            <a:r>
+              <a:rPr lang="en-US" sz="2400" dirty="0" smtClean="0"/>
+              <a:t> </a:t>
+            </a:r>
+            <a:r>
+              <a:rPr lang="en-US" sz="2400" dirty="0" err="1" smtClean="0"/>
+              <a:t>si</a:t>
+            </a:r>
+            <a:r>
+              <a:rPr lang="en-US" sz="2400" dirty="0" smtClean="0"/>
+              <a:t> </a:t>
+            </a:r>
+            <a:r>
+              <a:rPr lang="en-US" sz="2400" dirty="0" err="1" smtClean="0"/>
+              <a:t>tenemos</a:t>
+            </a:r>
+            <a:r>
+              <a:rPr lang="en-US" sz="2400" dirty="0" smtClean="0"/>
+              <a:t> </a:t>
+            </a:r>
+            <a:r>
+              <a:rPr lang="en-US" sz="2400" dirty="0" err="1" smtClean="0"/>
+              <a:t>problemas</a:t>
+            </a:r>
+            <a:r>
+              <a:rPr lang="en-US" sz="2400" dirty="0" smtClean="0"/>
+              <a:t> </a:t>
+            </a:r>
+            <a:r>
+              <a:rPr lang="en-US" sz="2400" dirty="0" err="1" smtClean="0"/>
+              <a:t>para</a:t>
+            </a:r>
+            <a:r>
+              <a:rPr lang="en-US" sz="2400" dirty="0" smtClean="0"/>
+              <a:t> </a:t>
+            </a:r>
+            <a:r>
+              <a:rPr lang="en-US" sz="2400" dirty="0" err="1" smtClean="0"/>
+              <a:t>acceder</a:t>
+            </a:r>
+            <a:r>
+              <a:rPr lang="en-US" sz="2400" dirty="0" smtClean="0"/>
+              <a:t> y </a:t>
+            </a:r>
+            <a:r>
+              <a:rPr lang="en-US" sz="2400" dirty="0" err="1" smtClean="0"/>
+              <a:t>pinchamos</a:t>
+            </a:r>
+            <a:r>
+              <a:rPr lang="en-US" sz="2400" dirty="0" smtClean="0"/>
+              <a:t> </a:t>
+            </a:r>
+            <a:r>
+              <a:rPr lang="en-US" sz="2400" dirty="0" err="1" smtClean="0"/>
+              <a:t>donde</a:t>
+            </a:r>
+            <a:r>
+              <a:rPr lang="en-US" sz="2400" dirty="0" smtClean="0"/>
+              <a:t> dice:</a:t>
+            </a:r>
+          </a:p>
+          <a:p>
+            <a:pPr lvl="1"/>
+            <a:r>
+              <a:rPr lang="en-US" sz="2400" dirty="0" smtClean="0"/>
+              <a:t>No se mi </a:t>
+            </a:r>
+            <a:r>
+              <a:rPr lang="en-US" sz="2400" dirty="0" err="1" smtClean="0"/>
+              <a:t>contrase</a:t>
+            </a:r>
+            <a:r>
+              <a:rPr lang="es-ES_tradnl" sz="2400" dirty="0" err="1" smtClean="0"/>
+              <a:t>ña</a:t>
+            </a:r>
+            <a:endParaRPr lang="es-ES" sz="2400" dirty="0"/>
+          </a:p>
+          <a:p>
+            <a:pPr marL="342900" indent="-342900">
+              <a:buFont typeface="Arial" pitchFamily="34" charset="0"/>
+              <a:buChar char="•"/>
+            </a:pPr>
+            <a:endParaRPr lang="es-ES_tradnl" sz="2400" dirty="0" smtClean="0"/>
+          </a:p>
+        </p:txBody>
+      </p:sp>
+      <p:pic>
+        <p:nvPicPr>
+          <p:cNvPr id="3" name="2 Imagen"/>
+          <p:cNvPicPr>
+            <a:picLocks noChangeAspect="1"/>
+          </p:cNvPicPr>
+          <p:nvPr/>
+        </p:nvPicPr>
+        <p:blipFill>
+          <a:blip r:embed="rId3">
+            <a:extLst>
+              <a:ext uri="{28A0092B-C50C-407E-A947-70E740481C1C}">
+                <a14:useLocalDpi xmlns:a14="http://schemas.microsoft.com/office/drawing/2010/main" val="0"/>
+              </a:ext>
+            </a:extLst>
+          </a:blip>
+          <a:stretch>
+            <a:fillRect/>
+          </a:stretch>
+        </p:blipFill>
+        <p:spPr>
+          <a:xfrm>
+            <a:off x="5436096" y="4509119"/>
+            <a:ext cx="3537198" cy="2180675"/>
+          </a:xfrm>
+          <a:prstGeom prst="rect">
+            <a:avLst/>
+          </a:prstGeom>
+        </p:spPr>
+      </p:pic>
+      <p:pic>
+        <p:nvPicPr>
+          <p:cNvPr id="6" name="5 Imagen"/>
+          <p:cNvPicPr>
+            <a:picLocks noChangeAspect="1"/>
+          </p:cNvPicPr>
+          <p:nvPr/>
+        </p:nvPicPr>
+        <p:blipFill>
+          <a:blip r:embed="rId4">
+            <a:extLst>
+              <a:ext uri="{28A0092B-C50C-407E-A947-70E740481C1C}">
+                <a14:useLocalDpi xmlns:a14="http://schemas.microsoft.com/office/drawing/2010/main" val="0"/>
+              </a:ext>
+            </a:extLst>
+          </a:blip>
+          <a:stretch>
+            <a:fillRect/>
+          </a:stretch>
+        </p:blipFill>
+        <p:spPr>
+          <a:xfrm>
+            <a:off x="251521" y="3933056"/>
+            <a:ext cx="4032447" cy="2732534"/>
+          </a:xfrm>
+          <a:prstGeom prst="rect">
+            <a:avLst/>
+          </a:prstGeom>
+        </p:spPr>
+      </p:pic>
+      <p:sp>
+        <p:nvSpPr>
+          <p:cNvPr id="8" name="7 Flecha abajo"/>
+          <p:cNvSpPr/>
+          <p:nvPr/>
+        </p:nvSpPr>
+        <p:spPr>
+          <a:xfrm>
+            <a:off x="6516216" y="4005064"/>
+            <a:ext cx="504056" cy="432048"/>
+          </a:xfrm>
+          <a:prstGeom prst="downArrow">
+            <a:avLst/>
+          </a:prstGeom>
+        </p:spPr>
+        <p:style>
+          <a:lnRef idx="2">
+            <a:schemeClr val="accent1">
+              <a:shade val="50000"/>
+            </a:schemeClr>
+          </a:lnRef>
+          <a:fillRef idx="1">
+            <a:schemeClr val="accent1"/>
+          </a:fillRef>
+          <a:effectRef idx="0">
+            <a:schemeClr val="accent1"/>
+          </a:effectRef>
+          <a:fontRef idx="minor">
+            <a:schemeClr val="lt1"/>
+          </a:fontRef>
+        </p:style>
+        <p:txBody>
+          <a:bodyPr rtlCol="0" anchor="ctr"/>
+          <a:lstStyle/>
+          <a:p>
+            <a:pPr algn="ctr"/>
+            <a:endParaRPr lang="es-ES"/>
+          </a:p>
+        </p:txBody>
+      </p:sp>
+      <p:sp>
+        <p:nvSpPr>
+          <p:cNvPr id="9" name="8 Flecha derecha"/>
+          <p:cNvSpPr/>
+          <p:nvPr/>
+        </p:nvSpPr>
+        <p:spPr>
+          <a:xfrm rot="10800000">
+            <a:off x="4499992" y="5085184"/>
+            <a:ext cx="504056" cy="288032"/>
+          </a:xfrm>
+          <a:prstGeom prst="rightArrow">
+            <a:avLst/>
+          </a:prstGeom>
+        </p:spPr>
+        <p:style>
+          <a:lnRef idx="2">
+            <a:schemeClr val="accent1">
+              <a:shade val="50000"/>
+            </a:schemeClr>
+          </a:lnRef>
+          <a:fillRef idx="1">
+            <a:schemeClr val="accent1"/>
+          </a:fillRef>
+          <a:effectRef idx="0">
+            <a:schemeClr val="accent1"/>
+          </a:effectRef>
+          <a:fontRef idx="minor">
+            <a:schemeClr val="lt1"/>
+          </a:fontRef>
+        </p:style>
+        <p:txBody>
+          <a:bodyPr rtlCol="0" anchor="ctr"/>
+          <a:lstStyle/>
+          <a:p>
+            <a:pPr algn="ctr"/>
+            <a:endParaRPr lang="es-ES"/>
+          </a:p>
+        </p:txBody>
+      </p:sp>
+    </p:spTree>
+    <p:extLst>
+      <p:ext uri="{BB962C8B-B14F-4D97-AF65-F5344CB8AC3E}">
+        <p14:creationId xmlns:p14="http://schemas.microsoft.com/office/powerpoint/2010/main" val="2760573517"/>
+      </p:ext>
+    </p:extLst>
+  </p:cSld>
+  <p:clrMapOvr>
+    <a:masterClrMapping/>
+  </p:clrMapOvr>
+</p:sld>
+</file>
+
+<file path=ppt/slides/slide16.xml><?xml version="1.0" encoding="utf-8"?>
+<p:sld xmlns:a="http://schemas.openxmlformats.org/drawingml/2006/main" xmlns:r="http://schemas.openxmlformats.org/officeDocument/2006/relationships" xmlns:p="http://schemas.openxmlformats.org/presentationml/2006/main">
+  <p:cSld>
+    <p:spTree>
+      <p:nvGrpSpPr>
+        <p:cNvPr id="1" name=""/>
+        <p:cNvGrpSpPr/>
+        <p:nvPr/>
+      </p:nvGrpSpPr>
+      <p:grpSpPr>
+        <a:xfrm>
+          <a:off x="0" y="0"/>
+          <a:ext cx="0" cy="0"/>
+          <a:chOff x="0" y="0"/>
+          <a:chExt cx="0" cy="0"/>
+        </a:xfrm>
+      </p:grpSpPr>
+      <p:pic>
+        <p:nvPicPr>
+          <p:cNvPr id="4" name="3 Imagen"/>
+          <p:cNvPicPr>
+            <a:picLocks noChangeAspect="1"/>
+          </p:cNvPicPr>
+          <p:nvPr/>
+        </p:nvPicPr>
+        <p:blipFill>
+          <a:blip r:embed="rId2">
+            <a:extLst>
+              <a:ext uri="{28A0092B-C50C-407E-A947-70E740481C1C}">
+                <a14:useLocalDpi xmlns:a14="http://schemas.microsoft.com/office/drawing/2010/main" val="0"/>
+              </a:ext>
+            </a:extLst>
+          </a:blip>
+          <a:stretch>
+            <a:fillRect/>
+          </a:stretch>
+        </p:blipFill>
+        <p:spPr>
+          <a:xfrm>
+            <a:off x="5076055" y="908720"/>
+            <a:ext cx="3918223" cy="2266950"/>
+          </a:xfrm>
+          <a:prstGeom prst="rect">
+            <a:avLst/>
+          </a:prstGeom>
+        </p:spPr>
+      </p:pic>
+      <p:pic>
+        <p:nvPicPr>
+          <p:cNvPr id="5" name="4 Imagen"/>
+          <p:cNvPicPr>
+            <a:picLocks noChangeAspect="1"/>
+          </p:cNvPicPr>
+          <p:nvPr/>
+        </p:nvPicPr>
+        <p:blipFill>
+          <a:blip r:embed="rId3">
+            <a:extLst>
+              <a:ext uri="{28A0092B-C50C-407E-A947-70E740481C1C}">
+                <a14:useLocalDpi xmlns:a14="http://schemas.microsoft.com/office/drawing/2010/main" val="0"/>
+              </a:ext>
+            </a:extLst>
+          </a:blip>
+          <a:stretch>
+            <a:fillRect/>
+          </a:stretch>
+        </p:blipFill>
+        <p:spPr>
+          <a:xfrm>
+            <a:off x="5076056" y="4077072"/>
+            <a:ext cx="3939585" cy="2133600"/>
+          </a:xfrm>
+          <a:prstGeom prst="rect">
+            <a:avLst/>
+          </a:prstGeom>
+        </p:spPr>
+      </p:pic>
+      <p:sp>
+        <p:nvSpPr>
+          <p:cNvPr id="8" name="7 CuadroTexto"/>
+          <p:cNvSpPr txBox="1"/>
+          <p:nvPr/>
+        </p:nvSpPr>
+        <p:spPr>
+          <a:xfrm>
+            <a:off x="269330" y="1257365"/>
+            <a:ext cx="4104456" cy="1569660"/>
+          </a:xfrm>
+          <a:prstGeom prst="rect">
+            <a:avLst/>
+          </a:prstGeom>
+          <a:noFill/>
+        </p:spPr>
+        <p:txBody>
+          <a:bodyPr wrap="square" rtlCol="0">
+            <a:spAutoFit/>
+          </a:bodyPr>
+          <a:lstStyle/>
+          <a:p>
+            <a:r>
+              <a:rPr lang="es-ES_tradnl" sz="2400" dirty="0" smtClean="0"/>
+              <a:t>Colocamos la frase que nos indica en este caso “</a:t>
+            </a:r>
+            <a:r>
+              <a:rPr lang="es-ES_tradnl" sz="2400" dirty="0" err="1" smtClean="0"/>
+              <a:t>trantspl</a:t>
+            </a:r>
+            <a:r>
+              <a:rPr lang="es-ES_tradnl" sz="2400" dirty="0" smtClean="0"/>
+              <a:t>”, y luego presionamos continuar</a:t>
+            </a:r>
+            <a:endParaRPr lang="es-ES" sz="2400" dirty="0"/>
+          </a:p>
+        </p:txBody>
+      </p:sp>
+      <p:sp>
+        <p:nvSpPr>
+          <p:cNvPr id="9" name="8 CuadroTexto"/>
+          <p:cNvSpPr txBox="1"/>
+          <p:nvPr/>
+        </p:nvSpPr>
+        <p:spPr>
+          <a:xfrm>
+            <a:off x="395536" y="4293096"/>
+            <a:ext cx="4320480" cy="1938992"/>
+          </a:xfrm>
+          <a:prstGeom prst="rect">
+            <a:avLst/>
+          </a:prstGeom>
+          <a:noFill/>
+        </p:spPr>
+        <p:txBody>
+          <a:bodyPr wrap="square" rtlCol="0">
+            <a:spAutoFit/>
+          </a:bodyPr>
+          <a:lstStyle/>
+          <a:p>
+            <a:r>
+              <a:rPr lang="es-ES_tradnl" sz="2400" dirty="0" smtClean="0"/>
+              <a:t>Si recordamos alguna de las claves que hemos tenido la ingresamos y colocamos continuar, si no, colocamos No lo se.</a:t>
+            </a:r>
+            <a:endParaRPr lang="es-ES" sz="2400" dirty="0"/>
+          </a:p>
+        </p:txBody>
+      </p:sp>
+    </p:spTree>
+    <p:extLst>
+      <p:ext uri="{BB962C8B-B14F-4D97-AF65-F5344CB8AC3E}">
+        <p14:creationId xmlns:p14="http://schemas.microsoft.com/office/powerpoint/2010/main" val="2654590631"/>
+      </p:ext>
+    </p:extLst>
+  </p:cSld>
+  <p:clrMapOvr>
+    <a:masterClrMapping/>
+  </p:clrMapOvr>
+</p:sld>
+</file>
+
+<file path=ppt/slides/slide17.xml><?xml version="1.0" encoding="utf-8"?>
+<p:sld xmlns:a="http://schemas.openxmlformats.org/drawingml/2006/main" xmlns:r="http://schemas.openxmlformats.org/officeDocument/2006/relationships" xmlns:p="http://schemas.openxmlformats.org/presentationml/2006/main">
+  <p:cSld>
+    <p:spTree>
+      <p:nvGrpSpPr>
+        <p:cNvPr id="1" name=""/>
+        <p:cNvGrpSpPr/>
+        <p:nvPr/>
+      </p:nvGrpSpPr>
+      <p:grpSpPr>
+        <a:xfrm>
+          <a:off x="0" y="0"/>
+          <a:ext cx="0" cy="0"/>
+          <a:chOff x="0" y="0"/>
+          <a:chExt cx="0" cy="0"/>
+        </a:xfrm>
+      </p:grpSpPr>
+      <p:pic>
+        <p:nvPicPr>
+          <p:cNvPr id="4" name="3 Imagen"/>
+          <p:cNvPicPr>
+            <a:picLocks noChangeAspect="1"/>
+          </p:cNvPicPr>
+          <p:nvPr/>
+        </p:nvPicPr>
+        <p:blipFill>
+          <a:blip r:embed="rId2">
+            <a:extLst>
+              <a:ext uri="{28A0092B-C50C-407E-A947-70E740481C1C}">
+                <a14:useLocalDpi xmlns:a14="http://schemas.microsoft.com/office/drawing/2010/main" val="0"/>
+              </a:ext>
+            </a:extLst>
+          </a:blip>
+          <a:stretch>
+            <a:fillRect/>
+          </a:stretch>
+        </p:blipFill>
+        <p:spPr>
+          <a:xfrm>
+            <a:off x="4716016" y="620688"/>
+            <a:ext cx="4320480" cy="2592288"/>
+          </a:xfrm>
+          <a:prstGeom prst="rect">
+            <a:avLst/>
+          </a:prstGeom>
+        </p:spPr>
+      </p:pic>
+      <p:sp>
+        <p:nvSpPr>
+          <p:cNvPr id="6" name="5 CuadroTexto"/>
+          <p:cNvSpPr txBox="1"/>
+          <p:nvPr/>
+        </p:nvSpPr>
+        <p:spPr>
+          <a:xfrm>
+            <a:off x="251520" y="620688"/>
+            <a:ext cx="4032448" cy="2308324"/>
+          </a:xfrm>
+          <a:prstGeom prst="rect">
+            <a:avLst/>
+          </a:prstGeom>
+          <a:noFill/>
+        </p:spPr>
+        <p:txBody>
+          <a:bodyPr wrap="square" rtlCol="0">
+            <a:spAutoFit/>
+          </a:bodyPr>
+          <a:lstStyle/>
+          <a:p>
+            <a:r>
+              <a:rPr lang="es-ES_tradnl" sz="2400" dirty="0" smtClean="0"/>
+              <a:t>Presionamos </a:t>
+            </a:r>
+            <a:r>
+              <a:rPr lang="es-ES_tradnl" sz="2400" dirty="0" err="1" smtClean="0"/>
+              <a:t>click</a:t>
+            </a:r>
+            <a:r>
+              <a:rPr lang="es-ES_tradnl" sz="2400" dirty="0" smtClean="0"/>
+              <a:t> en continuar para que le demos acceso a </a:t>
+            </a:r>
+            <a:r>
+              <a:rPr lang="es-ES_tradnl" sz="2400" dirty="0" err="1" smtClean="0"/>
+              <a:t>Gmail</a:t>
+            </a:r>
+            <a:r>
+              <a:rPr lang="es-ES_tradnl" sz="2400" dirty="0" smtClean="0"/>
+              <a:t>, y pueda enviar un link al correo alternativo que hemos ingresado.</a:t>
+            </a:r>
+            <a:endParaRPr lang="es-ES" sz="2400" dirty="0"/>
+          </a:p>
+        </p:txBody>
+      </p:sp>
+      <p:sp>
+        <p:nvSpPr>
+          <p:cNvPr id="8" name="7 CuadroTexto"/>
+          <p:cNvSpPr txBox="1"/>
+          <p:nvPr/>
+        </p:nvSpPr>
+        <p:spPr>
+          <a:xfrm>
+            <a:off x="467544" y="3789040"/>
+            <a:ext cx="3600400" cy="1938992"/>
+          </a:xfrm>
+          <a:prstGeom prst="rect">
+            <a:avLst/>
+          </a:prstGeom>
+          <a:noFill/>
+        </p:spPr>
+        <p:txBody>
+          <a:bodyPr wrap="square" rtlCol="0">
+            <a:spAutoFit/>
+          </a:bodyPr>
+          <a:lstStyle/>
+          <a:p>
+            <a:r>
+              <a:rPr lang="es-ES_tradnl" sz="2400" dirty="0" smtClean="0"/>
+              <a:t>Este mensaje indica ha sido enviado al correo alternativo la opción para restablecer la contraseña.</a:t>
+            </a:r>
+            <a:endParaRPr lang="es-ES" sz="2400" dirty="0"/>
+          </a:p>
+        </p:txBody>
+      </p:sp>
+      <p:pic>
+        <p:nvPicPr>
+          <p:cNvPr id="10" name="9 Imagen"/>
+          <p:cNvPicPr>
+            <a:picLocks noChangeAspect="1"/>
+          </p:cNvPicPr>
+          <p:nvPr/>
+        </p:nvPicPr>
+        <p:blipFill>
+          <a:blip r:embed="rId3">
+            <a:extLst>
+              <a:ext uri="{28A0092B-C50C-407E-A947-70E740481C1C}">
+                <a14:useLocalDpi xmlns:a14="http://schemas.microsoft.com/office/drawing/2010/main" val="0"/>
+              </a:ext>
+            </a:extLst>
+          </a:blip>
+          <a:stretch>
+            <a:fillRect/>
+          </a:stretch>
+        </p:blipFill>
+        <p:spPr>
+          <a:xfrm>
+            <a:off x="4716016" y="3792452"/>
+            <a:ext cx="4320480" cy="2228836"/>
+          </a:xfrm>
+          <a:prstGeom prst="rect">
+            <a:avLst/>
+          </a:prstGeom>
+        </p:spPr>
+      </p:pic>
+    </p:spTree>
+    <p:extLst>
+      <p:ext uri="{BB962C8B-B14F-4D97-AF65-F5344CB8AC3E}">
+        <p14:creationId xmlns:p14="http://schemas.microsoft.com/office/powerpoint/2010/main" val="419708529"/>
+      </p:ext>
+    </p:extLst>
+  </p:cSld>
+  <p:clrMapOvr>
+    <a:masterClrMapping/>
+  </p:clrMapOvr>
+</p:sld>
+</file>
+
 <file path=ppt/slides/slide2.xml><?xml version="1.0" encoding="utf-8"?>
 <p:sld xmlns:a="http://schemas.openxmlformats.org/drawingml/2006/main" xmlns:r="http://schemas.openxmlformats.org/officeDocument/2006/relationships" xmlns:p="http://schemas.openxmlformats.org/presentationml/2006/main">
   <p:cSld>
@@ -3130,15 +4777,58 @@
             <p:ph idx="1"/>
           </p:nvPr>
         </p:nvSpPr>
-        <p:spPr/>
-        <p:txBody>
-          <a:bodyPr/>
-          <a:lstStyle/>
-          <a:p>
-            <a:endParaRPr lang="es-ES"/>
-          </a:p>
-        </p:txBody>
-      </p:sp>
+        <p:spPr>
+          <a:xfrm>
+            <a:off x="467544" y="1556792"/>
+            <a:ext cx="4546848" cy="5040560"/>
+          </a:xfrm>
+        </p:spPr>
+        <p:txBody>
+          <a:bodyPr>
+            <a:normAutofit/>
+          </a:bodyPr>
+          <a:lstStyle/>
+          <a:p>
+            <a:pPr marL="0" indent="0">
+              <a:buNone/>
+            </a:pPr>
+            <a:r>
+              <a:rPr lang="es-ES" dirty="0"/>
+              <a:t>Ofimática es un acrónimo compuesto por los términos oficina e informática. El concepto, por lo tanto, hace referencia a la automatización de las comunicaciones y procesos que se realizan en una oficina.</a:t>
+            </a:r>
+          </a:p>
+        </p:txBody>
+      </p:sp>
+      <p:pic>
+        <p:nvPicPr>
+          <p:cNvPr id="4" name="3 Imagen"/>
+          <p:cNvPicPr>
+            <a:picLocks noChangeAspect="1"/>
+          </p:cNvPicPr>
+          <p:nvPr/>
+        </p:nvPicPr>
+        <p:blipFill>
+          <a:blip r:embed="rId2">
+            <a:extLst>
+              <a:ext uri="{28A0092B-C50C-407E-A947-70E740481C1C}">
+                <a14:useLocalDpi xmlns:a14="http://schemas.microsoft.com/office/drawing/2010/main" val="0"/>
+              </a:ext>
+            </a:extLst>
+          </a:blip>
+          <a:stretch>
+            <a:fillRect/>
+          </a:stretch>
+        </p:blipFill>
+        <p:spPr>
+          <a:xfrm>
+            <a:off x="5724128" y="2276872"/>
+            <a:ext cx="3051423" cy="2880320"/>
+          </a:xfrm>
+          <a:prstGeom prst="rect">
+            <a:avLst/>
+          </a:prstGeom>
+        </p:spPr>
+      </p:pic>
     </p:spTree>
     <p:extLst>
       <p:ext uri="{BB962C8B-B14F-4D97-AF65-F5344CB8AC3E}">
@@ -3152,10 +4842,1304 @@
 </p:sld>
 </file>
 
+<file path=ppt/slides/slide3.xml><?xml version="1.0" encoding="utf-8"?>
+<p:sld xmlns:a="http://schemas.openxmlformats.org/drawingml/2006/main" xmlns:r="http://schemas.openxmlformats.org/officeDocument/2006/relationships" xmlns:p="http://schemas.openxmlformats.org/presentationml/2006/main">
+  <p:cSld>
+    <p:spTree>
+      <p:nvGrpSpPr>
+        <p:cNvPr id="1" name=""/>
+        <p:cNvGrpSpPr/>
+        <p:nvPr/>
+      </p:nvGrpSpPr>
+      <p:grpSpPr>
+        <a:xfrm>
+          <a:off x="0" y="0"/>
+          <a:ext cx="0" cy="0"/>
+          <a:chOff x="0" y="0"/>
+          <a:chExt cx="0" cy="0"/>
+        </a:xfrm>
+      </p:grpSpPr>
+      <p:sp>
+        <p:nvSpPr>
+          <p:cNvPr id="2" name="1 Título"/>
+          <p:cNvSpPr>
+            <a:spLocks noGrp="1"/>
+          </p:cNvSpPr>
+          <p:nvPr>
+            <p:ph type="title"/>
+          </p:nvPr>
+        </p:nvSpPr>
+        <p:spPr/>
+        <p:txBody>
+          <a:bodyPr/>
+          <a:lstStyle/>
+          <a:p>
+            <a:pPr algn="l"/>
+            <a:r>
+              <a:rPr lang="en-US" dirty="0" err="1" smtClean="0"/>
+              <a:t>Objetivos</a:t>
+            </a:r>
+            <a:r>
+              <a:rPr lang="en-US" dirty="0" smtClean="0"/>
+              <a:t> </a:t>
+            </a:r>
+            <a:r>
+              <a:rPr lang="en-US" dirty="0" err="1" smtClean="0"/>
+              <a:t>Ofimatica</a:t>
+            </a:r>
+            <a:endParaRPr lang="es-ES" dirty="0"/>
+          </a:p>
+        </p:txBody>
+      </p:sp>
+      <p:sp>
+        <p:nvSpPr>
+          <p:cNvPr id="3" name="2 Marcador de contenido"/>
+          <p:cNvSpPr>
+            <a:spLocks noGrp="1"/>
+          </p:cNvSpPr>
+          <p:nvPr>
+            <p:ph idx="1"/>
+          </p:nvPr>
+        </p:nvSpPr>
+        <p:spPr>
+          <a:xfrm>
+            <a:off x="457200" y="1600200"/>
+            <a:ext cx="5266928" cy="4525963"/>
+          </a:xfrm>
+        </p:spPr>
+        <p:txBody>
+          <a:bodyPr/>
+          <a:lstStyle/>
+          <a:p>
+            <a:r>
+              <a:rPr lang="es-ES" dirty="0" smtClean="0"/>
+              <a:t>Automatización </a:t>
+            </a:r>
+            <a:r>
+              <a:rPr lang="es-ES" dirty="0"/>
+              <a:t>y optimización de las tareas habituales de una </a:t>
+            </a:r>
+            <a:r>
+              <a:rPr lang="es-ES" dirty="0" smtClean="0"/>
+              <a:t>oficina </a:t>
+            </a:r>
+            <a:r>
+              <a:rPr lang="es-ES" dirty="0"/>
+              <a:t>gracias a la </a:t>
+            </a:r>
+            <a:r>
+              <a:rPr lang="es-ES" dirty="0" smtClean="0"/>
+              <a:t>tecnología</a:t>
+            </a:r>
+          </a:p>
+          <a:p>
+            <a:r>
+              <a:rPr lang="es-ES" dirty="0" smtClean="0"/>
+              <a:t>Ahorrar tiempo</a:t>
+            </a:r>
+          </a:p>
+          <a:p>
+            <a:r>
+              <a:rPr lang="es-ES" dirty="0" smtClean="0"/>
+              <a:t>Aumentar </a:t>
+            </a:r>
+            <a:r>
+              <a:rPr lang="es-ES" dirty="0"/>
+              <a:t>la rentabilidad de las oficinas</a:t>
+            </a:r>
+            <a:endParaRPr lang="es-ES" dirty="0" smtClean="0"/>
+          </a:p>
+          <a:p>
+            <a:endParaRPr lang="es-ES" dirty="0"/>
+          </a:p>
+        </p:txBody>
+      </p:sp>
+      <p:pic>
+        <p:nvPicPr>
+          <p:cNvPr id="4" name="3 Imagen"/>
+          <p:cNvPicPr>
+            <a:picLocks noChangeAspect="1"/>
+          </p:cNvPicPr>
+          <p:nvPr/>
+        </p:nvPicPr>
+        <p:blipFill>
+          <a:blip r:embed="rId2">
+            <a:extLst>
+              <a:ext uri="{28A0092B-C50C-407E-A947-70E740481C1C}">
+                <a14:useLocalDpi xmlns:a14="http://schemas.microsoft.com/office/drawing/2010/main" val="0"/>
+              </a:ext>
+            </a:extLst>
+          </a:blip>
+          <a:stretch>
+            <a:fillRect/>
+          </a:stretch>
+        </p:blipFill>
+        <p:spPr>
+          <a:xfrm>
+            <a:off x="5907855" y="836712"/>
+            <a:ext cx="2743200" cy="2736304"/>
+          </a:xfrm>
+          <a:prstGeom prst="rect">
+            <a:avLst/>
+          </a:prstGeom>
+        </p:spPr>
+      </p:pic>
+      <p:pic>
+        <p:nvPicPr>
+          <p:cNvPr id="6" name="5 Imagen"/>
+          <p:cNvPicPr>
+            <a:picLocks noChangeAspect="1"/>
+          </p:cNvPicPr>
+          <p:nvPr/>
+        </p:nvPicPr>
+        <p:blipFill>
+          <a:blip r:embed="rId3">
+            <a:extLst>
+              <a:ext uri="{28A0092B-C50C-407E-A947-70E740481C1C}">
+                <a14:useLocalDpi xmlns:a14="http://schemas.microsoft.com/office/drawing/2010/main" val="0"/>
+              </a:ext>
+            </a:extLst>
+          </a:blip>
+          <a:stretch>
+            <a:fillRect/>
+          </a:stretch>
+        </p:blipFill>
+        <p:spPr>
+          <a:xfrm>
+            <a:off x="5758955" y="3933056"/>
+            <a:ext cx="3048000" cy="2333625"/>
+          </a:xfrm>
+          <a:prstGeom prst="rect">
+            <a:avLst/>
+          </a:prstGeom>
+        </p:spPr>
+      </p:pic>
+    </p:spTree>
+    <p:extLst>
+      <p:ext uri="{BB962C8B-B14F-4D97-AF65-F5344CB8AC3E}">
+        <p14:creationId xmlns:p14="http://schemas.microsoft.com/office/powerpoint/2010/main" val="1472174510"/>
+      </p:ext>
+    </p:extLst>
+  </p:cSld>
+  <p:clrMapOvr>
+    <a:masterClrMapping/>
+  </p:clrMapOvr>
+</p:sld>
+</file>
+
+<file path=ppt/slides/slide4.xml><?xml version="1.0" encoding="utf-8"?>
+<p:sld xmlns:a="http://schemas.openxmlformats.org/drawingml/2006/main" xmlns:r="http://schemas.openxmlformats.org/officeDocument/2006/relationships" xmlns:p="http://schemas.openxmlformats.org/presentationml/2006/main">
+  <p:cSld>
+    <p:spTree>
+      <p:nvGrpSpPr>
+        <p:cNvPr id="1" name=""/>
+        <p:cNvGrpSpPr/>
+        <p:nvPr/>
+      </p:nvGrpSpPr>
+      <p:grpSpPr>
+        <a:xfrm>
+          <a:off x="0" y="0"/>
+          <a:ext cx="0" cy="0"/>
+          <a:chOff x="0" y="0"/>
+          <a:chExt cx="0" cy="0"/>
+        </a:xfrm>
+      </p:grpSpPr>
+      <p:sp>
+        <p:nvSpPr>
+          <p:cNvPr id="2" name="1 Título"/>
+          <p:cNvSpPr>
+            <a:spLocks noGrp="1"/>
+          </p:cNvSpPr>
+          <p:nvPr>
+            <p:ph type="title"/>
+          </p:nvPr>
+        </p:nvSpPr>
+        <p:spPr/>
+        <p:txBody>
+          <a:bodyPr/>
+          <a:lstStyle/>
+          <a:p>
+            <a:r>
+              <a:rPr lang="en-US" dirty="0" smtClean="0"/>
+              <a:t> </a:t>
+            </a:r>
+            <a:r>
+              <a:rPr lang="en-US" dirty="0" err="1" smtClean="0"/>
+              <a:t>Herramientas</a:t>
+            </a:r>
+            <a:r>
+              <a:rPr lang="en-US" dirty="0" smtClean="0"/>
+              <a:t> </a:t>
+            </a:r>
+            <a:r>
+              <a:rPr lang="en-US" dirty="0" err="1" smtClean="0"/>
+              <a:t>Ofimatica</a:t>
+            </a:r>
+            <a:endParaRPr lang="es-ES" dirty="0"/>
+          </a:p>
+        </p:txBody>
+      </p:sp>
+      <p:sp>
+        <p:nvSpPr>
+          <p:cNvPr id="3" name="2 Marcador de contenido"/>
+          <p:cNvSpPr>
+            <a:spLocks noGrp="1"/>
+          </p:cNvSpPr>
+          <p:nvPr>
+            <p:ph idx="1"/>
+          </p:nvPr>
+        </p:nvSpPr>
+        <p:spPr>
+          <a:xfrm>
+            <a:off x="457200" y="1412776"/>
+            <a:ext cx="5266928" cy="5112568"/>
+          </a:xfrm>
+        </p:spPr>
+        <p:txBody>
+          <a:bodyPr>
+            <a:normAutofit/>
+          </a:bodyPr>
+          <a:lstStyle/>
+          <a:p>
+            <a:pPr marL="0" indent="0">
+              <a:buNone/>
+            </a:pPr>
+            <a:r>
+              <a:rPr lang="es-ES" dirty="0" smtClean="0"/>
+              <a:t>Es la recopilación </a:t>
+            </a:r>
+            <a:r>
+              <a:rPr lang="es-ES" dirty="0"/>
+              <a:t>de programas informáticos que </a:t>
+            </a:r>
+            <a:r>
+              <a:rPr lang="es-ES" dirty="0" smtClean="0"/>
+              <a:t>son:</a:t>
+            </a:r>
+          </a:p>
+          <a:p>
+            <a:r>
+              <a:rPr lang="es-ES" dirty="0"/>
+              <a:t>procesador de </a:t>
+            </a:r>
+            <a:r>
+              <a:rPr lang="es-ES" dirty="0" smtClean="0"/>
+              <a:t>texto</a:t>
+            </a:r>
+          </a:p>
+          <a:p>
+            <a:r>
+              <a:rPr lang="es-ES" dirty="0"/>
+              <a:t>hoja de </a:t>
+            </a:r>
+            <a:r>
+              <a:rPr lang="es-ES" dirty="0" smtClean="0"/>
+              <a:t>cálculo</a:t>
+            </a:r>
+          </a:p>
+          <a:p>
+            <a:r>
+              <a:rPr lang="es-ES" dirty="0"/>
+              <a:t>gestión de base de </a:t>
+            </a:r>
+            <a:r>
+              <a:rPr lang="es-ES" dirty="0" smtClean="0"/>
+              <a:t>datos</a:t>
+            </a:r>
+          </a:p>
+          <a:p>
+            <a:r>
+              <a:rPr lang="es-ES" dirty="0"/>
+              <a:t>cliente de correo </a:t>
+            </a:r>
+            <a:r>
+              <a:rPr lang="es-ES" dirty="0" smtClean="0"/>
+              <a:t>electrónico</a:t>
+            </a:r>
+          </a:p>
+          <a:p>
+            <a:r>
+              <a:rPr lang="es-ES" dirty="0"/>
+              <a:t>agenda y administrador de presentaciones o diapositivas</a:t>
+            </a:r>
+          </a:p>
+        </p:txBody>
+      </p:sp>
+      <p:pic>
+        <p:nvPicPr>
+          <p:cNvPr id="4" name="3 Imagen"/>
+          <p:cNvPicPr>
+            <a:picLocks noChangeAspect="1"/>
+          </p:cNvPicPr>
+          <p:nvPr/>
+        </p:nvPicPr>
+        <p:blipFill>
+          <a:blip r:embed="rId2">
+            <a:extLst>
+              <a:ext uri="{28A0092B-C50C-407E-A947-70E740481C1C}">
+                <a14:useLocalDpi xmlns:a14="http://schemas.microsoft.com/office/drawing/2010/main" val="0"/>
+              </a:ext>
+            </a:extLst>
+          </a:blip>
+          <a:stretch>
+            <a:fillRect/>
+          </a:stretch>
+        </p:blipFill>
+        <p:spPr>
+          <a:xfrm>
+            <a:off x="5868144" y="3212976"/>
+            <a:ext cx="3275856" cy="3384376"/>
+          </a:xfrm>
+          <a:prstGeom prst="rect">
+            <a:avLst/>
+          </a:prstGeom>
+        </p:spPr>
+      </p:pic>
+      <p:pic>
+        <p:nvPicPr>
+          <p:cNvPr id="5" name="4 Imagen"/>
+          <p:cNvPicPr>
+            <a:picLocks noChangeAspect="1"/>
+          </p:cNvPicPr>
+          <p:nvPr/>
+        </p:nvPicPr>
+        <p:blipFill>
+          <a:blip r:embed="rId3">
+            <a:extLst>
+              <a:ext uri="{28A0092B-C50C-407E-A947-70E740481C1C}">
+                <a14:useLocalDpi xmlns:a14="http://schemas.microsoft.com/office/drawing/2010/main" val="0"/>
+              </a:ext>
+            </a:extLst>
+          </a:blip>
+          <a:stretch>
+            <a:fillRect/>
+          </a:stretch>
+        </p:blipFill>
+        <p:spPr>
+          <a:xfrm>
+            <a:off x="5436096" y="1484784"/>
+            <a:ext cx="3286315" cy="1582936"/>
+          </a:xfrm>
+          <a:prstGeom prst="rect">
+            <a:avLst/>
+          </a:prstGeom>
+        </p:spPr>
+      </p:pic>
+    </p:spTree>
+    <p:extLst>
+      <p:ext uri="{BB962C8B-B14F-4D97-AF65-F5344CB8AC3E}">
+        <p14:creationId xmlns:p14="http://schemas.microsoft.com/office/powerpoint/2010/main" val="45313989"/>
+      </p:ext>
+    </p:extLst>
+  </p:cSld>
+  <p:clrMapOvr>
+    <a:masterClrMapping/>
+  </p:clrMapOvr>
+</p:sld>
+</file>
+
+<file path=ppt/slides/slide5.xml><?xml version="1.0" encoding="utf-8"?>
+<p:sld xmlns:a="http://schemas.openxmlformats.org/drawingml/2006/main" xmlns:r="http://schemas.openxmlformats.org/officeDocument/2006/relationships" xmlns:p="http://schemas.openxmlformats.org/presentationml/2006/main">
+  <p:cSld>
+    <p:spTree>
+      <p:nvGrpSpPr>
+        <p:cNvPr id="1" name=""/>
+        <p:cNvGrpSpPr/>
+        <p:nvPr/>
+      </p:nvGrpSpPr>
+      <p:grpSpPr>
+        <a:xfrm>
+          <a:off x="0" y="0"/>
+          <a:ext cx="0" cy="0"/>
+          <a:chOff x="0" y="0"/>
+          <a:chExt cx="0" cy="0"/>
+        </a:xfrm>
+      </p:grpSpPr>
+      <p:sp>
+        <p:nvSpPr>
+          <p:cNvPr id="3" name="2 Marcador de contenido"/>
+          <p:cNvSpPr>
+            <a:spLocks noGrp="1"/>
+          </p:cNvSpPr>
+          <p:nvPr>
+            <p:ph idx="1"/>
+          </p:nvPr>
+        </p:nvSpPr>
+        <p:spPr>
+          <a:xfrm>
+            <a:off x="467544" y="2060848"/>
+            <a:ext cx="8229600" cy="2620888"/>
+          </a:xfrm>
+        </p:spPr>
+        <p:txBody>
+          <a:bodyPr/>
+          <a:lstStyle/>
+          <a:p>
+            <a:pPr marL="0" indent="0">
+              <a:buNone/>
+            </a:pPr>
+            <a:r>
+              <a:rPr lang="en-US" dirty="0" err="1" smtClean="0"/>
+              <a:t>Existen</a:t>
+            </a:r>
+            <a:r>
+              <a:rPr lang="en-US" dirty="0" smtClean="0"/>
+              <a:t> 2 </a:t>
+            </a:r>
+            <a:r>
+              <a:rPr lang="en-US" dirty="0" err="1" smtClean="0"/>
+              <a:t>tipo</a:t>
+            </a:r>
+            <a:r>
+              <a:rPr lang="en-US" dirty="0" smtClean="0"/>
+              <a:t> de </a:t>
+            </a:r>
+            <a:r>
+              <a:rPr lang="en-US" dirty="0" err="1" smtClean="0"/>
+              <a:t>Ofimatica</a:t>
+            </a:r>
+            <a:r>
+              <a:rPr lang="en-US" dirty="0" smtClean="0"/>
+              <a:t>:</a:t>
+            </a:r>
+          </a:p>
+          <a:p>
+            <a:pPr marL="0" indent="0">
+              <a:buNone/>
+            </a:pPr>
+            <a:endParaRPr lang="en-US" dirty="0"/>
+          </a:p>
+          <a:p>
+            <a:r>
+              <a:rPr lang="en-US" dirty="0" err="1" smtClean="0"/>
+              <a:t>Ofimatica</a:t>
+            </a:r>
+            <a:r>
+              <a:rPr lang="en-US" dirty="0" smtClean="0"/>
+              <a:t> en </a:t>
+            </a:r>
+            <a:r>
+              <a:rPr lang="en-US" dirty="0" err="1" smtClean="0"/>
+              <a:t>linea</a:t>
+            </a:r>
+            <a:endParaRPr lang="en-US" dirty="0" smtClean="0"/>
+          </a:p>
+          <a:p>
+            <a:r>
+              <a:rPr lang="en-US" dirty="0" err="1" smtClean="0"/>
+              <a:t>Ofimatica</a:t>
+            </a:r>
+            <a:r>
+              <a:rPr lang="en-US" dirty="0" smtClean="0"/>
+              <a:t> de </a:t>
+            </a:r>
+            <a:r>
+              <a:rPr lang="en-US" dirty="0" err="1" smtClean="0"/>
+              <a:t>escritorio</a:t>
+            </a:r>
+            <a:endParaRPr lang="en-US" dirty="0" smtClean="0"/>
+          </a:p>
+          <a:p>
+            <a:endParaRPr lang="en-US" dirty="0"/>
+          </a:p>
+          <a:p>
+            <a:pPr marL="457200" lvl="1" indent="0">
+              <a:buNone/>
+            </a:pPr>
+            <a:endParaRPr lang="es-ES" dirty="0"/>
+          </a:p>
+        </p:txBody>
+      </p:sp>
+    </p:spTree>
+    <p:extLst>
+      <p:ext uri="{BB962C8B-B14F-4D97-AF65-F5344CB8AC3E}">
+        <p14:creationId xmlns:p14="http://schemas.microsoft.com/office/powerpoint/2010/main" val="2411350114"/>
+      </p:ext>
+    </p:extLst>
+  </p:cSld>
+  <p:clrMapOvr>
+    <a:masterClrMapping/>
+  </p:clrMapOvr>
+</p:sld>
+</file>
+
+<file path=ppt/slides/slide6.xml><?xml version="1.0" encoding="utf-8"?>
+<p:sld xmlns:a="http://schemas.openxmlformats.org/drawingml/2006/main" xmlns:r="http://schemas.openxmlformats.org/officeDocument/2006/relationships" xmlns:p="http://schemas.openxmlformats.org/presentationml/2006/main">
+  <p:cSld>
+    <p:spTree>
+      <p:nvGrpSpPr>
+        <p:cNvPr id="1" name=""/>
+        <p:cNvGrpSpPr/>
+        <p:nvPr/>
+      </p:nvGrpSpPr>
+      <p:grpSpPr>
+        <a:xfrm>
+          <a:off x="0" y="0"/>
+          <a:ext cx="0" cy="0"/>
+          <a:chOff x="0" y="0"/>
+          <a:chExt cx="0" cy="0"/>
+        </a:xfrm>
+      </p:grpSpPr>
+      <p:sp>
+        <p:nvSpPr>
+          <p:cNvPr id="2" name="1 Título"/>
+          <p:cNvSpPr>
+            <a:spLocks noGrp="1"/>
+          </p:cNvSpPr>
+          <p:nvPr>
+            <p:ph type="title"/>
+          </p:nvPr>
+        </p:nvSpPr>
+        <p:spPr/>
+        <p:txBody>
+          <a:bodyPr/>
+          <a:lstStyle/>
+          <a:p>
+            <a:r>
+              <a:rPr lang="en-US" dirty="0" err="1"/>
+              <a:t>Ofimatica</a:t>
+            </a:r>
+            <a:r>
+              <a:rPr lang="en-US" dirty="0"/>
+              <a:t> de </a:t>
+            </a:r>
+            <a:r>
+              <a:rPr lang="en-US" dirty="0" err="1"/>
+              <a:t>escritorio</a:t>
+            </a:r>
+            <a:endParaRPr lang="es-ES" dirty="0"/>
+          </a:p>
+        </p:txBody>
+      </p:sp>
+      <p:sp>
+        <p:nvSpPr>
+          <p:cNvPr id="3" name="2 Marcador de contenido"/>
+          <p:cNvSpPr>
+            <a:spLocks noGrp="1"/>
+          </p:cNvSpPr>
+          <p:nvPr>
+            <p:ph idx="1"/>
+          </p:nvPr>
+        </p:nvSpPr>
+        <p:spPr>
+          <a:xfrm>
+            <a:off x="457200" y="1600200"/>
+            <a:ext cx="4402832" cy="4525963"/>
+          </a:xfrm>
+        </p:spPr>
+        <p:txBody>
+          <a:bodyPr/>
+          <a:lstStyle/>
+          <a:p>
+            <a:pPr marL="0" indent="0">
+              <a:buNone/>
+            </a:pPr>
+            <a:r>
+              <a:rPr lang="es-ES" dirty="0" smtClean="0"/>
+              <a:t>Hace </a:t>
+            </a:r>
+            <a:r>
+              <a:rPr lang="es-ES" dirty="0"/>
+              <a:t>referencia a todas las herramientas y los métodos que se aplican a las actividades de oficina que posibilitan el procesamiento </a:t>
+            </a:r>
+            <a:r>
+              <a:rPr lang="es-ES" dirty="0" smtClean="0"/>
+              <a:t>computarizado </a:t>
+            </a:r>
+            <a:r>
+              <a:rPr lang="es-ES" dirty="0"/>
+              <a:t>de datos</a:t>
+            </a:r>
+          </a:p>
+        </p:txBody>
+      </p:sp>
+      <p:pic>
+        <p:nvPicPr>
+          <p:cNvPr id="4" name="3 Imagen"/>
+          <p:cNvPicPr>
+            <a:picLocks noChangeAspect="1"/>
+          </p:cNvPicPr>
+          <p:nvPr/>
+        </p:nvPicPr>
+        <p:blipFill>
+          <a:blip r:embed="rId2">
+            <a:extLst>
+              <a:ext uri="{28A0092B-C50C-407E-A947-70E740481C1C}">
+                <a14:useLocalDpi xmlns:a14="http://schemas.microsoft.com/office/drawing/2010/main" val="0"/>
+              </a:ext>
+            </a:extLst>
+          </a:blip>
+          <a:stretch>
+            <a:fillRect/>
+          </a:stretch>
+        </p:blipFill>
+        <p:spPr>
+          <a:xfrm>
+            <a:off x="5292080" y="1520788"/>
+            <a:ext cx="3275856" cy="4140460"/>
+          </a:xfrm>
+          <a:prstGeom prst="rect">
+            <a:avLst/>
+          </a:prstGeom>
+        </p:spPr>
+      </p:pic>
+    </p:spTree>
+    <p:extLst>
+      <p:ext uri="{BB962C8B-B14F-4D97-AF65-F5344CB8AC3E}">
+        <p14:creationId xmlns:p14="http://schemas.microsoft.com/office/powerpoint/2010/main" val="987468666"/>
+      </p:ext>
+    </p:extLst>
+  </p:cSld>
+  <p:clrMapOvr>
+    <a:masterClrMapping/>
+  </p:clrMapOvr>
+</p:sld>
+</file>
+
+<file path=ppt/slides/slide7.xml><?xml version="1.0" encoding="utf-8"?>
+<p:sld xmlns:a="http://schemas.openxmlformats.org/drawingml/2006/main" xmlns:r="http://schemas.openxmlformats.org/officeDocument/2006/relationships" xmlns:p="http://schemas.openxmlformats.org/presentationml/2006/main">
+  <p:cSld>
+    <p:spTree>
+      <p:nvGrpSpPr>
+        <p:cNvPr id="1" name=""/>
+        <p:cNvGrpSpPr/>
+        <p:nvPr/>
+      </p:nvGrpSpPr>
+      <p:grpSpPr>
+        <a:xfrm>
+          <a:off x="0" y="0"/>
+          <a:ext cx="0" cy="0"/>
+          <a:chOff x="0" y="0"/>
+          <a:chExt cx="0" cy="0"/>
+        </a:xfrm>
+      </p:grpSpPr>
+      <p:sp>
+        <p:nvSpPr>
+          <p:cNvPr id="2" name="1 Título"/>
+          <p:cNvSpPr>
+            <a:spLocks noGrp="1"/>
+          </p:cNvSpPr>
+          <p:nvPr>
+            <p:ph type="title"/>
+          </p:nvPr>
+        </p:nvSpPr>
+        <p:spPr>
+          <a:xfrm>
+            <a:off x="467544" y="188640"/>
+            <a:ext cx="8229600" cy="796950"/>
+          </a:xfrm>
+        </p:spPr>
+        <p:txBody>
+          <a:bodyPr/>
+          <a:lstStyle/>
+          <a:p>
+            <a:r>
+              <a:rPr lang="en-US" dirty="0" err="1" smtClean="0"/>
+              <a:t>Ofimatica</a:t>
+            </a:r>
+            <a:r>
+              <a:rPr lang="en-US" dirty="0" smtClean="0"/>
+              <a:t> en Linea</a:t>
+            </a:r>
+            <a:endParaRPr lang="es-ES" dirty="0"/>
+          </a:p>
+        </p:txBody>
+      </p:sp>
+      <p:sp>
+        <p:nvSpPr>
+          <p:cNvPr id="3" name="2 Marcador de contenido"/>
+          <p:cNvSpPr>
+            <a:spLocks noGrp="1"/>
+          </p:cNvSpPr>
+          <p:nvPr>
+            <p:ph idx="1"/>
+          </p:nvPr>
+        </p:nvSpPr>
+        <p:spPr>
+          <a:xfrm>
+            <a:off x="107504" y="1196752"/>
+            <a:ext cx="6624736" cy="5256584"/>
+          </a:xfrm>
+        </p:spPr>
+        <p:txBody>
+          <a:bodyPr>
+            <a:normAutofit/>
+          </a:bodyPr>
+          <a:lstStyle/>
+          <a:p>
+            <a:pPr marL="0" indent="0">
+              <a:buNone/>
+            </a:pPr>
+            <a:r>
+              <a:rPr lang="es-ES" dirty="0" smtClean="0"/>
+              <a:t>Este </a:t>
+            </a:r>
+            <a:r>
+              <a:rPr lang="es-ES" dirty="0"/>
+              <a:t>tipo de aplicaciones permiten crear y compartir el trabajo en línea. Los documentos se pueden crear desde cero o importarlos a partir de archivos de texto, presentaciones y hojas de cálculo existentes. Una de las principales aportaciones de estas herramientas es que permiten compartir o editar documentos entre varios </a:t>
+            </a:r>
+            <a:r>
+              <a:rPr lang="es-ES" dirty="0" smtClean="0"/>
+              <a:t>usuarios </a:t>
+            </a:r>
+            <a:r>
+              <a:rPr lang="es-ES" dirty="0"/>
+              <a:t> en tiempo real.</a:t>
+            </a:r>
+          </a:p>
+        </p:txBody>
+      </p:sp>
+      <p:pic>
+        <p:nvPicPr>
+          <p:cNvPr id="4" name="3 Imagen"/>
+          <p:cNvPicPr>
+            <a:picLocks noChangeAspect="1"/>
+          </p:cNvPicPr>
+          <p:nvPr/>
+        </p:nvPicPr>
+        <p:blipFill>
+          <a:blip r:embed="rId2" cstate="print">
+            <a:extLst>
+              <a:ext uri="{28A0092B-C50C-407E-A947-70E740481C1C}">
+                <a14:useLocalDpi xmlns:a14="http://schemas.microsoft.com/office/drawing/2010/main" val="0"/>
+              </a:ext>
+            </a:extLst>
+          </a:blip>
+          <a:stretch>
+            <a:fillRect/>
+          </a:stretch>
+        </p:blipFill>
+        <p:spPr>
+          <a:xfrm>
+            <a:off x="6732240" y="1700808"/>
+            <a:ext cx="2017011" cy="1080120"/>
+          </a:xfrm>
+          <a:prstGeom prst="rect">
+            <a:avLst/>
+          </a:prstGeom>
+        </p:spPr>
+      </p:pic>
+      <p:pic>
+        <p:nvPicPr>
+          <p:cNvPr id="5" name="4 Imagen"/>
+          <p:cNvPicPr>
+            <a:picLocks noChangeAspect="1"/>
+          </p:cNvPicPr>
+          <p:nvPr/>
+        </p:nvPicPr>
+        <p:blipFill>
+          <a:blip r:embed="rId3">
+            <a:extLst>
+              <a:ext uri="{28A0092B-C50C-407E-A947-70E740481C1C}">
+                <a14:useLocalDpi xmlns:a14="http://schemas.microsoft.com/office/drawing/2010/main" val="0"/>
+              </a:ext>
+            </a:extLst>
+          </a:blip>
+          <a:stretch>
+            <a:fillRect/>
+          </a:stretch>
+        </p:blipFill>
+        <p:spPr>
+          <a:xfrm>
+            <a:off x="6815163" y="3717032"/>
+            <a:ext cx="2077317" cy="1479058"/>
+          </a:xfrm>
+          <a:prstGeom prst="rect">
+            <a:avLst/>
+          </a:prstGeom>
+        </p:spPr>
+      </p:pic>
+      <p:pic>
+        <p:nvPicPr>
+          <p:cNvPr id="6" name="5 Imagen"/>
+          <p:cNvPicPr>
+            <a:picLocks noChangeAspect="1"/>
+          </p:cNvPicPr>
+          <p:nvPr/>
+        </p:nvPicPr>
+        <p:blipFill>
+          <a:blip r:embed="rId4" cstate="print">
+            <a:extLst>
+              <a:ext uri="{28A0092B-C50C-407E-A947-70E740481C1C}">
+                <a14:useLocalDpi xmlns:a14="http://schemas.microsoft.com/office/drawing/2010/main" val="0"/>
+              </a:ext>
+            </a:extLst>
+          </a:blip>
+          <a:stretch>
+            <a:fillRect/>
+          </a:stretch>
+        </p:blipFill>
+        <p:spPr>
+          <a:xfrm>
+            <a:off x="2627784" y="5196090"/>
+            <a:ext cx="3456384" cy="1590852"/>
+          </a:xfrm>
+          <a:prstGeom prst="rect">
+            <a:avLst/>
+          </a:prstGeom>
+        </p:spPr>
+      </p:pic>
+    </p:spTree>
+    <p:extLst>
+      <p:ext uri="{BB962C8B-B14F-4D97-AF65-F5344CB8AC3E}">
+        <p14:creationId xmlns:p14="http://schemas.microsoft.com/office/powerpoint/2010/main" val="2427732241"/>
+      </p:ext>
+    </p:extLst>
+  </p:cSld>
+  <p:clrMapOvr>
+    <a:masterClrMapping/>
+  </p:clrMapOvr>
+</p:sld>
+</file>
+
+<file path=ppt/slides/slide8.xml><?xml version="1.0" encoding="utf-8"?>
+<p:sld xmlns:a="http://schemas.openxmlformats.org/drawingml/2006/main" xmlns:r="http://schemas.openxmlformats.org/officeDocument/2006/relationships" xmlns:p="http://schemas.openxmlformats.org/presentationml/2006/main">
+  <p:cSld>
+    <p:spTree>
+      <p:nvGrpSpPr>
+        <p:cNvPr id="1" name=""/>
+        <p:cNvGrpSpPr/>
+        <p:nvPr/>
+      </p:nvGrpSpPr>
+      <p:grpSpPr>
+        <a:xfrm>
+          <a:off x="0" y="0"/>
+          <a:ext cx="0" cy="0"/>
+          <a:chOff x="0" y="0"/>
+          <a:chExt cx="0" cy="0"/>
+        </a:xfrm>
+      </p:grpSpPr>
+      <p:sp>
+        <p:nvSpPr>
+          <p:cNvPr id="2" name="1 Título"/>
+          <p:cNvSpPr>
+            <a:spLocks noGrp="1"/>
+          </p:cNvSpPr>
+          <p:nvPr>
+            <p:ph type="title"/>
+          </p:nvPr>
+        </p:nvSpPr>
+        <p:spPr>
+          <a:xfrm>
+            <a:off x="457200" y="260648"/>
+            <a:ext cx="8229600" cy="1143000"/>
+          </a:xfrm>
+        </p:spPr>
+        <p:txBody>
+          <a:bodyPr/>
+          <a:lstStyle/>
+          <a:p>
+            <a:r>
+              <a:rPr lang="en-US" dirty="0" err="1" smtClean="0"/>
+              <a:t>Ventajas</a:t>
+            </a:r>
+            <a:r>
+              <a:rPr lang="en-US" dirty="0" smtClean="0"/>
+              <a:t> </a:t>
+            </a:r>
+            <a:r>
+              <a:rPr lang="en-US" dirty="0" err="1" smtClean="0"/>
+              <a:t>Ofimatica</a:t>
+            </a:r>
+            <a:r>
+              <a:rPr lang="en-US" dirty="0" smtClean="0"/>
+              <a:t> en Linea</a:t>
+            </a:r>
+            <a:endParaRPr lang="es-ES" dirty="0"/>
+          </a:p>
+        </p:txBody>
+      </p:sp>
+      <p:sp>
+        <p:nvSpPr>
+          <p:cNvPr id="3" name="2 Marcador de contenido"/>
+          <p:cNvSpPr>
+            <a:spLocks noGrp="1"/>
+          </p:cNvSpPr>
+          <p:nvPr>
+            <p:ph idx="1"/>
+          </p:nvPr>
+        </p:nvSpPr>
+        <p:spPr>
+          <a:xfrm>
+            <a:off x="457200" y="1600200"/>
+            <a:ext cx="5482952" cy="4525963"/>
+          </a:xfrm>
+        </p:spPr>
+        <p:txBody>
+          <a:bodyPr>
+            <a:normAutofit fontScale="92500" lnSpcReduction="20000"/>
+          </a:bodyPr>
+          <a:lstStyle/>
+          <a:p>
+            <a:r>
+              <a:rPr lang="es-EC" sz="2800" dirty="0"/>
+              <a:t>No necesitas instalar software</a:t>
+            </a:r>
+            <a:r>
+              <a:rPr lang="es-EC" sz="2800" dirty="0" smtClean="0"/>
+              <a:t>.</a:t>
+            </a:r>
+          </a:p>
+          <a:p>
+            <a:r>
+              <a:rPr lang="es-EC" sz="2800" dirty="0" smtClean="0"/>
+              <a:t>Son gratis con capacidad de almacenamiento limitado.</a:t>
+            </a:r>
+          </a:p>
+          <a:p>
+            <a:r>
+              <a:rPr lang="es-EC" sz="2800" dirty="0" smtClean="0"/>
+              <a:t>No ocupa espacio en el disco duro local, debido a que es almacenado directamente en el servidor.</a:t>
+            </a:r>
+          </a:p>
+          <a:p>
+            <a:r>
+              <a:rPr lang="es-EC" sz="2800" dirty="0" smtClean="0"/>
+              <a:t>Acepta cualquier sistema operativo.</a:t>
+            </a:r>
+          </a:p>
+          <a:p>
+            <a:r>
+              <a:rPr lang="es-EC" sz="2800" dirty="0" smtClean="0"/>
+              <a:t>Disponible las 24 horas del </a:t>
+            </a:r>
+            <a:r>
+              <a:rPr lang="es-EC" sz="2800" dirty="0" err="1" smtClean="0"/>
+              <a:t>dia</a:t>
+            </a:r>
+            <a:r>
+              <a:rPr lang="es-EC" sz="2800" dirty="0" smtClean="0"/>
+              <a:t>.</a:t>
+            </a:r>
+          </a:p>
+          <a:p>
+            <a:r>
+              <a:rPr lang="es-EC" sz="2800" dirty="0" err="1" smtClean="0"/>
+              <a:t>Modificacion</a:t>
+            </a:r>
+            <a:r>
+              <a:rPr lang="es-EC" sz="2800" dirty="0" smtClean="0"/>
+              <a:t> de documentos a tiempo real de varios usuarios</a:t>
+            </a:r>
+            <a:endParaRPr lang="es-ES" sz="2800" dirty="0"/>
+          </a:p>
+        </p:txBody>
+      </p:sp>
+      <p:pic>
+        <p:nvPicPr>
+          <p:cNvPr id="4" name="3 Imagen"/>
+          <p:cNvPicPr>
+            <a:picLocks noChangeAspect="1"/>
+          </p:cNvPicPr>
+          <p:nvPr/>
+        </p:nvPicPr>
+        <p:blipFill>
+          <a:blip r:embed="rId2">
+            <a:extLst>
+              <a:ext uri="{28A0092B-C50C-407E-A947-70E740481C1C}">
+                <a14:useLocalDpi xmlns:a14="http://schemas.microsoft.com/office/drawing/2010/main" val="0"/>
+              </a:ext>
+            </a:extLst>
+          </a:blip>
+          <a:stretch>
+            <a:fillRect/>
+          </a:stretch>
+        </p:blipFill>
+        <p:spPr>
+          <a:xfrm>
+            <a:off x="6084168" y="1916832"/>
+            <a:ext cx="2766243" cy="4032448"/>
+          </a:xfrm>
+          <a:prstGeom prst="rect">
+            <a:avLst/>
+          </a:prstGeom>
+        </p:spPr>
+      </p:pic>
+    </p:spTree>
+    <p:extLst>
+      <p:ext uri="{BB962C8B-B14F-4D97-AF65-F5344CB8AC3E}">
+        <p14:creationId xmlns:p14="http://schemas.microsoft.com/office/powerpoint/2010/main" val="4046579823"/>
+      </p:ext>
+    </p:extLst>
+  </p:cSld>
+  <p:clrMapOvr>
+    <a:masterClrMapping/>
+  </p:clrMapOvr>
+</p:sld>
+</file>
+
+<file path=ppt/slides/slide9.xml><?xml version="1.0" encoding="utf-8"?>
+<p:sld xmlns:a="http://schemas.openxmlformats.org/drawingml/2006/main" xmlns:r="http://schemas.openxmlformats.org/officeDocument/2006/relationships" xmlns:p="http://schemas.openxmlformats.org/presentationml/2006/main">
+  <p:cSld>
+    <p:spTree>
+      <p:nvGrpSpPr>
+        <p:cNvPr id="1" name=""/>
+        <p:cNvGrpSpPr/>
+        <p:nvPr/>
+      </p:nvGrpSpPr>
+      <p:grpSpPr>
+        <a:xfrm>
+          <a:off x="0" y="0"/>
+          <a:ext cx="0" cy="0"/>
+          <a:chOff x="0" y="0"/>
+          <a:chExt cx="0" cy="0"/>
+        </a:xfrm>
+      </p:grpSpPr>
+      <p:sp>
+        <p:nvSpPr>
+          <p:cNvPr id="2" name="1 Título"/>
+          <p:cNvSpPr>
+            <a:spLocks noGrp="1"/>
+          </p:cNvSpPr>
+          <p:nvPr>
+            <p:ph type="title"/>
+          </p:nvPr>
+        </p:nvSpPr>
+        <p:spPr>
+          <a:xfrm>
+            <a:off x="467544" y="260648"/>
+            <a:ext cx="8229600" cy="796950"/>
+          </a:xfrm>
+        </p:spPr>
+        <p:txBody>
+          <a:bodyPr>
+            <a:normAutofit fontScale="90000"/>
+          </a:bodyPr>
+          <a:lstStyle/>
+          <a:p>
+            <a:r>
+              <a:rPr lang="en-US" dirty="0" err="1" smtClean="0"/>
+              <a:t>Desventajas</a:t>
+            </a:r>
+            <a:r>
+              <a:rPr lang="en-US" dirty="0" smtClean="0"/>
+              <a:t> </a:t>
+            </a:r>
+            <a:r>
+              <a:rPr lang="en-US" dirty="0" err="1"/>
+              <a:t>Ofimatica</a:t>
+            </a:r>
+            <a:r>
+              <a:rPr lang="en-US" dirty="0"/>
+              <a:t> en Linea</a:t>
+            </a:r>
+            <a:endParaRPr lang="es-ES" dirty="0"/>
+          </a:p>
+        </p:txBody>
+      </p:sp>
+      <p:sp>
+        <p:nvSpPr>
+          <p:cNvPr id="3" name="2 Marcador de contenido"/>
+          <p:cNvSpPr>
+            <a:spLocks noGrp="1"/>
+          </p:cNvSpPr>
+          <p:nvPr>
+            <p:ph idx="1"/>
+          </p:nvPr>
+        </p:nvSpPr>
+        <p:spPr>
+          <a:xfrm>
+            <a:off x="107504" y="980728"/>
+            <a:ext cx="6192688" cy="5616624"/>
+          </a:xfrm>
+        </p:spPr>
+        <p:txBody>
+          <a:bodyPr>
+            <a:noAutofit/>
+          </a:bodyPr>
+          <a:lstStyle/>
+          <a:p>
+            <a:r>
+              <a:rPr lang="en-US" sz="2400" dirty="0" err="1" smtClean="0"/>
+              <a:t>Dependencia</a:t>
+            </a:r>
+            <a:r>
+              <a:rPr lang="en-US" sz="2400" dirty="0" smtClean="0"/>
+              <a:t> 100% del internet.</a:t>
+            </a:r>
+          </a:p>
+          <a:p>
+            <a:r>
+              <a:rPr lang="en-US" sz="2400" dirty="0" err="1" smtClean="0"/>
+              <a:t>Dise</a:t>
+            </a:r>
+            <a:r>
+              <a:rPr lang="es-ES_tradnl" sz="2400" dirty="0" err="1" smtClean="0"/>
+              <a:t>ño</a:t>
+            </a:r>
+            <a:r>
+              <a:rPr lang="es-ES_tradnl" sz="2400" dirty="0" smtClean="0"/>
+              <a:t> restringido, no tiene las mismas herramientas que la ofimática en escritorio.</a:t>
+            </a:r>
+          </a:p>
+          <a:p>
+            <a:r>
+              <a:rPr lang="es-ES_tradnl" sz="2400" dirty="0" smtClean="0"/>
+              <a:t>Para utilizar mas opciones, se tiene que pagar por las mismas.</a:t>
+            </a:r>
+          </a:p>
+          <a:p>
+            <a:r>
+              <a:rPr lang="es-EC" sz="2400" dirty="0"/>
+              <a:t>En ocasiones, puede que debido a una catástrofe natural o error humano, dicho servicio quede fuera de </a:t>
+            </a:r>
+            <a:r>
+              <a:rPr lang="es-EC" sz="2400" dirty="0" smtClean="0"/>
+              <a:t>servicio</a:t>
+            </a:r>
+          </a:p>
+          <a:p>
+            <a:r>
+              <a:rPr lang="es-EC" sz="2400" dirty="0"/>
+              <a:t>Posibilidad de que </a:t>
+            </a:r>
+            <a:r>
+              <a:rPr lang="es-EC" sz="2400" dirty="0" smtClean="0"/>
+              <a:t>delincuentes </a:t>
+            </a:r>
+            <a:r>
+              <a:rPr lang="es-EC" sz="2400" dirty="0"/>
+              <a:t>cibernéticos revienten la seguridad del servicio y se hagan con datos privados</a:t>
+            </a:r>
+            <a:r>
+              <a:rPr lang="es-EC" sz="2400" dirty="0" smtClean="0"/>
+              <a:t>.</a:t>
+            </a:r>
+          </a:p>
+          <a:p>
+            <a:r>
+              <a:rPr lang="es-EC" sz="2400" dirty="0" smtClean="0"/>
+              <a:t>Existe </a:t>
+            </a:r>
+            <a:r>
+              <a:rPr lang="es-EC" sz="2400" dirty="0" smtClean="0"/>
+              <a:t>desconcentración </a:t>
+            </a:r>
+            <a:r>
+              <a:rPr lang="es-EC" sz="2400" dirty="0" smtClean="0"/>
+              <a:t>por parte las redes sociales, debido a la conexión a internet</a:t>
+            </a:r>
+            <a:endParaRPr lang="es-ES_tradnl" sz="2400" dirty="0" smtClean="0"/>
+          </a:p>
+          <a:p>
+            <a:endParaRPr lang="es-ES" sz="2400" dirty="0"/>
+          </a:p>
+        </p:txBody>
+      </p:sp>
+      <p:pic>
+        <p:nvPicPr>
+          <p:cNvPr id="4" name="3 Imagen"/>
+          <p:cNvPicPr>
+            <a:picLocks noChangeAspect="1"/>
+          </p:cNvPicPr>
+          <p:nvPr/>
+        </p:nvPicPr>
+        <p:blipFill>
+          <a:blip r:embed="rId2" cstate="print">
+            <a:extLst>
+              <a:ext uri="{28A0092B-C50C-407E-A947-70E740481C1C}">
+                <a14:useLocalDpi xmlns:a14="http://schemas.microsoft.com/office/drawing/2010/main" val="0"/>
+              </a:ext>
+            </a:extLst>
+          </a:blip>
+          <a:stretch>
+            <a:fillRect/>
+          </a:stretch>
+        </p:blipFill>
+        <p:spPr>
+          <a:xfrm>
+            <a:off x="6372200" y="1052736"/>
+            <a:ext cx="2627784" cy="1512168"/>
+          </a:xfrm>
+          <a:prstGeom prst="rect">
+            <a:avLst/>
+          </a:prstGeom>
+        </p:spPr>
+      </p:pic>
+      <p:pic>
+        <p:nvPicPr>
+          <p:cNvPr id="5" name="4 Imagen"/>
+          <p:cNvPicPr>
+            <a:picLocks noChangeAspect="1"/>
+          </p:cNvPicPr>
+          <p:nvPr/>
+        </p:nvPicPr>
+        <p:blipFill>
+          <a:blip r:embed="rId3">
+            <a:extLst>
+              <a:ext uri="{28A0092B-C50C-407E-A947-70E740481C1C}">
+                <a14:useLocalDpi xmlns:a14="http://schemas.microsoft.com/office/drawing/2010/main" val="0"/>
+              </a:ext>
+            </a:extLst>
+          </a:blip>
+          <a:stretch>
+            <a:fillRect/>
+          </a:stretch>
+        </p:blipFill>
+        <p:spPr>
+          <a:xfrm>
+            <a:off x="6372200" y="2852936"/>
+            <a:ext cx="2627784" cy="1894135"/>
+          </a:xfrm>
+          <a:prstGeom prst="rect">
+            <a:avLst/>
+          </a:prstGeom>
+        </p:spPr>
+      </p:pic>
+      <p:pic>
+        <p:nvPicPr>
+          <p:cNvPr id="6" name="5 Imagen"/>
+          <p:cNvPicPr>
+            <a:picLocks noChangeAspect="1"/>
+          </p:cNvPicPr>
+          <p:nvPr/>
+        </p:nvPicPr>
+        <p:blipFill>
+          <a:blip r:embed="rId4">
+            <a:extLst>
+              <a:ext uri="{28A0092B-C50C-407E-A947-70E740481C1C}">
+                <a14:useLocalDpi xmlns:a14="http://schemas.microsoft.com/office/drawing/2010/main" val="0"/>
+              </a:ext>
+            </a:extLst>
+          </a:blip>
+          <a:stretch>
+            <a:fillRect/>
+          </a:stretch>
+        </p:blipFill>
+        <p:spPr>
+          <a:xfrm>
+            <a:off x="6256412" y="5013176"/>
+            <a:ext cx="2743572" cy="1428750"/>
+          </a:xfrm>
+          <a:prstGeom prst="rect">
+            <a:avLst/>
+          </a:prstGeom>
+        </p:spPr>
+      </p:pic>
+    </p:spTree>
+    <p:extLst>
+      <p:ext uri="{BB962C8B-B14F-4D97-AF65-F5344CB8AC3E}">
+        <p14:creationId xmlns:p14="http://schemas.microsoft.com/office/powerpoint/2010/main" val="3426682637"/>
+      </p:ext>
+    </p:extLst>
+  </p:cSld>
+  <p:clrMapOvr>
+    <a:masterClrMapping/>
+  </p:clrMapOvr>
+  <p:timing>
+    <p:tnLst>
+      <p:par>
+        <p:cTn id="1" dur="indefinite" restart="never" nodeType="tmRoot"/>
+      </p:par>
+    </p:tnLst>
+  </p:timing>
+</p:sld>
+</file>
+
 <file path=ppt/theme/theme1.xml><?xml version="1.0" encoding="utf-8"?>
-<a:theme xmlns:a="http://schemas.openxmlformats.org/drawingml/2006/main" name="Tema de Office">
+<a:theme xmlns:a="http://schemas.openxmlformats.org/drawingml/2006/main" name="Vértice">
   <a:themeElements>
-    <a:clrScheme name="Oficina">
+    <a:clrScheme name="Vértice">
       <a:dk1>
         <a:sysClr val="windowText" lastClr="000000"/>
       </a:dk1>
@@ -3163,48 +6147,87 @@
         <a:sysClr val="window" lastClr="FFFFFF"/>
       </a:lt1>
       <a:dk2>
-        <a:srgbClr val="1F497D"/>
+        <a:srgbClr val="69676D"/>
       </a:dk2>
       <a:lt2>
-        <a:srgbClr val="EEECE1"/>
+        <a:srgbClr val="C9C2D1"/>
       </a:lt2>
       <a:accent1>
-        <a:srgbClr val="4F81BD"/>
+        <a:srgbClr val="CEB966"/>
       </a:accent1>
       <a:accent2>
-        <a:srgbClr val="C0504D"/>
+        <a:srgbClr val="9CB084"/>
       </a:accent2>
       <a:accent3>
-        <a:srgbClr val="9BBB59"/>
+        <a:srgbClr val="6BB1C9"/>
       </a:accent3>
       <a:accent4>
-        <a:srgbClr val="8064A2"/>
+        <a:srgbClr val="6585CF"/>
       </a:accent4>
       <a:accent5>
-        <a:srgbClr val="4BACC6"/>
+        <a:srgbClr val="7E6BC9"/>
       </a:accent5>
       <a:accent6>
-        <a:srgbClr val="F79646"/>
+        <a:srgbClr val="A379BB"/>
       </a:accent6>
       <a:hlink>
-        <a:srgbClr val="0000FF"/>
+        <a:srgbClr val="410082"/>
       </a:hlink>
       <a:folHlink>
-        <a:srgbClr val="800080"/>
+        <a:srgbClr val="932968"/>
       </a:folHlink>
     </a:clrScheme>
-    <a:fontScheme name="Oficina">
+    <a:fontScheme name="Vértice">
       <a:majorFont>
-        <a:latin typeface="Calibri"/>
+        <a:latin typeface="Lucida Sans"/>
         <a:ea typeface=""/>
         <a:cs typeface=""/>
-        <a:font script="Jpan" typeface="ＭＳ Ｐゴシック"/>
-        <a:font script="Hang" typeface="맑은 고딕"/>
+        <a:font script="Grek" typeface="Arial"/>
+        <a:font script="Cyrl" typeface="Arial"/>
+        <a:font script="Jpan" typeface="HG丸ｺﾞｼｯｸM-PRO"/>
+        <a:font script="Hang" typeface="휴먼옛체"/>
+        <a:font script="Hans" typeface="黑体"/>
+        <a:font script="Hant" typeface="微軟正黑體"/>
+        <a:font script="Arab" typeface="Tahoma"/>
+        <a:font script="Hebr" typeface="Levenim MT"/>
+        <a:font script="Thai" typeface="FreesiaUPC"/>
+        <a:font script="Ethi" typeface="Nyala"/>
+        <a:font script="Beng" typeface="Vrinda"/>
+        <a:font script="Gujr" typeface="Shruti"/>
+        <a:font script="Khmr" typeface="DaunPenh"/>
+        <a:font script="Knda" typeface="Tunga"/>
+        <a:font script="Guru" typeface="Raavi"/>
+        <a:font script="Cans" typeface="Euphemia"/>
+        <a:font script="Cher" typeface="Plantagenet Cherokee"/>
+        <a:font script="Yiii" typeface="Microsoft Yi Baiti"/>
+        <a:font script="Tibt" typeface="Microsoft Himalaya"/>
+        <a:font script="Thaa" typeface="MV Boli"/>
+        <a:font script="Deva" typeface="Mangal"/>
+        <a:font script="Telu" typeface="Gautami"/>
+        <a:font script="Taml" typeface="Latha"/>
+        <a:font script="Syrc" typeface="Estrangelo Edessa"/>
+        <a:font script="Orya" typeface="Kalinga"/>
+        <a:font script="Mlym" typeface="Kartika"/>
+        <a:font script="Laoo" typeface="DokChampa"/>
+        <a:font script="Sinh" typeface="Iskoola Pota"/>
+        <a:font script="Mong" typeface="Mongolian Baiti"/>
+        <a:font script="Viet" typeface="Tahoma"/>
+        <a:font script="Uigh" typeface="Microsoft Uighur"/>
+        <a:font script="Geor" typeface="Sylfaen"/>
+      </a:majorFont>
+      <a:minorFont>
+        <a:latin typeface="Book Antiqua"/>
+        <a:ea typeface=""/>
+        <a:cs typeface=""/>
+        <a:font script="Grek" typeface="Times New Roman"/>
+        <a:font script="Cyrl" typeface="Times New Roman"/>
+        <a:font script="Jpan" typeface="HG明朝B"/>
+        <a:font script="Hang" typeface="돋움"/>
         <a:font script="Hans" typeface="宋体"/>
         <a:font script="Hant" typeface="新細明體"/>
         <a:font script="Arab" typeface="Times New Roman"/>
-        <a:font script="Hebr" typeface="Times New Roman"/>
-        <a:font script="Thai" typeface="Angsana New"/>
+        <a:font script="Hebr" typeface="David"/>
+        <a:font script="Thai" typeface="EucrosiaUPC"/>
         <a:font script="Ethi" typeface="Nyala"/>
         <a:font script="Beng" typeface="Vrinda"/>
         <a:font script="Gujr" typeface="Shruti"/>
@@ -3227,100 +6250,76 @@
         <a:font script="Mong" typeface="Mongolian Baiti"/>
         <a:font script="Viet" typeface="Times New Roman"/>
         <a:font script="Uigh" typeface="Microsoft Uighur"/>
-      </a:majorFont>
-      <a:minorFont>
-        <a:latin typeface="Calibri"/>
-        <a:ea typeface=""/>
-        <a:cs typeface=""/>
-        <a:font script="Jpan" typeface="ＭＳ Ｐゴシック"/>
-        <a:font script="Hang" typeface="맑은 고딕"/>
-        <a:font script="Hans" typeface="宋体"/>
-        <a:font script="Hant" typeface="新細明體"/>
-        <a:font script="Arab" typeface="Arial"/>
-        <a:font script="Hebr" typeface="Arial"/>
-        <a:font script="Thai" typeface="Cordia New"/>
-        <a:font script="Ethi" typeface="Nyala"/>
-        <a:font script="Beng" typeface="Vrinda"/>
-        <a:font script="Gujr" typeface="Shruti"/>
-        <a:font script="Khmr" typeface="DaunPenh"/>
-        <a:font script="Knda" typeface="Tunga"/>
-        <a:font script="Guru" typeface="Raavi"/>
-        <a:font script="Cans" typeface="Euphemia"/>
-        <a:font script="Cher" typeface="Plantagenet Cherokee"/>
-        <a:font script="Yiii" typeface="Microsoft Yi Baiti"/>
-        <a:font script="Tibt" typeface="Microsoft Himalaya"/>
-        <a:font script="Thaa" typeface="MV Boli"/>
-        <a:font script="Deva" typeface="Mangal"/>
-        <a:font script="Telu" typeface="Gautami"/>
-        <a:font script="Taml" typeface="Latha"/>
-        <a:font script="Syrc" typeface="Estrangelo Edessa"/>
-        <a:font script="Orya" typeface="Kalinga"/>
-        <a:font script="Mlym" typeface="Kartika"/>
-        <a:font script="Laoo" typeface="DokChampa"/>
-        <a:font script="Sinh" typeface="Iskoola Pota"/>
-        <a:font script="Mong" typeface="Mongolian Baiti"/>
-        <a:font script="Viet" typeface="Arial"/>
-        <a:font script="Uigh" typeface="Microsoft Uighur"/>
+        <a:font script="Geor" typeface="Sylfaen"/>
       </a:minorFont>
     </a:fontScheme>
-    <a:fmtScheme name="Oficina">
+    <a:fmtScheme name="Vértice">
       <a:fillStyleLst>
         <a:solidFill>
           <a:schemeClr val="phClr"/>
         </a:solidFill>
         <a:gradFill rotWithShape="1">
           <a:gsLst>
-            <a:gs pos="0">
+            <a:gs pos="20000">
               <a:schemeClr val="phClr">
-                <a:tint val="50000"/>
-                <a:satMod val="300000"/>
-              </a:schemeClr>
-            </a:gs>
-            <a:gs pos="35000">
-              <a:schemeClr val="phClr">
-                <a:tint val="37000"/>
-                <a:satMod val="300000"/>
+                <a:tint val="9000"/>
               </a:schemeClr>
             </a:gs>
             <a:gs pos="100000">
               <a:schemeClr val="phClr">
-                <a:tint val="15000"/>
-                <a:satMod val="350000"/>
+                <a:tint val="70000"/>
+                <a:satMod val="100000"/>
               </a:schemeClr>
             </a:gs>
           </a:gsLst>
-          <a:lin ang="16200000" scaled="1"/>
+          <a:path path="circle">
+            <a:fillToRect l="-15000" t="-15000" r="115000" b="115000"/>
+          </a:path>
         </a:gradFill>
         <a:gradFill rotWithShape="1">
           <a:gsLst>
             <a:gs pos="0">
               <a:schemeClr val="phClr">
-                <a:shade val="51000"/>
-                <a:satMod val="130000"/>
+                <a:shade val="60000"/>
               </a:schemeClr>
             </a:gs>
-            <a:gs pos="80000">
+            <a:gs pos="33000">
               <a:schemeClr val="phClr">
-                <a:shade val="93000"/>
-                <a:satMod val="130000"/>
+                <a:tint val="86500"/>
+              </a:schemeClr>
+            </a:gs>
+            <a:gs pos="46750">
+              <a:schemeClr val="phClr">
+                <a:tint val="71000"/>
+                <a:satMod val="112000"/>
+              </a:schemeClr>
+            </a:gs>
+            <a:gs pos="53000">
+              <a:schemeClr val="phClr">
+                <a:tint val="71000"/>
+                <a:satMod val="112000"/>
+              </a:schemeClr>
+            </a:gs>
+            <a:gs pos="68000">
+              <a:schemeClr val="phClr">
+                <a:tint val="86000"/>
               </a:schemeClr>
             </a:gs>
             <a:gs pos="100000">
               <a:schemeClr val="phClr">
-                <a:shade val="94000"/>
-                <a:satMod val="135000"/>
+                <a:shade val="60000"/>
               </a:schemeClr>
             </a:gs>
           </a:gsLst>
-          <a:lin ang="16200000" scaled="0"/>
+          <a:lin ang="8350000" scaled="1"/>
         </a:gradFill>
       </a:fillStyleLst>
       <a:lnStyleLst>
         <a:ln w="9525" cap="flat" cmpd="sng" algn="ctr">
           <a:solidFill>
             <a:schemeClr val="phClr">
-              <a:shade val="95000"/>
-              <a:satMod val="105000"/>
+              <a:shade val="48000"/>
+              <a:satMod val="110000"/>
             </a:schemeClr>
           </a:solidFill>
           <a:prstDash val="solid"/>
@@ -3341,16 +6340,7 @@
       <a:effectStyleLst>
         <a:effectStyle>
           <a:effectLst>
-            <a:outerShdw blurRad="40000" dist="20000" dir="5400000" rotWithShape="0">
-              <a:srgbClr val="000000">
-                <a:alpha val="38000"/>
-              </a:srgbClr>
-            </a:outerShdw>
-          </a:effectLst>
-        </a:effectStyle>
-        <a:effectStyle>
-          <a:effectLst>
-            <a:outerShdw blurRad="40000" dist="23000" dir="5400000" rotWithShape="0">
+            <a:outerShdw blurRad="130000" dist="101600" dir="2700000" algn="tl" rotWithShape="0">
               <a:srgbClr val="000000">
                 <a:alpha val="35000"/>
               </a:srgbClr>
@@ -3359,22 +6349,31 @@
         </a:effectStyle>
         <a:effectStyle>
           <a:effectLst>
-            <a:outerShdw blurRad="40000" dist="23000" dir="5400000" rotWithShape="0">
+            <a:outerShdw blurRad="190500" dist="228600" dir="2700000" sy="90000" rotWithShape="0">
               <a:srgbClr val="000000">
-                <a:alpha val="35000"/>
+                <a:alpha val="25500"/>
+              </a:srgbClr>
+            </a:outerShdw>
+          </a:effectLst>
+        </a:effectStyle>
+        <a:effectStyle>
+          <a:effectLst>
+            <a:outerShdw blurRad="190500" dist="228600" dir="2700000" sy="90000" rotWithShape="0">
+              <a:srgbClr val="000000">
+                <a:alpha val="25500"/>
               </a:srgbClr>
             </a:outerShdw>
           </a:effectLst>
           <a:scene3d>
-            <a:camera prst="orthographicFront">
+            <a:camera prst="orthographicFront" fov="0">
               <a:rot lat="0" lon="0" rev="0"/>
             </a:camera>
-            <a:lightRig rig="threePt" dir="t">
-              <a:rot lat="0" lon="0" rev="1200000"/>
+            <a:lightRig rig="soft" dir="tl">
+              <a:rot lat="0" lon="0" rev="20100000"/>
             </a:lightRig>
           </a:scene3d>
           <a:sp3d>
-            <a:bevelT w="63500" h="25400"/>
+            <a:bevelT w="50800" h="50800"/>
           </a:sp3d>
         </a:effectStyle>
       </a:effectStyleLst>
@@ -3386,47 +6385,38 @@
           <a:gsLst>
             <a:gs pos="0">
               <a:schemeClr val="phClr">
-                <a:tint val="40000"/>
-                <a:satMod val="350000"/>
-              </a:schemeClr>
-            </a:gs>
-            <a:gs pos="40000">
-              <a:schemeClr val="phClr">
-                <a:tint val="45000"/>
-                <a:shade val="99000"/>
-                <a:satMod val="350000"/>
+                <a:tint val="50000"/>
+                <a:satMod val="180000"/>
               </a:schemeClr>
             </a:gs>
             <a:gs pos="100000">
               <a:schemeClr val="phClr">
-                <a:shade val="20000"/>
-                <a:satMod val="255000"/>
+                <a:shade val="45000"/>
+                <a:satMod val="120000"/>
               </a:schemeClr>
             </a:gs>
           </a:gsLst>
           <a:path path="circle">
-            <a:fillToRect l="50000" t="-80000" r="50000" b="180000"/>
+            <a:fillToRect r="100000" b="100000"/>
           </a:path>
         </a:gradFill>
-        <a:gradFill rotWithShape="1">
-          <a:gsLst>
-            <a:gs pos="0">
+        <a:blipFill>
+          <a:blip xmlns:r="http://schemas.openxmlformats.org/officeDocument/2006/relationships" r:embed="rId1">
+            <a:duotone>
               <a:schemeClr val="phClr">
-                <a:tint val="80000"/>
-                <a:satMod val="300000"/>
+                <a:shade val="3000"/>
+                <a:satMod val="110000"/>
               </a:schemeClr>
-            </a:gs>
-            <a:gs pos="100000">
               <a:schemeClr val="phClr">
-                <a:shade val="30000"/>
-                <a:satMod val="200000"/>
+                <a:tint val="60000"/>
+                <a:satMod val="425000"/>
               </a:schemeClr>
-            </a:gs>
-          </a:gsLst>
-          <a:path path="circle">
-            <a:fillToRect l="50000" t="50000" r="50000" b="50000"/>
-          </a:path>
-        </a:gradFill>
+            </a:duotone>
+          </a:blip>
+          <a:stretch>
+            <a:fillRect/>
+          </a:stretch>
+        </a:blipFill>
       </a:bgFillStyleLst>
     </a:fmtScheme>
   </a:themeElements>

--- a/2015-2016/clases/informatica_basica/clase_4/clase_4.pptx
+++ b/2015-2016/clases/informatica_basica/clase_4/clase_4.pptx
@@ -22,6 +22,7 @@
     <p:sldId id="270" r:id="rId16"/>
     <p:sldId id="271" r:id="rId17"/>
     <p:sldId id="272" r:id="rId18"/>
+    <p:sldId id="273" r:id="rId19"/>
   </p:sldIdLst>
   <p:sldSz cx="9144000" cy="6858000" type="screen4x3"/>
   <p:notesSz cx="6858000" cy="9144000"/>
@@ -4724,6 +4725,36 @@
 </p:sld>
 </file>
 
+<file path=ppt/slides/slide18.xml><?xml version="1.0" encoding="utf-8"?>
+<p:sld xmlns:a="http://schemas.openxmlformats.org/drawingml/2006/main" xmlns:r="http://schemas.openxmlformats.org/officeDocument/2006/relationships" xmlns:p="http://schemas.openxmlformats.org/presentationml/2006/main">
+  <p:cSld>
+    <p:spTree>
+      <p:nvGrpSpPr>
+        <p:cNvPr id="1" name=""/>
+        <p:cNvGrpSpPr/>
+        <p:nvPr/>
+      </p:nvGrpSpPr>
+      <p:grpSpPr>
+        <a:xfrm>
+          <a:off x="0" y="0"/>
+          <a:ext cx="0" cy="0"/>
+          <a:chOff x="0" y="0"/>
+          <a:chExt cx="0" cy="0"/>
+        </a:xfrm>
+      </p:grpSpPr>
+    </p:spTree>
+    <p:extLst>
+      <p:ext uri="{BB962C8B-B14F-4D97-AF65-F5344CB8AC3E}">
+        <p14:creationId xmlns:p14="http://schemas.microsoft.com/office/powerpoint/2010/main" val="3568534489"/>
+      </p:ext>
+    </p:extLst>
+  </p:cSld>
+  <p:clrMapOvr>
+    <a:masterClrMapping/>
+  </p:clrMapOvr>
+</p:sld>
+</file>
+
 <file path=ppt/slides/slide2.xml><?xml version="1.0" encoding="utf-8"?>
 <p:sld xmlns:a="http://schemas.openxmlformats.org/drawingml/2006/main" xmlns:r="http://schemas.openxmlformats.org/officeDocument/2006/relationships" xmlns:p="http://schemas.openxmlformats.org/presentationml/2006/main">
   <p:cSld>
@@ -6009,15 +6040,7 @@
           <a:p>
             <a:r>
               <a:rPr lang="es-EC" sz="2400" dirty="0" smtClean="0"/>
-              <a:t>Existe </a:t>
-            </a:r>
-            <a:r>
-              <a:rPr lang="es-EC" sz="2400" dirty="0" smtClean="0"/>
-              <a:t>desconcentración </a:t>
-            </a:r>
-            <a:r>
-              <a:rPr lang="es-EC" sz="2400" dirty="0" smtClean="0"/>
-              <a:t>por parte las redes sociales, debido a la conexión a internet</a:t>
+              <a:t>Existe desconcentración por parte las redes sociales, debido a la conexión a internet</a:t>
             </a:r>
             <a:endParaRPr lang="es-ES_tradnl" sz="2400" dirty="0" smtClean="0"/>
           </a:p>

--- a/2015-2016/clases/informatica_basica/clase_4/clase_4.pptx
+++ b/2015-2016/clases/informatica_basica/clase_4/clase_4.pptx
@@ -23,6 +23,8 @@
     <p:sldId id="271" r:id="rId17"/>
     <p:sldId id="272" r:id="rId18"/>
     <p:sldId id="273" r:id="rId19"/>
+    <p:sldId id="275" r:id="rId20"/>
+    <p:sldId id="274" r:id="rId21"/>
   </p:sldIdLst>
   <p:sldSz cx="9144000" cy="6858000" type="screen4x3"/>
   <p:notesSz cx="6858000" cy="9144000"/>
@@ -4556,6 +4558,13 @@
   <p:clrMapOvr>
     <a:masterClrMapping/>
   </p:clrMapOvr>
+  <p:timing>
+    <p:tnLst>
+      <p:par>
+        <p:cTn id="1" dur="indefinite" restart="never" nodeType="tmRoot"/>
+      </p:par>
+    </p:tnLst>
+  </p:timing>
 </p:sld>
 </file>
 
@@ -4722,6 +4731,13 @@
   <p:clrMapOvr>
     <a:masterClrMapping/>
   </p:clrMapOvr>
+  <p:timing>
+    <p:tnLst>
+      <p:par>
+        <p:cTn id="1" dur="indefinite" restart="never" nodeType="tmRoot"/>
+      </p:par>
+    </p:tnLst>
+  </p:timing>
 </p:sld>
 </file>
 
@@ -4742,10 +4758,309 @@
           <a:chExt cx="0" cy="0"/>
         </a:xfrm>
       </p:grpSpPr>
+      <p:pic>
+        <p:nvPicPr>
+          <p:cNvPr id="2" name="1 Imagen"/>
+          <p:cNvPicPr>
+            <a:picLocks noChangeAspect="1"/>
+          </p:cNvPicPr>
+          <p:nvPr/>
+        </p:nvPicPr>
+        <p:blipFill>
+          <a:blip r:embed="rId2">
+            <a:extLst>
+              <a:ext uri="{28A0092B-C50C-407E-A947-70E740481C1C}">
+                <a14:useLocalDpi xmlns:a14="http://schemas.microsoft.com/office/drawing/2010/main" val="0"/>
+              </a:ext>
+            </a:extLst>
+          </a:blip>
+          <a:stretch>
+            <a:fillRect/>
+          </a:stretch>
+        </p:blipFill>
+        <p:spPr>
+          <a:xfrm>
+            <a:off x="2483768" y="2276872"/>
+            <a:ext cx="3960440" cy="2736304"/>
+          </a:xfrm>
+          <a:prstGeom prst="rect">
+            <a:avLst/>
+          </a:prstGeom>
+        </p:spPr>
+      </p:pic>
     </p:spTree>
     <p:extLst>
       <p:ext uri="{BB962C8B-B14F-4D97-AF65-F5344CB8AC3E}">
         <p14:creationId xmlns:p14="http://schemas.microsoft.com/office/powerpoint/2010/main" val="3568534489"/>
+      </p:ext>
+    </p:extLst>
+  </p:cSld>
+  <p:clrMapOvr>
+    <a:masterClrMapping/>
+  </p:clrMapOvr>
+  <p:timing>
+    <p:tnLst>
+      <p:par>
+        <p:cTn id="1" dur="indefinite" restart="never" nodeType="tmRoot"/>
+      </p:par>
+    </p:tnLst>
+  </p:timing>
+</p:sld>
+</file>
+
+<file path=ppt/slides/slide19.xml><?xml version="1.0" encoding="utf-8"?>
+<p:sld xmlns:a="http://schemas.openxmlformats.org/drawingml/2006/main" xmlns:r="http://schemas.openxmlformats.org/officeDocument/2006/relationships" xmlns:p="http://schemas.openxmlformats.org/presentationml/2006/main">
+  <p:cSld>
+    <p:spTree>
+      <p:nvGrpSpPr>
+        <p:cNvPr id="1" name=""/>
+        <p:cNvGrpSpPr/>
+        <p:nvPr/>
+      </p:nvGrpSpPr>
+      <p:grpSpPr>
+        <a:xfrm>
+          <a:off x="0" y="0"/>
+          <a:ext cx="0" cy="0"/>
+          <a:chOff x="0" y="0"/>
+          <a:chExt cx="0" cy="0"/>
+        </a:xfrm>
+      </p:grpSpPr>
+      <p:pic>
+        <p:nvPicPr>
+          <p:cNvPr id="5" name="4 Imagen"/>
+          <p:cNvPicPr>
+            <a:picLocks noChangeAspect="1"/>
+          </p:cNvPicPr>
+          <p:nvPr/>
+        </p:nvPicPr>
+        <p:blipFill>
+          <a:blip r:embed="rId2">
+            <a:extLst>
+              <a:ext uri="{28A0092B-C50C-407E-A947-70E740481C1C}">
+                <a14:useLocalDpi xmlns:a14="http://schemas.microsoft.com/office/drawing/2010/main" val="0"/>
+              </a:ext>
+            </a:extLst>
+          </a:blip>
+          <a:stretch>
+            <a:fillRect/>
+          </a:stretch>
+        </p:blipFill>
+        <p:spPr>
+          <a:xfrm>
+            <a:off x="4644008" y="1484784"/>
+            <a:ext cx="4320480" cy="4791075"/>
+          </a:xfrm>
+          <a:prstGeom prst="rect">
+            <a:avLst/>
+          </a:prstGeom>
+        </p:spPr>
+      </p:pic>
+      <p:sp>
+        <p:nvSpPr>
+          <p:cNvPr id="6" name="1 Título"/>
+          <p:cNvSpPr>
+            <a:spLocks noGrp="1"/>
+          </p:cNvSpPr>
+          <p:nvPr>
+            <p:ph type="title"/>
+          </p:nvPr>
+        </p:nvSpPr>
+        <p:spPr>
+          <a:xfrm>
+            <a:off x="457200" y="274638"/>
+            <a:ext cx="8229600" cy="850106"/>
+          </a:xfrm>
+        </p:spPr>
+        <p:txBody>
+          <a:bodyPr/>
+          <a:lstStyle/>
+          <a:p>
+            <a:r>
+              <a:rPr lang="en-US" dirty="0" err="1" smtClean="0"/>
+              <a:t>Inicio</a:t>
+            </a:r>
+            <a:r>
+              <a:rPr lang="en-US" dirty="0" smtClean="0"/>
+              <a:t> </a:t>
+            </a:r>
+            <a:r>
+              <a:rPr lang="en-US" dirty="0" err="1" smtClean="0"/>
+              <a:t>Sesion</a:t>
+            </a:r>
+            <a:r>
+              <a:rPr lang="en-US" dirty="0" smtClean="0"/>
+              <a:t> </a:t>
+            </a:r>
+            <a:r>
+              <a:rPr lang="en-US" dirty="0" err="1" smtClean="0"/>
+              <a:t>Zoho</a:t>
+            </a:r>
+            <a:endParaRPr lang="es-ES" dirty="0"/>
+          </a:p>
+        </p:txBody>
+      </p:sp>
+      <p:sp>
+        <p:nvSpPr>
+          <p:cNvPr id="7" name="6 CuadroTexto"/>
+          <p:cNvSpPr txBox="1"/>
+          <p:nvPr/>
+        </p:nvSpPr>
+        <p:spPr>
+          <a:xfrm>
+            <a:off x="323528" y="2060848"/>
+            <a:ext cx="4104456" cy="2677656"/>
+          </a:xfrm>
+          <a:prstGeom prst="rect">
+            <a:avLst/>
+          </a:prstGeom>
+          <a:noFill/>
+        </p:spPr>
+        <p:txBody>
+          <a:bodyPr wrap="square" rtlCol="0">
+            <a:spAutoFit/>
+          </a:bodyPr>
+          <a:lstStyle/>
+          <a:p>
+            <a:r>
+              <a:rPr lang="en-US" sz="2400" dirty="0" smtClean="0"/>
+              <a:t>En el </a:t>
+            </a:r>
+            <a:r>
+              <a:rPr lang="en-US" sz="2400" dirty="0" err="1" smtClean="0"/>
+              <a:t>caso</a:t>
+            </a:r>
+            <a:r>
+              <a:rPr lang="en-US" sz="2400" dirty="0" smtClean="0"/>
+              <a:t> </a:t>
+            </a:r>
+            <a:r>
+              <a:rPr lang="en-US" sz="2400" dirty="0" err="1" smtClean="0"/>
+              <a:t>que</a:t>
+            </a:r>
+            <a:r>
+              <a:rPr lang="en-US" sz="2400" dirty="0" smtClean="0"/>
+              <a:t> </a:t>
+            </a:r>
+            <a:r>
+              <a:rPr lang="en-US" sz="2400" dirty="0" err="1" smtClean="0"/>
+              <a:t>posea</a:t>
+            </a:r>
+            <a:r>
+              <a:rPr lang="en-US" sz="2400" dirty="0" smtClean="0"/>
+              <a:t> </a:t>
+            </a:r>
+            <a:r>
+              <a:rPr lang="en-US" sz="2400" dirty="0" err="1" smtClean="0"/>
+              <a:t>una</a:t>
+            </a:r>
+            <a:r>
+              <a:rPr lang="en-US" sz="2400" dirty="0" smtClean="0"/>
+              <a:t> </a:t>
+            </a:r>
+            <a:r>
+              <a:rPr lang="en-US" sz="2400" dirty="0" err="1" smtClean="0"/>
+              <a:t>cuenta</a:t>
+            </a:r>
+            <a:r>
+              <a:rPr lang="en-US" sz="2400" dirty="0" smtClean="0"/>
+              <a:t> de email de </a:t>
+            </a:r>
+            <a:r>
+              <a:rPr lang="en-US" sz="2400" dirty="0" err="1" smtClean="0"/>
+              <a:t>Zoho</a:t>
+            </a:r>
+            <a:r>
+              <a:rPr lang="en-US" sz="2400" dirty="0" smtClean="0"/>
+              <a:t>, </a:t>
+            </a:r>
+            <a:r>
+              <a:rPr lang="en-US" sz="2400" dirty="0" err="1" smtClean="0"/>
+              <a:t>ingresar</a:t>
+            </a:r>
+            <a:r>
+              <a:rPr lang="en-US" sz="2400" dirty="0" smtClean="0"/>
+              <a:t> a </a:t>
+            </a:r>
+            <a:r>
+              <a:rPr lang="en-US" sz="2400" dirty="0" err="1" smtClean="0"/>
+              <a:t>Zoho</a:t>
+            </a:r>
+            <a:r>
+              <a:rPr lang="en-US" sz="2400" dirty="0" smtClean="0"/>
+              <a:t> Docs, con </a:t>
+            </a:r>
+            <a:r>
+              <a:rPr lang="en-US" sz="2400" dirty="0" err="1" smtClean="0"/>
+              <a:t>su</a:t>
+            </a:r>
+            <a:r>
+              <a:rPr lang="en-US" sz="2400" dirty="0" smtClean="0"/>
+              <a:t> </a:t>
+            </a:r>
+            <a:r>
+              <a:rPr lang="en-US" sz="2400" dirty="0" err="1" smtClean="0"/>
+              <a:t>cuenta</a:t>
+            </a:r>
+            <a:r>
+              <a:rPr lang="en-US" sz="2400" dirty="0" smtClean="0"/>
+              <a:t> </a:t>
+            </a:r>
+            <a:r>
+              <a:rPr lang="en-US" sz="2400" dirty="0" err="1" smtClean="0"/>
+              <a:t>respectiva</a:t>
+            </a:r>
+            <a:r>
+              <a:rPr lang="en-US" sz="2400" dirty="0" smtClean="0"/>
+              <a:t>, </a:t>
+            </a:r>
+            <a:r>
+              <a:rPr lang="en-US" sz="2400" dirty="0" err="1" smtClean="0"/>
+              <a:t>caso</a:t>
+            </a:r>
+            <a:r>
+              <a:rPr lang="en-US" sz="2400" dirty="0" smtClean="0"/>
+              <a:t> </a:t>
+            </a:r>
+            <a:r>
+              <a:rPr lang="en-US" sz="2400" dirty="0" err="1" smtClean="0"/>
+              <a:t>contrario</a:t>
+            </a:r>
+            <a:r>
+              <a:rPr lang="en-US" sz="2400" dirty="0" smtClean="0"/>
+              <a:t> </a:t>
+            </a:r>
+            <a:r>
+              <a:rPr lang="en-US" sz="2400" dirty="0" err="1" smtClean="0"/>
+              <a:t>hacer</a:t>
+            </a:r>
+            <a:r>
+              <a:rPr lang="en-US" sz="2400" dirty="0" smtClean="0"/>
+              <a:t> click en el link de la parte inferior, </a:t>
+            </a:r>
+            <a:r>
+              <a:rPr lang="en-US" sz="2400" dirty="0" err="1" smtClean="0"/>
+              <a:t>donde</a:t>
+            </a:r>
+            <a:r>
+              <a:rPr lang="en-US" sz="2400" dirty="0" smtClean="0"/>
+              <a:t> </a:t>
+            </a:r>
+            <a:r>
+              <a:rPr lang="en-US" sz="2400" dirty="0" err="1" smtClean="0"/>
+              <a:t>indica</a:t>
+            </a:r>
+            <a:r>
+              <a:rPr lang="en-US" sz="2400" dirty="0" smtClean="0"/>
+              <a:t> Sign Up Now</a:t>
+            </a:r>
+            <a:endParaRPr lang="es-ES" sz="2400" dirty="0"/>
+          </a:p>
+        </p:txBody>
+      </p:sp>
+    </p:spTree>
+    <p:extLst>
+      <p:ext uri="{BB962C8B-B14F-4D97-AF65-F5344CB8AC3E}">
+        <p14:creationId xmlns:p14="http://schemas.microsoft.com/office/powerpoint/2010/main" val="1379495410"/>
       </p:ext>
     </p:extLst>
   </p:cSld>
@@ -4864,6 +5179,330 @@
     <p:extLst>
       <p:ext uri="{BB962C8B-B14F-4D97-AF65-F5344CB8AC3E}">
         <p14:creationId xmlns:p14="http://schemas.microsoft.com/office/powerpoint/2010/main" val="1030486328"/>
+      </p:ext>
+    </p:extLst>
+  </p:cSld>
+  <p:clrMapOvr>
+    <a:masterClrMapping/>
+  </p:clrMapOvr>
+</p:sld>
+</file>
+
+<file path=ppt/slides/slide20.xml><?xml version="1.0" encoding="utf-8"?>
+<p:sld xmlns:a="http://schemas.openxmlformats.org/drawingml/2006/main" xmlns:r="http://schemas.openxmlformats.org/officeDocument/2006/relationships" xmlns:p="http://schemas.openxmlformats.org/presentationml/2006/main">
+  <p:cSld>
+    <p:spTree>
+      <p:nvGrpSpPr>
+        <p:cNvPr id="1" name=""/>
+        <p:cNvGrpSpPr/>
+        <p:nvPr/>
+      </p:nvGrpSpPr>
+      <p:grpSpPr>
+        <a:xfrm>
+          <a:off x="0" y="0"/>
+          <a:ext cx="0" cy="0"/>
+          <a:chOff x="0" y="0"/>
+          <a:chExt cx="0" cy="0"/>
+        </a:xfrm>
+      </p:grpSpPr>
+      <p:sp>
+        <p:nvSpPr>
+          <p:cNvPr id="2" name="1 Título"/>
+          <p:cNvSpPr>
+            <a:spLocks noGrp="1"/>
+          </p:cNvSpPr>
+          <p:nvPr>
+            <p:ph type="title"/>
+          </p:nvPr>
+        </p:nvSpPr>
+        <p:spPr/>
+        <p:txBody>
+          <a:bodyPr/>
+          <a:lstStyle/>
+          <a:p>
+            <a:r>
+              <a:rPr lang="en-US" dirty="0" err="1" smtClean="0"/>
+              <a:t>Crear</a:t>
+            </a:r>
+            <a:r>
+              <a:rPr lang="en-US" dirty="0" smtClean="0"/>
+              <a:t> </a:t>
+            </a:r>
+            <a:r>
+              <a:rPr lang="en-US" dirty="0" err="1"/>
+              <a:t>c</a:t>
+            </a:r>
+            <a:r>
+              <a:rPr lang="en-US" dirty="0" err="1" smtClean="0"/>
+              <a:t>uenta</a:t>
+            </a:r>
+            <a:r>
+              <a:rPr lang="en-US" dirty="0" smtClean="0"/>
+              <a:t> </a:t>
+            </a:r>
+            <a:r>
+              <a:rPr lang="en-US" dirty="0" err="1" smtClean="0"/>
+              <a:t>Zoho</a:t>
+            </a:r>
+            <a:r>
+              <a:rPr lang="en-US" dirty="0" smtClean="0"/>
+              <a:t> Docs</a:t>
+            </a:r>
+            <a:endParaRPr lang="es-ES" dirty="0"/>
+          </a:p>
+        </p:txBody>
+      </p:sp>
+      <p:pic>
+        <p:nvPicPr>
+          <p:cNvPr id="4" name="3 Imagen"/>
+          <p:cNvPicPr>
+            <a:picLocks noChangeAspect="1"/>
+          </p:cNvPicPr>
+          <p:nvPr/>
+        </p:nvPicPr>
+        <p:blipFill>
+          <a:blip r:embed="rId2">
+            <a:extLst>
+              <a:ext uri="{28A0092B-C50C-407E-A947-70E740481C1C}">
+                <a14:useLocalDpi xmlns:a14="http://schemas.microsoft.com/office/drawing/2010/main" val="0"/>
+              </a:ext>
+            </a:extLst>
+          </a:blip>
+          <a:stretch>
+            <a:fillRect/>
+          </a:stretch>
+        </p:blipFill>
+        <p:spPr>
+          <a:xfrm>
+            <a:off x="4355976" y="1412776"/>
+            <a:ext cx="4608512" cy="5181600"/>
+          </a:xfrm>
+          <a:prstGeom prst="rect">
+            <a:avLst/>
+          </a:prstGeom>
+        </p:spPr>
+      </p:pic>
+      <p:sp>
+        <p:nvSpPr>
+          <p:cNvPr id="5" name="4 CuadroTexto"/>
+          <p:cNvSpPr txBox="1"/>
+          <p:nvPr/>
+        </p:nvSpPr>
+        <p:spPr>
+          <a:xfrm>
+            <a:off x="323528" y="1412776"/>
+            <a:ext cx="3744416" cy="4524315"/>
+          </a:xfrm>
+          <a:prstGeom prst="rect">
+            <a:avLst/>
+          </a:prstGeom>
+          <a:noFill/>
+        </p:spPr>
+        <p:txBody>
+          <a:bodyPr wrap="square" rtlCol="0">
+            <a:spAutoFit/>
+          </a:bodyPr>
+          <a:lstStyle/>
+          <a:p>
+            <a:r>
+              <a:rPr lang="en-US" sz="2400" dirty="0" smtClean="0"/>
+              <a:t>En el </a:t>
+            </a:r>
+            <a:r>
+              <a:rPr lang="en-US" sz="2400" dirty="0" err="1" smtClean="0"/>
+              <a:t>caso</a:t>
+            </a:r>
+            <a:r>
+              <a:rPr lang="en-US" sz="2400" dirty="0" smtClean="0"/>
+              <a:t> </a:t>
+            </a:r>
+            <a:r>
+              <a:rPr lang="en-US" sz="2400" dirty="0" err="1" smtClean="0"/>
+              <a:t>que</a:t>
+            </a:r>
+            <a:r>
+              <a:rPr lang="en-US" sz="2400" dirty="0" smtClean="0"/>
+              <a:t> no </a:t>
+            </a:r>
+            <a:r>
+              <a:rPr lang="en-US" sz="2400" dirty="0" err="1" smtClean="0"/>
+              <a:t>tenga</a:t>
+            </a:r>
+            <a:r>
+              <a:rPr lang="en-US" sz="2400" dirty="0" smtClean="0"/>
+              <a:t> </a:t>
+            </a:r>
+            <a:r>
+              <a:rPr lang="en-US" sz="2400" dirty="0" err="1" smtClean="0"/>
+              <a:t>cuenta</a:t>
+            </a:r>
+            <a:r>
+              <a:rPr lang="en-US" sz="2400" dirty="0" smtClean="0"/>
+              <a:t> </a:t>
+            </a:r>
+            <a:r>
+              <a:rPr lang="en-US" sz="2400" dirty="0" err="1" smtClean="0"/>
+              <a:t>Zoho</a:t>
+            </a:r>
+            <a:r>
+              <a:rPr lang="en-US" sz="2400" dirty="0" smtClean="0"/>
+              <a:t>, a </a:t>
+            </a:r>
+            <a:r>
+              <a:rPr lang="en-US" sz="2400" dirty="0" err="1" smtClean="0"/>
+              <a:t>traves</a:t>
+            </a:r>
+            <a:r>
+              <a:rPr lang="en-US" sz="2400" dirty="0" smtClean="0"/>
+              <a:t> de </a:t>
+            </a:r>
+            <a:r>
+              <a:rPr lang="en-US" sz="2400" dirty="0" err="1" smtClean="0"/>
+              <a:t>este</a:t>
+            </a:r>
+            <a:r>
+              <a:rPr lang="en-US" sz="2400" dirty="0" smtClean="0"/>
+              <a:t> </a:t>
+            </a:r>
+            <a:r>
+              <a:rPr lang="en-US" sz="2400" dirty="0" err="1" smtClean="0"/>
+              <a:t>formulario</a:t>
+            </a:r>
+            <a:r>
+              <a:rPr lang="en-US" sz="2400" dirty="0" smtClean="0"/>
+              <a:t> </a:t>
+            </a:r>
+            <a:r>
+              <a:rPr lang="en-US" sz="2400" dirty="0" err="1" smtClean="0"/>
+              <a:t>puede</a:t>
+            </a:r>
+            <a:r>
+              <a:rPr lang="en-US" sz="2400" dirty="0" smtClean="0"/>
+              <a:t> </a:t>
+            </a:r>
+            <a:r>
+              <a:rPr lang="en-US" sz="2400" dirty="0" err="1" smtClean="0"/>
+              <a:t>iniciar</a:t>
+            </a:r>
+            <a:r>
+              <a:rPr lang="en-US" sz="2400" dirty="0" smtClean="0"/>
+              <a:t> </a:t>
+            </a:r>
+            <a:r>
+              <a:rPr lang="en-US" sz="2400" dirty="0" err="1" smtClean="0"/>
+              <a:t>Sesion</a:t>
+            </a:r>
+            <a:r>
+              <a:rPr lang="en-US" sz="2400" dirty="0" smtClean="0"/>
+              <a:t> en </a:t>
+            </a:r>
+            <a:r>
+              <a:rPr lang="en-US" sz="2400" dirty="0" err="1" smtClean="0"/>
+              <a:t>Zoho</a:t>
+            </a:r>
+            <a:r>
+              <a:rPr lang="en-US" sz="2400" dirty="0" smtClean="0"/>
+              <a:t> Docs, o </a:t>
+            </a:r>
+            <a:r>
+              <a:rPr lang="en-US" sz="2400" dirty="0" err="1" smtClean="0"/>
+              <a:t>tambien</a:t>
+            </a:r>
+            <a:r>
+              <a:rPr lang="en-US" sz="2400" dirty="0" smtClean="0"/>
+              <a:t> a </a:t>
+            </a:r>
+            <a:r>
+              <a:rPr lang="en-US" sz="2400" dirty="0" err="1" smtClean="0"/>
+              <a:t>traves</a:t>
+            </a:r>
+            <a:r>
+              <a:rPr lang="en-US" sz="2400" dirty="0" smtClean="0"/>
+              <a:t> de </a:t>
+            </a:r>
+            <a:r>
+              <a:rPr lang="en-US" sz="2400" dirty="0" err="1" smtClean="0"/>
+              <a:t>las</a:t>
+            </a:r>
+            <a:r>
+              <a:rPr lang="en-US" sz="2400" dirty="0" smtClean="0"/>
+              <a:t> </a:t>
+            </a:r>
+            <a:r>
+              <a:rPr lang="en-US" sz="2400" dirty="0" err="1" smtClean="0"/>
+              <a:t>siguientes</a:t>
+            </a:r>
+            <a:r>
+              <a:rPr lang="en-US" sz="2400" dirty="0" smtClean="0"/>
+              <a:t> </a:t>
+            </a:r>
+            <a:r>
+              <a:rPr lang="en-US" sz="2400" dirty="0" err="1" smtClean="0"/>
+              <a:t>herramientas</a:t>
+            </a:r>
+            <a:r>
+              <a:rPr lang="en-US" sz="2400" dirty="0" smtClean="0"/>
+              <a:t> </a:t>
+            </a:r>
+            <a:r>
+              <a:rPr lang="en-US" sz="2400" dirty="0" err="1" smtClean="0"/>
+              <a:t>digitales</a:t>
+            </a:r>
+            <a:r>
+              <a:rPr lang="en-US" sz="2400" dirty="0" smtClean="0"/>
+              <a:t>:</a:t>
+            </a:r>
+          </a:p>
+          <a:p>
+            <a:endParaRPr lang="en-US" sz="2400" dirty="0"/>
+          </a:p>
+          <a:p>
+            <a:pPr marL="742950" lvl="1" indent="-285750">
+              <a:buFont typeface="Arial" pitchFamily="34" charset="0"/>
+              <a:buChar char="•"/>
+            </a:pPr>
+            <a:r>
+              <a:rPr lang="en-US" sz="2400" dirty="0" smtClean="0"/>
+              <a:t>Google</a:t>
+            </a:r>
+          </a:p>
+          <a:p>
+            <a:pPr marL="742950" lvl="1" indent="-285750">
+              <a:buFont typeface="Arial" pitchFamily="34" charset="0"/>
+              <a:buChar char="•"/>
+            </a:pPr>
+            <a:r>
+              <a:rPr lang="en-US" sz="2400" dirty="0" smtClean="0"/>
+              <a:t>Facebook</a:t>
+            </a:r>
+          </a:p>
+          <a:p>
+            <a:pPr marL="742950" lvl="1" indent="-285750">
+              <a:buFont typeface="Arial" pitchFamily="34" charset="0"/>
+              <a:buChar char="•"/>
+            </a:pPr>
+            <a:r>
+              <a:rPr lang="en-US" sz="2400" dirty="0" smtClean="0"/>
+              <a:t>Google Apps</a:t>
+            </a:r>
+          </a:p>
+          <a:p>
+            <a:pPr marL="742950" lvl="1" indent="-285750">
+              <a:buFont typeface="Arial" pitchFamily="34" charset="0"/>
+              <a:buChar char="•"/>
+            </a:pPr>
+            <a:r>
+              <a:rPr lang="en-US" sz="2400" dirty="0" smtClean="0"/>
+              <a:t>Yahoo</a:t>
+            </a:r>
+            <a:endParaRPr lang="es-ES" sz="2400" dirty="0"/>
+          </a:p>
+        </p:txBody>
+      </p:sp>
+    </p:spTree>
+    <p:extLst>
+      <p:ext uri="{BB962C8B-B14F-4D97-AF65-F5344CB8AC3E}">
+        <p14:creationId xmlns:p14="http://schemas.microsoft.com/office/powerpoint/2010/main" val="3364419352"/>
       </p:ext>
     </p:extLst>
   </p:cSld>

--- a/2015-2016/clases/informatica_basica/clase_4/clase_4.pptx
+++ b/2015-2016/clases/informatica_basica/clase_4/clase_4.pptx
@@ -237,7 +237,7 @@
           <a:p>
             <a:fld id="{7A847CFC-816F-41D0-AAC0-9BF4FEBC753E}" type="datetimeFigureOut">
               <a:rPr lang="es-ES" smtClean="0"/>
-              <a:t>25/05/2015</a:t>
+              <a:t>26/05/2015</a:t>
             </a:fld>
             <a:endParaRPr lang="es-ES"/>
           </a:p>
@@ -463,7 +463,7 @@
           <a:p>
             <a:fld id="{7A847CFC-816F-41D0-AAC0-9BF4FEBC753E}" type="datetimeFigureOut">
               <a:rPr lang="es-ES" smtClean="0"/>
-              <a:t>25/05/2015</a:t>
+              <a:t>26/05/2015</a:t>
             </a:fld>
             <a:endParaRPr lang="es-ES"/>
           </a:p>
@@ -638,7 +638,7 @@
           <a:p>
             <a:fld id="{7A847CFC-816F-41D0-AAC0-9BF4FEBC753E}" type="datetimeFigureOut">
               <a:rPr lang="es-ES" smtClean="0"/>
-              <a:t>25/05/2015</a:t>
+              <a:t>26/05/2015</a:t>
             </a:fld>
             <a:endParaRPr lang="es-ES"/>
           </a:p>
@@ -803,7 +803,7 @@
           <a:p>
             <a:fld id="{7A847CFC-816F-41D0-AAC0-9BF4FEBC753E}" type="datetimeFigureOut">
               <a:rPr lang="es-ES" smtClean="0"/>
-              <a:t>25/05/2015</a:t>
+              <a:t>26/05/2015</a:t>
             </a:fld>
             <a:endParaRPr lang="es-ES"/>
           </a:p>
@@ -1047,7 +1047,7 @@
           <a:p>
             <a:fld id="{7A847CFC-816F-41D0-AAC0-9BF4FEBC753E}" type="datetimeFigureOut">
               <a:rPr lang="es-ES" smtClean="0"/>
-              <a:t>25/05/2015</a:t>
+              <a:t>26/05/2015</a:t>
             </a:fld>
             <a:endParaRPr lang="es-ES"/>
           </a:p>
@@ -1311,7 +1311,7 @@
           <a:p>
             <a:fld id="{7A847CFC-816F-41D0-AAC0-9BF4FEBC753E}" type="datetimeFigureOut">
               <a:rPr lang="es-ES" smtClean="0"/>
-              <a:t>25/05/2015</a:t>
+              <a:t>26/05/2015</a:t>
             </a:fld>
             <a:endParaRPr lang="es-ES"/>
           </a:p>
@@ -1685,7 +1685,7 @@
           <a:p>
             <a:fld id="{7A847CFC-816F-41D0-AAC0-9BF4FEBC753E}" type="datetimeFigureOut">
               <a:rPr lang="es-ES" smtClean="0"/>
-              <a:t>25/05/2015</a:t>
+              <a:t>26/05/2015</a:t>
             </a:fld>
             <a:endParaRPr lang="es-ES"/>
           </a:p>
@@ -1798,7 +1798,7 @@
           <a:p>
             <a:fld id="{7A847CFC-816F-41D0-AAC0-9BF4FEBC753E}" type="datetimeFigureOut">
               <a:rPr lang="es-ES" smtClean="0"/>
-              <a:t>25/05/2015</a:t>
+              <a:t>26/05/2015</a:t>
             </a:fld>
             <a:endParaRPr lang="es-ES"/>
           </a:p>
@@ -1888,7 +1888,7 @@
           <a:p>
             <a:fld id="{7A847CFC-816F-41D0-AAC0-9BF4FEBC753E}" type="datetimeFigureOut">
               <a:rPr lang="es-ES" smtClean="0"/>
-              <a:t>25/05/2015</a:t>
+              <a:t>26/05/2015</a:t>
             </a:fld>
             <a:endParaRPr lang="es-ES"/>
           </a:p>
@@ -2146,7 +2146,7 @@
           <a:p>
             <a:fld id="{7A847CFC-816F-41D0-AAC0-9BF4FEBC753E}" type="datetimeFigureOut">
               <a:rPr lang="es-ES" smtClean="0"/>
-              <a:t>25/05/2015</a:t>
+              <a:t>26/05/2015</a:t>
             </a:fld>
             <a:endParaRPr lang="es-ES"/>
           </a:p>
@@ -2410,7 +2410,7 @@
           <a:p>
             <a:fld id="{7A847CFC-816F-41D0-AAC0-9BF4FEBC753E}" type="datetimeFigureOut">
               <a:rPr lang="es-ES" smtClean="0"/>
-              <a:t>25/05/2015</a:t>
+              <a:t>26/05/2015</a:t>
             </a:fld>
             <a:endParaRPr lang="es-ES"/>
           </a:p>
@@ -2627,7 +2627,7 @@
           <a:p>
             <a:fld id="{7A847CFC-816F-41D0-AAC0-9BF4FEBC753E}" type="datetimeFigureOut">
               <a:rPr lang="es-ES" smtClean="0"/>
-              <a:t>25/05/2015</a:t>
+              <a:t>26/05/2015</a:t>
             </a:fld>
             <a:endParaRPr lang="es-ES"/>
           </a:p>
@@ -3095,6 +3095,13 @@
   <p:clrMapOvr>
     <a:masterClrMapping/>
   </p:clrMapOvr>
+  <p:timing>
+    <p:tnLst>
+      <p:par>
+        <p:cTn id="1" dur="indefinite" restart="never" nodeType="tmRoot"/>
+      </p:par>
+    </p:tnLst>
+  </p:timing>
 </p:sld>
 </file>
 
@@ -4008,6 +4015,13 @@
   <p:clrMapOvr>
     <a:masterClrMapping/>
   </p:clrMapOvr>
+  <p:timing>
+    <p:tnLst>
+      <p:par>
+        <p:cTn id="1" dur="indefinite" restart="never" nodeType="tmRoot"/>
+      </p:par>
+    </p:tnLst>
+  </p:timing>
 </p:sld>
 </file>
 
@@ -4400,6 +4414,13 @@
   <p:clrMapOvr>
     <a:masterClrMapping/>
   </p:clrMapOvr>
+  <p:timing>
+    <p:tnLst>
+      <p:par>
+        <p:cTn id="1" dur="indefinite" restart="never" nodeType="tmRoot"/>
+      </p:par>
+    </p:tnLst>
+  </p:timing>
 </p:sld>
 </file>
 
@@ -5067,6 +5088,13 @@
   <p:clrMapOvr>
     <a:masterClrMapping/>
   </p:clrMapOvr>
+  <p:timing>
+    <p:tnLst>
+      <p:par>
+        <p:cTn id="1" dur="indefinite" restart="never" nodeType="tmRoot"/>
+      </p:par>
+    </p:tnLst>
+  </p:timing>
 </p:sld>
 </file>
 
@@ -5185,6 +5213,13 @@
   <p:clrMapOvr>
     <a:masterClrMapping/>
   </p:clrMapOvr>
+  <p:timing>
+    <p:tnLst>
+      <p:par>
+        <p:cTn id="1" dur="indefinite" restart="never" nodeType="tmRoot"/>
+      </p:par>
+    </p:tnLst>
+  </p:timing>
 </p:sld>
 </file>
 
@@ -5509,6 +5544,13 @@
   <p:clrMapOvr>
     <a:masterClrMapping/>
   </p:clrMapOvr>
+  <p:timing>
+    <p:tnLst>
+      <p:par>
+        <p:cTn id="1" dur="indefinite" restart="never" nodeType="tmRoot"/>
+      </p:par>
+    </p:tnLst>
+  </p:timing>
 </p:sld>
 </file>
 
@@ -5694,6 +5736,13 @@
   <p:clrMapOvr>
     <a:masterClrMapping/>
   </p:clrMapOvr>
+  <p:timing>
+    <p:tnLst>
+      <p:par>
+        <p:cTn id="1" dur="indefinite" restart="never" nodeType="tmRoot"/>
+      </p:par>
+    </p:tnLst>
+  </p:timing>
 </p:sld>
 </file>
 
@@ -5905,6 +5954,13 @@
   <p:clrMapOvr>
     <a:masterClrMapping/>
   </p:clrMapOvr>
+  <p:timing>
+    <p:tnLst>
+      <p:par>
+        <p:cTn id="1" dur="indefinite" restart="never" nodeType="tmRoot"/>
+      </p:par>
+    </p:tnLst>
+  </p:timing>
 </p:sld>
 </file>
 
@@ -6030,6 +6086,13 @@
   <p:clrMapOvr>
     <a:masterClrMapping/>
   </p:clrMapOvr>
+  <p:timing>
+    <p:tnLst>
+      <p:par>
+        <p:cTn id="1" dur="indefinite" restart="never" nodeType="tmRoot"/>
+      </p:par>
+    </p:tnLst>
+  </p:timing>
 </p:sld>
 </file>
 
@@ -6163,6 +6226,13 @@
   <p:clrMapOvr>
     <a:masterClrMapping/>
   </p:clrMapOvr>
+  <p:timing>
+    <p:tnLst>
+      <p:par>
+        <p:cTn id="1" dur="indefinite" restart="never" nodeType="tmRoot"/>
+      </p:par>
+    </p:tnLst>
+  </p:timing>
 </p:sld>
 </file>
 
@@ -6359,6 +6429,13 @@
   <p:clrMapOvr>
     <a:masterClrMapping/>
   </p:clrMapOvr>
+  <p:timing>
+    <p:tnLst>
+      <p:par>
+        <p:cTn id="1" dur="indefinite" restart="never" nodeType="tmRoot"/>
+      </p:par>
+    </p:tnLst>
+  </p:timing>
 </p:sld>
 </file>
 
@@ -6535,6 +6612,13 @@
   <p:clrMapOvr>
     <a:masterClrMapping/>
   </p:clrMapOvr>
+  <p:timing>
+    <p:tnLst>
+      <p:par>
+        <p:cTn id="1" dur="indefinite" restart="never" nodeType="tmRoot"/>
+      </p:par>
+    </p:tnLst>
+  </p:timing>
 </p:sld>
 </file>
 
